--- a/Email management/PPT/BPM email management process.pptx
+++ b/Email management/PPT/BPM email management process.pptx
@@ -1,47 +1,47 @@
 
 <file path=ppt/presentation.xml><?xml version="1.0" encoding="utf-8"?>
-<p:presentation xmlns:a="http://schemas.openxmlformats.org/drawingml/2006/main" xmlns:r="http://schemas.openxmlformats.org/officeDocument/2006/relationships" xmlns:mc="http://schemas.openxmlformats.org/markup-compatibility/2006" xmlns:mv="urn:schemas-microsoft-com:mac:vml" xmlns:p="http://schemas.openxmlformats.org/presentationml/2006/main" xmlns:c="http://schemas.openxmlformats.org/drawingml/2006/chart" xmlns:dgm="http://schemas.openxmlformats.org/drawingml/2006/diagram" xmlns:o="urn:schemas-microsoft-com:office:office" xmlns:v="urn:schemas-microsoft-com:vml" xmlns:pvml="urn:schemas-microsoft-com:office:powerpoint" xmlns:com="http://schemas.openxmlformats.org/drawingml/2006/compatibility" xmlns:p14="http://schemas.microsoft.com/office/powerpoint/2010/main" xmlns:p15="http://schemas.microsoft.com/office/powerpoint/2012/main" autoCompressPictures="0" embedTrueTypeFonts="1" strictFirstAndLastChars="0" saveSubsetFonts="1" showSpecialPlsOnTitleSld="0">
+<p:presentation xmlns:a="http://schemas.openxmlformats.org/drawingml/2006/main" xmlns:r="http://schemas.openxmlformats.org/officeDocument/2006/relationships" xmlns:p="http://schemas.openxmlformats.org/presentationml/2006/main" showSpecialPlsOnTitleSld="0" strictFirstAndLastChars="0" embedTrueTypeFonts="1" saveSubsetFonts="1" autoCompressPictures="0">
   <p:sldMasterIdLst>
-    <p:sldMasterId id="2147483659" r:id="rId3"/>
+    <p:sldMasterId id="2147483659" r:id="rId1"/>
   </p:sldMasterIdLst>
   <p:notesMasterIdLst>
-    <p:notesMasterId r:id="rId4"/>
+    <p:notesMasterId r:id="rId15"/>
   </p:notesMasterIdLst>
   <p:sldIdLst>
-    <p:sldId id="256" r:id="rId5"/>
-    <p:sldId id="257" r:id="rId6"/>
-    <p:sldId id="258" r:id="rId7"/>
-    <p:sldId id="259" r:id="rId8"/>
-    <p:sldId id="260" r:id="rId9"/>
-    <p:sldId id="261" r:id="rId10"/>
-    <p:sldId id="262" r:id="rId11"/>
-    <p:sldId id="263" r:id="rId12"/>
-    <p:sldId id="264" r:id="rId13"/>
-    <p:sldId id="265" r:id="rId14"/>
-    <p:sldId id="266" r:id="rId15"/>
-    <p:sldId id="267" r:id="rId16"/>
-    <p:sldId id="268" r:id="rId17"/>
+    <p:sldId id="256" r:id="rId2"/>
+    <p:sldId id="257" r:id="rId3"/>
+    <p:sldId id="258" r:id="rId4"/>
+    <p:sldId id="259" r:id="rId5"/>
+    <p:sldId id="260" r:id="rId6"/>
+    <p:sldId id="261" r:id="rId7"/>
+    <p:sldId id="262" r:id="rId8"/>
+    <p:sldId id="263" r:id="rId9"/>
+    <p:sldId id="264" r:id="rId10"/>
+    <p:sldId id="265" r:id="rId11"/>
+    <p:sldId id="266" r:id="rId12"/>
+    <p:sldId id="267" r:id="rId13"/>
+    <p:sldId id="268" r:id="rId14"/>
   </p:sldIdLst>
-  <p:sldSz cy="6858000" cx="9144000"/>
+  <p:sldSz cx="9144000" cy="6858000" type="screen4x3"/>
   <p:notesSz cx="6858000" cy="9144000"/>
   <p:embeddedFontLst>
     <p:embeddedFont>
-      <p:font typeface="Roboto"/>
-      <p:regular r:id="rId18"/>
-      <p:bold r:id="rId19"/>
-      <p:italic r:id="rId20"/>
-      <p:boldItalic r:id="rId21"/>
+      <p:font typeface="Open Sans" panose="020B0604020202020204" charset="0"/>
+      <p:regular r:id="rId16"/>
+      <p:bold r:id="rId17"/>
+      <p:italic r:id="rId18"/>
+      <p:boldItalic r:id="rId19"/>
     </p:embeddedFont>
     <p:embeddedFont>
-      <p:font typeface="Open Sans"/>
-      <p:regular r:id="rId22"/>
-      <p:bold r:id="rId23"/>
-      <p:italic r:id="rId24"/>
-      <p:boldItalic r:id="rId25"/>
+      <p:font typeface="Roboto" panose="02000000000000000000" pitchFamily="2" charset="0"/>
+      <p:regular r:id="rId20"/>
+      <p:bold r:id="rId21"/>
+      <p:italic r:id="rId22"/>
+      <p:boldItalic r:id="rId23"/>
     </p:embeddedFont>
   </p:embeddedFontLst>
   <p:defaultTextStyle>
-    <a:defPPr lvl="0" marR="0" rtl="0" algn="l">
+    <a:defPPr marR="0" lvl="0" algn="l" rtl="0">
       <a:lnSpc>
         <a:spcPct val="100000"/>
       </a:lnSpc>
@@ -52,7 +52,7 @@
         <a:spcPts val="0"/>
       </a:spcAft>
     </a:defPPr>
-    <a:lvl1pPr lvl="0" marR="0" rtl="0" algn="l">
+    <a:lvl1pPr marR="0" lvl="0" algn="l" rtl="0">
       <a:lnSpc>
         <a:spcPct val="100000"/>
       </a:lnSpc>
@@ -66,7 +66,7 @@
         <a:srgbClr val="000000"/>
       </a:buClr>
       <a:buFont typeface="Arial"/>
-      <a:defRPr b="0" i="0" sz="1400" u="none" cap="none" strike="noStrike">
+      <a:defRPr sz="1400" b="0" i="0" u="none" strike="noStrike" cap="none">
         <a:solidFill>
           <a:srgbClr val="000000"/>
         </a:solidFill>
@@ -76,7 +76,7 @@
         <a:sym typeface="Arial"/>
       </a:defRPr>
     </a:lvl1pPr>
-    <a:lvl2pPr lvl="1" marR="0" rtl="0" algn="l">
+    <a:lvl2pPr marR="0" lvl="1" algn="l" rtl="0">
       <a:lnSpc>
         <a:spcPct val="100000"/>
       </a:lnSpc>
@@ -90,7 +90,7 @@
         <a:srgbClr val="000000"/>
       </a:buClr>
       <a:buFont typeface="Arial"/>
-      <a:defRPr b="0" i="0" sz="1400" u="none" cap="none" strike="noStrike">
+      <a:defRPr sz="1400" b="0" i="0" u="none" strike="noStrike" cap="none">
         <a:solidFill>
           <a:srgbClr val="000000"/>
         </a:solidFill>
@@ -100,7 +100,7 @@
         <a:sym typeface="Arial"/>
       </a:defRPr>
     </a:lvl2pPr>
-    <a:lvl3pPr lvl="2" marR="0" rtl="0" algn="l">
+    <a:lvl3pPr marR="0" lvl="2" algn="l" rtl="0">
       <a:lnSpc>
         <a:spcPct val="100000"/>
       </a:lnSpc>
@@ -114,7 +114,7 @@
         <a:srgbClr val="000000"/>
       </a:buClr>
       <a:buFont typeface="Arial"/>
-      <a:defRPr b="0" i="0" sz="1400" u="none" cap="none" strike="noStrike">
+      <a:defRPr sz="1400" b="0" i="0" u="none" strike="noStrike" cap="none">
         <a:solidFill>
           <a:srgbClr val="000000"/>
         </a:solidFill>
@@ -124,7 +124,7 @@
         <a:sym typeface="Arial"/>
       </a:defRPr>
     </a:lvl3pPr>
-    <a:lvl4pPr lvl="3" marR="0" rtl="0" algn="l">
+    <a:lvl4pPr marR="0" lvl="3" algn="l" rtl="0">
       <a:lnSpc>
         <a:spcPct val="100000"/>
       </a:lnSpc>
@@ -138,7 +138,7 @@
         <a:srgbClr val="000000"/>
       </a:buClr>
       <a:buFont typeface="Arial"/>
-      <a:defRPr b="0" i="0" sz="1400" u="none" cap="none" strike="noStrike">
+      <a:defRPr sz="1400" b="0" i="0" u="none" strike="noStrike" cap="none">
         <a:solidFill>
           <a:srgbClr val="000000"/>
         </a:solidFill>
@@ -148,7 +148,7 @@
         <a:sym typeface="Arial"/>
       </a:defRPr>
     </a:lvl4pPr>
-    <a:lvl5pPr lvl="4" marR="0" rtl="0" algn="l">
+    <a:lvl5pPr marR="0" lvl="4" algn="l" rtl="0">
       <a:lnSpc>
         <a:spcPct val="100000"/>
       </a:lnSpc>
@@ -162,7 +162,7 @@
         <a:srgbClr val="000000"/>
       </a:buClr>
       <a:buFont typeface="Arial"/>
-      <a:defRPr b="0" i="0" sz="1400" u="none" cap="none" strike="noStrike">
+      <a:defRPr sz="1400" b="0" i="0" u="none" strike="noStrike" cap="none">
         <a:solidFill>
           <a:srgbClr val="000000"/>
         </a:solidFill>
@@ -172,7 +172,7 @@
         <a:sym typeface="Arial"/>
       </a:defRPr>
     </a:lvl5pPr>
-    <a:lvl6pPr lvl="5" marR="0" rtl="0" algn="l">
+    <a:lvl6pPr marR="0" lvl="5" algn="l" rtl="0">
       <a:lnSpc>
         <a:spcPct val="100000"/>
       </a:lnSpc>
@@ -186,7 +186,7 @@
         <a:srgbClr val="000000"/>
       </a:buClr>
       <a:buFont typeface="Arial"/>
-      <a:defRPr b="0" i="0" sz="1400" u="none" cap="none" strike="noStrike">
+      <a:defRPr sz="1400" b="0" i="0" u="none" strike="noStrike" cap="none">
         <a:solidFill>
           <a:srgbClr val="000000"/>
         </a:solidFill>
@@ -196,7 +196,7 @@
         <a:sym typeface="Arial"/>
       </a:defRPr>
     </a:lvl6pPr>
-    <a:lvl7pPr lvl="6" marR="0" rtl="0" algn="l">
+    <a:lvl7pPr marR="0" lvl="6" algn="l" rtl="0">
       <a:lnSpc>
         <a:spcPct val="100000"/>
       </a:lnSpc>
@@ -210,7 +210,7 @@
         <a:srgbClr val="000000"/>
       </a:buClr>
       <a:buFont typeface="Arial"/>
-      <a:defRPr b="0" i="0" sz="1400" u="none" cap="none" strike="noStrike">
+      <a:defRPr sz="1400" b="0" i="0" u="none" strike="noStrike" cap="none">
         <a:solidFill>
           <a:srgbClr val="000000"/>
         </a:solidFill>
@@ -220,7 +220,7 @@
         <a:sym typeface="Arial"/>
       </a:defRPr>
     </a:lvl7pPr>
-    <a:lvl8pPr lvl="7" marR="0" rtl="0" algn="l">
+    <a:lvl8pPr marR="0" lvl="7" algn="l" rtl="0">
       <a:lnSpc>
         <a:spcPct val="100000"/>
       </a:lnSpc>
@@ -234,7 +234,7 @@
         <a:srgbClr val="000000"/>
       </a:buClr>
       <a:buFont typeface="Arial"/>
-      <a:defRPr b="0" i="0" sz="1400" u="none" cap="none" strike="noStrike">
+      <a:defRPr sz="1400" b="0" i="0" u="none" strike="noStrike" cap="none">
         <a:solidFill>
           <a:srgbClr val="000000"/>
         </a:solidFill>
@@ -244,7 +244,7 @@
         <a:sym typeface="Arial"/>
       </a:defRPr>
     </a:lvl8pPr>
-    <a:lvl9pPr lvl="8" marR="0" rtl="0" algn="l">
+    <a:lvl9pPr marR="0" lvl="8" algn="l" rtl="0">
       <a:lnSpc>
         <a:spcPct val="100000"/>
       </a:lnSpc>
@@ -258,7 +258,7 @@
         <a:srgbClr val="000000"/>
       </a:buClr>
       <a:buFont typeface="Arial"/>
-      <a:defRPr b="0" i="0" sz="1400" u="none" cap="none" strike="noStrike">
+      <a:defRPr sz="1400" b="0" i="0" u="none" strike="noStrike" cap="none">
         <a:solidFill>
           <a:srgbClr val="000000"/>
         </a:solidFill>
@@ -273,11 +273,16 @@
 </file>
 
 <file path=ppt/notesMasters/notesMaster1.xml><?xml version="1.0" encoding="utf-8"?>
-<p:notesMaster xmlns:a="http://schemas.openxmlformats.org/drawingml/2006/main" xmlns:r="http://schemas.openxmlformats.org/officeDocument/2006/relationships" xmlns:mc="http://schemas.openxmlformats.org/markup-compatibility/2006" xmlns:mv="urn:schemas-microsoft-com:mac:vml" xmlns:p="http://schemas.openxmlformats.org/presentationml/2006/main" xmlns:c="http://schemas.openxmlformats.org/drawingml/2006/chart" xmlns:dgm="http://schemas.openxmlformats.org/drawingml/2006/diagram" xmlns:o="urn:schemas-microsoft-com:office:office" xmlns:v="urn:schemas-microsoft-com:vml" xmlns:pvml="urn:schemas-microsoft-com:office:powerpoint" xmlns:com="http://schemas.openxmlformats.org/drawingml/2006/compatibility" xmlns:p14="http://schemas.microsoft.com/office/powerpoint/2010/main" xmlns:p15="http://schemas.microsoft.com/office/powerpoint/2012/main">
+<p:notesMaster xmlns:a="http://schemas.openxmlformats.org/drawingml/2006/main" xmlns:r="http://schemas.openxmlformats.org/officeDocument/2006/relationships" xmlns:p="http://schemas.openxmlformats.org/presentationml/2006/main">
   <p:cSld>
+    <p:bg>
+      <p:bgRef idx="1001">
+        <a:schemeClr val="bg1"/>
+      </p:bgRef>
+    </p:bg>
     <p:spTree>
       <p:nvGrpSpPr>
-        <p:cNvPr id="2" name="Shape 2"/>
+        <p:cNvPr id="1" name="Shape 2"/>
         <p:cNvGrpSpPr/>
         <p:nvPr/>
       </p:nvGrpSpPr>
@@ -292,9 +297,11 @@
       <p:sp>
         <p:nvSpPr>
           <p:cNvPr id="3" name="Google Shape;3;n"/>
-          <p:cNvSpPr/>
+          <p:cNvSpPr>
+            <a:spLocks noGrp="1" noRot="1" noChangeAspect="1"/>
+          </p:cNvSpPr>
           <p:nvPr>
-            <p:ph idx="2" type="sldImg"/>
+            <p:ph type="sldImg" idx="2"/>
           </p:nvPr>
         </p:nvSpPr>
         <p:spPr>
@@ -303,9 +310,13 @@
             <a:ext cx="4572000" cy="3429000"/>
           </a:xfrm>
           <a:custGeom>
-            <a:rect b="b" l="l" r="r" t="t"/>
+            <a:avLst/>
+            <a:gdLst/>
+            <a:ahLst/>
+            <a:cxnLst/>
+            <a:rect l="l" t="t" r="r" b="b"/>
             <a:pathLst>
-              <a:path extrusionOk="0" h="120000" w="120000">
+              <a:path w="120000" h="120000" extrusionOk="0">
                 <a:moveTo>
                   <a:pt x="0" y="0"/>
                 </a:moveTo>
@@ -323,23 +334,25 @@
             </a:pathLst>
           </a:custGeom>
           <a:noFill/>
-          <a:ln cap="flat" cmpd="sng" w="9525">
+          <a:ln w="9525" cap="flat" cmpd="sng">
             <a:solidFill>
               <a:srgbClr val="000000"/>
             </a:solidFill>
             <a:prstDash val="solid"/>
             <a:round/>
-            <a:headEnd len="sm" w="sm" type="none"/>
-            <a:tailEnd len="sm" w="sm" type="none"/>
+            <a:headEnd type="none" w="sm" len="sm"/>
+            <a:tailEnd type="none" w="sm" len="sm"/>
           </a:ln>
         </p:spPr>
       </p:sp>
       <p:sp>
         <p:nvSpPr>
           <p:cNvPr id="4" name="Google Shape;4;n"/>
-          <p:cNvSpPr txBox="1"/>
+          <p:cNvSpPr txBox="1">
+            <a:spLocks noGrp="1"/>
+          </p:cNvSpPr>
           <p:nvPr>
-            <p:ph idx="1" type="body"/>
+            <p:ph type="body" idx="1"/>
           </p:nvPr>
         </p:nvSpPr>
         <p:spPr>
@@ -356,11 +369,11 @@
           </a:ln>
         </p:spPr>
         <p:txBody>
-          <a:bodyPr anchorCtr="0" anchor="t" bIns="91425" lIns="91425" spcFirstLastPara="1" rIns="91425" wrap="square" tIns="91425">
+          <a:bodyPr spcFirstLastPara="1" wrap="square" lIns="91425" tIns="91425" rIns="91425" bIns="91425" anchor="t" anchorCtr="0">
             <a:noAutofit/>
           </a:bodyPr>
           <a:lstStyle>
-            <a:lvl1pPr indent="-317500" lvl="0" marL="457200">
+            <a:lvl1pPr marL="457200" lvl="0" indent="-317500">
               <a:spcBef>
                 <a:spcPts val="0"/>
               </a:spcBef>
@@ -371,7 +384,7 @@
               <a:buChar char="●"/>
               <a:defRPr sz="1100"/>
             </a:lvl1pPr>
-            <a:lvl2pPr indent="-317500" lvl="1" marL="914400">
+            <a:lvl2pPr marL="914400" lvl="1" indent="-317500">
               <a:spcBef>
                 <a:spcPts val="0"/>
               </a:spcBef>
@@ -382,7 +395,7 @@
               <a:buChar char="○"/>
               <a:defRPr sz="1100"/>
             </a:lvl2pPr>
-            <a:lvl3pPr indent="-317500" lvl="2" marL="1371600">
+            <a:lvl3pPr marL="1371600" lvl="2" indent="-317500">
               <a:spcBef>
                 <a:spcPts val="0"/>
               </a:spcBef>
@@ -393,7 +406,7 @@
               <a:buChar char="■"/>
               <a:defRPr sz="1100"/>
             </a:lvl3pPr>
-            <a:lvl4pPr indent="-317500" lvl="3" marL="1828800">
+            <a:lvl4pPr marL="1828800" lvl="3" indent="-317500">
               <a:spcBef>
                 <a:spcPts val="0"/>
               </a:spcBef>
@@ -404,7 +417,7 @@
               <a:buChar char="●"/>
               <a:defRPr sz="1100"/>
             </a:lvl4pPr>
-            <a:lvl5pPr indent="-317500" lvl="4" marL="2286000">
+            <a:lvl5pPr marL="2286000" lvl="4" indent="-317500">
               <a:spcBef>
                 <a:spcPts val="0"/>
               </a:spcBef>
@@ -415,7 +428,7 @@
               <a:buChar char="○"/>
               <a:defRPr sz="1100"/>
             </a:lvl5pPr>
-            <a:lvl6pPr indent="-317500" lvl="5" marL="2743200">
+            <a:lvl6pPr marL="2743200" lvl="5" indent="-317500">
               <a:spcBef>
                 <a:spcPts val="0"/>
               </a:spcBef>
@@ -426,7 +439,7 @@
               <a:buChar char="■"/>
               <a:defRPr sz="1100"/>
             </a:lvl6pPr>
-            <a:lvl7pPr indent="-317500" lvl="6" marL="3200400">
+            <a:lvl7pPr marL="3200400" lvl="6" indent="-317500">
               <a:spcBef>
                 <a:spcPts val="0"/>
               </a:spcBef>
@@ -437,7 +450,7 @@
               <a:buChar char="●"/>
               <a:defRPr sz="1100"/>
             </a:lvl7pPr>
-            <a:lvl8pPr indent="-317500" lvl="7" marL="3657600">
+            <a:lvl8pPr marL="3657600" lvl="7" indent="-317500">
               <a:spcBef>
                 <a:spcPts val="0"/>
               </a:spcBef>
@@ -448,7 +461,7 @@
               <a:buChar char="○"/>
               <a:defRPr sz="1100"/>
             </a:lvl8pPr>
-            <a:lvl9pPr indent="-317500" lvl="8" marL="4114800">
+            <a:lvl9pPr marL="4114800" lvl="8" indent="-317500">
               <a:spcBef>
                 <a:spcPts val="0"/>
               </a:spcBef>
@@ -460,14 +473,16 @@
               <a:defRPr sz="1100"/>
             </a:lvl9pPr>
           </a:lstStyle>
-          <a:p/>
+          <a:p>
+            <a:endParaRPr/>
+          </a:p>
         </p:txBody>
       </p:sp>
     </p:spTree>
   </p:cSld>
-  <p:clrMap accent1="accent1" accent2="accent2" accent3="accent3" accent4="accent4" accent5="accent5" accent6="accent6" bg1="lt1" bg2="dk2" tx1="dk1" tx2="lt2" folHlink="folHlink" hlink="hlink"/>
+  <p:clrMap bg1="lt1" tx1="dk1" bg2="dk2" tx2="lt2" accent1="accent1" accent2="accent2" accent3="accent3" accent4="accent4" accent5="accent5" accent6="accent6" hlink="hlink" folHlink="folHlink"/>
   <p:notesStyle>
-    <a:defPPr lvl="0" marR="0" rtl="0" algn="l">
+    <a:defPPr marR="0" lvl="0" algn="l" rtl="0">
       <a:lnSpc>
         <a:spcPct val="100000"/>
       </a:lnSpc>
@@ -478,7 +493,7 @@
         <a:spcPts val="0"/>
       </a:spcAft>
     </a:defPPr>
-    <a:lvl1pPr lvl="0" marR="0" rtl="0" algn="l">
+    <a:lvl1pPr marR="0" lvl="0" algn="l" rtl="0">
       <a:lnSpc>
         <a:spcPct val="100000"/>
       </a:lnSpc>
@@ -492,7 +507,7 @@
         <a:srgbClr val="000000"/>
       </a:buClr>
       <a:buFont typeface="Arial"/>
-      <a:defRPr b="0" i="0" sz="1400" u="none" cap="none" strike="noStrike">
+      <a:defRPr sz="1400" b="0" i="0" u="none" strike="noStrike" cap="none">
         <a:solidFill>
           <a:srgbClr val="000000"/>
         </a:solidFill>
@@ -502,7 +517,7 @@
         <a:sym typeface="Arial"/>
       </a:defRPr>
     </a:lvl1pPr>
-    <a:lvl2pPr lvl="1" marR="0" rtl="0" algn="l">
+    <a:lvl2pPr marR="0" lvl="1" algn="l" rtl="0">
       <a:lnSpc>
         <a:spcPct val="100000"/>
       </a:lnSpc>
@@ -516,7 +531,7 @@
         <a:srgbClr val="000000"/>
       </a:buClr>
       <a:buFont typeface="Arial"/>
-      <a:defRPr b="0" i="0" sz="1400" u="none" cap="none" strike="noStrike">
+      <a:defRPr sz="1400" b="0" i="0" u="none" strike="noStrike" cap="none">
         <a:solidFill>
           <a:srgbClr val="000000"/>
         </a:solidFill>
@@ -526,7 +541,7 @@
         <a:sym typeface="Arial"/>
       </a:defRPr>
     </a:lvl2pPr>
-    <a:lvl3pPr lvl="2" marR="0" rtl="0" algn="l">
+    <a:lvl3pPr marR="0" lvl="2" algn="l" rtl="0">
       <a:lnSpc>
         <a:spcPct val="100000"/>
       </a:lnSpc>
@@ -540,7 +555,7 @@
         <a:srgbClr val="000000"/>
       </a:buClr>
       <a:buFont typeface="Arial"/>
-      <a:defRPr b="0" i="0" sz="1400" u="none" cap="none" strike="noStrike">
+      <a:defRPr sz="1400" b="0" i="0" u="none" strike="noStrike" cap="none">
         <a:solidFill>
           <a:srgbClr val="000000"/>
         </a:solidFill>
@@ -550,7 +565,7 @@
         <a:sym typeface="Arial"/>
       </a:defRPr>
     </a:lvl3pPr>
-    <a:lvl4pPr lvl="3" marR="0" rtl="0" algn="l">
+    <a:lvl4pPr marR="0" lvl="3" algn="l" rtl="0">
       <a:lnSpc>
         <a:spcPct val="100000"/>
       </a:lnSpc>
@@ -564,7 +579,7 @@
         <a:srgbClr val="000000"/>
       </a:buClr>
       <a:buFont typeface="Arial"/>
-      <a:defRPr b="0" i="0" sz="1400" u="none" cap="none" strike="noStrike">
+      <a:defRPr sz="1400" b="0" i="0" u="none" strike="noStrike" cap="none">
         <a:solidFill>
           <a:srgbClr val="000000"/>
         </a:solidFill>
@@ -574,7 +589,7 @@
         <a:sym typeface="Arial"/>
       </a:defRPr>
     </a:lvl4pPr>
-    <a:lvl5pPr lvl="4" marR="0" rtl="0" algn="l">
+    <a:lvl5pPr marR="0" lvl="4" algn="l" rtl="0">
       <a:lnSpc>
         <a:spcPct val="100000"/>
       </a:lnSpc>
@@ -588,7 +603,7 @@
         <a:srgbClr val="000000"/>
       </a:buClr>
       <a:buFont typeface="Arial"/>
-      <a:defRPr b="0" i="0" sz="1400" u="none" cap="none" strike="noStrike">
+      <a:defRPr sz="1400" b="0" i="0" u="none" strike="noStrike" cap="none">
         <a:solidFill>
           <a:srgbClr val="000000"/>
         </a:solidFill>
@@ -598,7 +613,7 @@
         <a:sym typeface="Arial"/>
       </a:defRPr>
     </a:lvl5pPr>
-    <a:lvl6pPr lvl="5" marR="0" rtl="0" algn="l">
+    <a:lvl6pPr marR="0" lvl="5" algn="l" rtl="0">
       <a:lnSpc>
         <a:spcPct val="100000"/>
       </a:lnSpc>
@@ -612,7 +627,7 @@
         <a:srgbClr val="000000"/>
       </a:buClr>
       <a:buFont typeface="Arial"/>
-      <a:defRPr b="0" i="0" sz="1400" u="none" cap="none" strike="noStrike">
+      <a:defRPr sz="1400" b="0" i="0" u="none" strike="noStrike" cap="none">
         <a:solidFill>
           <a:srgbClr val="000000"/>
         </a:solidFill>
@@ -622,7 +637,7 @@
         <a:sym typeface="Arial"/>
       </a:defRPr>
     </a:lvl6pPr>
-    <a:lvl7pPr lvl="6" marR="0" rtl="0" algn="l">
+    <a:lvl7pPr marR="0" lvl="6" algn="l" rtl="0">
       <a:lnSpc>
         <a:spcPct val="100000"/>
       </a:lnSpc>
@@ -636,7 +651,7 @@
         <a:srgbClr val="000000"/>
       </a:buClr>
       <a:buFont typeface="Arial"/>
-      <a:defRPr b="0" i="0" sz="1400" u="none" cap="none" strike="noStrike">
+      <a:defRPr sz="1400" b="0" i="0" u="none" strike="noStrike" cap="none">
         <a:solidFill>
           <a:srgbClr val="000000"/>
         </a:solidFill>
@@ -646,7 +661,7 @@
         <a:sym typeface="Arial"/>
       </a:defRPr>
     </a:lvl7pPr>
-    <a:lvl8pPr lvl="7" marR="0" rtl="0" algn="l">
+    <a:lvl8pPr marR="0" lvl="7" algn="l" rtl="0">
       <a:lnSpc>
         <a:spcPct val="100000"/>
       </a:lnSpc>
@@ -660,7 +675,7 @@
         <a:srgbClr val="000000"/>
       </a:buClr>
       <a:buFont typeface="Arial"/>
-      <a:defRPr b="0" i="0" sz="1400" u="none" cap="none" strike="noStrike">
+      <a:defRPr sz="1400" b="0" i="0" u="none" strike="noStrike" cap="none">
         <a:solidFill>
           <a:srgbClr val="000000"/>
         </a:solidFill>
@@ -670,7 +685,7 @@
         <a:sym typeface="Arial"/>
       </a:defRPr>
     </a:lvl8pPr>
-    <a:lvl9pPr lvl="8" marR="0" rtl="0" algn="l">
+    <a:lvl9pPr marR="0" lvl="8" algn="l" rtl="0">
       <a:lnSpc>
         <a:spcPct val="100000"/>
       </a:lnSpc>
@@ -684,7 +699,7 @@
         <a:srgbClr val="000000"/>
       </a:buClr>
       <a:buFont typeface="Arial"/>
-      <a:defRPr b="0" i="0" sz="1400" u="none" cap="none" strike="noStrike">
+      <a:defRPr sz="1400" b="0" i="0" u="none" strike="noStrike" cap="none">
         <a:solidFill>
           <a:srgbClr val="000000"/>
         </a:solidFill>
@@ -699,11 +714,11 @@
 </file>
 
 <file path=ppt/notesSlides/notesSlide1.xml><?xml version="1.0" encoding="utf-8"?>
-<p:notes xmlns:a="http://schemas.openxmlformats.org/drawingml/2006/main" xmlns:r="http://schemas.openxmlformats.org/officeDocument/2006/relationships" xmlns:mc="http://schemas.openxmlformats.org/markup-compatibility/2006" xmlns:mv="urn:schemas-microsoft-com:mac:vml" xmlns:p="http://schemas.openxmlformats.org/presentationml/2006/main" xmlns:c="http://schemas.openxmlformats.org/drawingml/2006/chart" xmlns:dgm="http://schemas.openxmlformats.org/drawingml/2006/diagram" xmlns:o="urn:schemas-microsoft-com:office:office" xmlns:v="urn:schemas-microsoft-com:vml" xmlns:pvml="urn:schemas-microsoft-com:office:powerpoint" xmlns:com="http://schemas.openxmlformats.org/drawingml/2006/compatibility" xmlns:p14="http://schemas.microsoft.com/office/powerpoint/2010/main" xmlns:p15="http://schemas.microsoft.com/office/powerpoint/2012/main" showMasterPhAnim="0" showMasterSp="0">
+<p:notes xmlns:a="http://schemas.openxmlformats.org/drawingml/2006/main" xmlns:r="http://schemas.openxmlformats.org/officeDocument/2006/relationships" xmlns:p="http://schemas.openxmlformats.org/presentationml/2006/main" showMasterSp="0" showMasterPhAnim="0">
   <p:cSld>
     <p:spTree>
       <p:nvGrpSpPr>
-        <p:cNvPr id="64" name="Shape 64"/>
+        <p:cNvPr id="1" name="Shape 64"/>
         <p:cNvGrpSpPr/>
         <p:nvPr/>
       </p:nvGrpSpPr>
@@ -718,9 +733,11 @@
       <p:sp>
         <p:nvSpPr>
           <p:cNvPr id="65" name="Google Shape;65;p:notes"/>
-          <p:cNvSpPr/>
+          <p:cNvSpPr>
+            <a:spLocks noGrp="1" noRot="1" noChangeAspect="1"/>
+          </p:cNvSpPr>
           <p:nvPr>
-            <p:ph idx="2" type="sldImg"/>
+            <p:ph type="sldImg" idx="2"/>
           </p:nvPr>
         </p:nvSpPr>
         <p:spPr>
@@ -729,9 +746,13 @@
             <a:ext cx="4572000" cy="3429000"/>
           </a:xfrm>
           <a:custGeom>
-            <a:rect b="b" l="l" r="r" t="t"/>
+            <a:avLst/>
+            <a:gdLst/>
+            <a:ahLst/>
+            <a:cxnLst/>
+            <a:rect l="l" t="t" r="r" b="b"/>
             <a:pathLst>
-              <a:path extrusionOk="0" h="120000" w="120000">
+              <a:path w="120000" h="120000" extrusionOk="0">
                 <a:moveTo>
                   <a:pt x="0" y="0"/>
                 </a:moveTo>
@@ -753,9 +774,11 @@
       <p:sp>
         <p:nvSpPr>
           <p:cNvPr id="66" name="Google Shape;66;p:notes"/>
-          <p:cNvSpPr txBox="1"/>
+          <p:cNvSpPr txBox="1">
+            <a:spLocks noGrp="1"/>
+          </p:cNvSpPr>
           <p:nvPr>
-            <p:ph idx="1" type="body"/>
+            <p:ph type="body" idx="1"/>
           </p:nvPr>
         </p:nvSpPr>
         <p:spPr>
@@ -768,23 +791,20 @@
           </a:prstGeom>
         </p:spPr>
         <p:txBody>
-          <a:bodyPr anchorCtr="0" anchor="t" bIns="91425" lIns="91425" spcFirstLastPara="1" rIns="91425" wrap="square" tIns="91425">
+          <a:bodyPr spcFirstLastPara="1" wrap="square" lIns="91425" tIns="91425" rIns="91425" bIns="91425" anchor="t" anchorCtr="0">
             <a:noAutofit/>
           </a:bodyPr>
           <a:lstStyle/>
           <a:p>
-            <a:pPr indent="0" lvl="0" marL="0" rtl="0" algn="l">
-              <a:spcBef>
-                <a:spcPts val="0"/>
-              </a:spcBef>
-              <a:spcAft>
-                <a:spcPts val="0"/>
-              </a:spcAft>
-              <a:buNone/>
-            </a:pPr>
-            <a:r>
-              <a:t/>
-            </a:r>
+            <a:pPr marL="0" lvl="0" indent="0" algn="l" rtl="0">
+              <a:spcBef>
+                <a:spcPts val="0"/>
+              </a:spcBef>
+              <a:spcAft>
+                <a:spcPts val="0"/>
+              </a:spcAft>
+              <a:buNone/>
+            </a:pPr>
             <a:endParaRPr/>
           </a:p>
         </p:txBody>
@@ -798,11 +818,11 @@
 </file>
 
 <file path=ppt/notesSlides/notesSlide10.xml><?xml version="1.0" encoding="utf-8"?>
-<p:notes xmlns:a="http://schemas.openxmlformats.org/drawingml/2006/main" xmlns:r="http://schemas.openxmlformats.org/officeDocument/2006/relationships" xmlns:mc="http://schemas.openxmlformats.org/markup-compatibility/2006" xmlns:mv="urn:schemas-microsoft-com:mac:vml" xmlns:p="http://schemas.openxmlformats.org/presentationml/2006/main" xmlns:c="http://schemas.openxmlformats.org/drawingml/2006/chart" xmlns:dgm="http://schemas.openxmlformats.org/drawingml/2006/diagram" xmlns:o="urn:schemas-microsoft-com:office:office" xmlns:v="urn:schemas-microsoft-com:vml" xmlns:pvml="urn:schemas-microsoft-com:office:powerpoint" xmlns:com="http://schemas.openxmlformats.org/drawingml/2006/compatibility" xmlns:p14="http://schemas.microsoft.com/office/powerpoint/2010/main" xmlns:p15="http://schemas.microsoft.com/office/powerpoint/2012/main" showMasterPhAnim="0" showMasterSp="0">
+<p:notes xmlns:a="http://schemas.openxmlformats.org/drawingml/2006/main" xmlns:r="http://schemas.openxmlformats.org/officeDocument/2006/relationships" xmlns:p="http://schemas.openxmlformats.org/presentationml/2006/main" showMasterSp="0" showMasterPhAnim="0">
   <p:cSld>
     <p:spTree>
       <p:nvGrpSpPr>
-        <p:cNvPr id="164" name="Shape 164"/>
+        <p:cNvPr id="1" name="Shape 164"/>
         <p:cNvGrpSpPr/>
         <p:nvPr/>
       </p:nvGrpSpPr>
@@ -817,9 +837,11 @@
       <p:sp>
         <p:nvSpPr>
           <p:cNvPr id="165" name="Google Shape;165;g10374a22ae_0_20:notes"/>
-          <p:cNvSpPr/>
+          <p:cNvSpPr>
+            <a:spLocks noGrp="1" noRot="1" noChangeAspect="1"/>
+          </p:cNvSpPr>
           <p:nvPr>
-            <p:ph idx="2" type="sldImg"/>
+            <p:ph type="sldImg" idx="2"/>
           </p:nvPr>
         </p:nvSpPr>
         <p:spPr>
@@ -828,9 +850,13 @@
             <a:ext cx="4572000" cy="3429000"/>
           </a:xfrm>
           <a:custGeom>
-            <a:rect b="b" l="l" r="r" t="t"/>
+            <a:avLst/>
+            <a:gdLst/>
+            <a:ahLst/>
+            <a:cxnLst/>
+            <a:rect l="l" t="t" r="r" b="b"/>
             <a:pathLst>
-              <a:path extrusionOk="0" h="120000" w="120000">
+              <a:path w="120000" h="120000" extrusionOk="0">
                 <a:moveTo>
                   <a:pt x="0" y="0"/>
                 </a:moveTo>
@@ -852,9 +878,11 @@
       <p:sp>
         <p:nvSpPr>
           <p:cNvPr id="166" name="Google Shape;166;g10374a22ae_0_20:notes"/>
-          <p:cNvSpPr txBox="1"/>
+          <p:cNvSpPr txBox="1">
+            <a:spLocks noGrp="1"/>
+          </p:cNvSpPr>
           <p:nvPr>
-            <p:ph idx="1" type="body"/>
+            <p:ph type="body" idx="1"/>
           </p:nvPr>
         </p:nvSpPr>
         <p:spPr>
@@ -867,23 +895,20 @@
           </a:prstGeom>
         </p:spPr>
         <p:txBody>
-          <a:bodyPr anchorCtr="0" anchor="t" bIns="91425" lIns="91425" spcFirstLastPara="1" rIns="91425" wrap="square" tIns="91425">
+          <a:bodyPr spcFirstLastPara="1" wrap="square" lIns="91425" tIns="91425" rIns="91425" bIns="91425" anchor="t" anchorCtr="0">
             <a:noAutofit/>
           </a:bodyPr>
           <a:lstStyle/>
           <a:p>
-            <a:pPr indent="0" lvl="0" marL="0" rtl="0" algn="l">
-              <a:spcBef>
-                <a:spcPts val="0"/>
-              </a:spcBef>
-              <a:spcAft>
-                <a:spcPts val="0"/>
-              </a:spcAft>
-              <a:buNone/>
-            </a:pPr>
-            <a:r>
-              <a:t/>
-            </a:r>
+            <a:pPr marL="0" lvl="0" indent="0" algn="l" rtl="0">
+              <a:spcBef>
+                <a:spcPts val="0"/>
+              </a:spcBef>
+              <a:spcAft>
+                <a:spcPts val="0"/>
+              </a:spcAft>
+              <a:buNone/>
+            </a:pPr>
             <a:endParaRPr/>
           </a:p>
         </p:txBody>
@@ -897,11 +922,11 @@
 </file>
 
 <file path=ppt/notesSlides/notesSlide11.xml><?xml version="1.0" encoding="utf-8"?>
-<p:notes xmlns:a="http://schemas.openxmlformats.org/drawingml/2006/main" xmlns:r="http://schemas.openxmlformats.org/officeDocument/2006/relationships" xmlns:mc="http://schemas.openxmlformats.org/markup-compatibility/2006" xmlns:mv="urn:schemas-microsoft-com:mac:vml" xmlns:p="http://schemas.openxmlformats.org/presentationml/2006/main" xmlns:c="http://schemas.openxmlformats.org/drawingml/2006/chart" xmlns:dgm="http://schemas.openxmlformats.org/drawingml/2006/diagram" xmlns:o="urn:schemas-microsoft-com:office:office" xmlns:v="urn:schemas-microsoft-com:vml" xmlns:pvml="urn:schemas-microsoft-com:office:powerpoint" xmlns:com="http://schemas.openxmlformats.org/drawingml/2006/compatibility" xmlns:p14="http://schemas.microsoft.com/office/powerpoint/2010/main" xmlns:p15="http://schemas.microsoft.com/office/powerpoint/2012/main" showMasterPhAnim="0" showMasterSp="0">
+<p:notes xmlns:a="http://schemas.openxmlformats.org/drawingml/2006/main" xmlns:r="http://schemas.openxmlformats.org/officeDocument/2006/relationships" xmlns:p="http://schemas.openxmlformats.org/presentationml/2006/main" showMasterSp="0" showMasterPhAnim="0">
   <p:cSld>
     <p:spTree>
       <p:nvGrpSpPr>
-        <p:cNvPr id="173" name="Shape 173"/>
+        <p:cNvPr id="1" name="Shape 173"/>
         <p:cNvGrpSpPr/>
         <p:nvPr/>
       </p:nvGrpSpPr>
@@ -916,9 +941,11 @@
       <p:sp>
         <p:nvSpPr>
           <p:cNvPr id="174" name="Google Shape;174;g120039cc2c_0_76:notes"/>
-          <p:cNvSpPr/>
+          <p:cNvSpPr>
+            <a:spLocks noGrp="1" noRot="1" noChangeAspect="1"/>
+          </p:cNvSpPr>
           <p:nvPr>
-            <p:ph idx="2" type="sldImg"/>
+            <p:ph type="sldImg" idx="2"/>
           </p:nvPr>
         </p:nvSpPr>
         <p:spPr>
@@ -927,9 +954,13 @@
             <a:ext cx="4572000" cy="3429000"/>
           </a:xfrm>
           <a:custGeom>
-            <a:rect b="b" l="l" r="r" t="t"/>
+            <a:avLst/>
+            <a:gdLst/>
+            <a:ahLst/>
+            <a:cxnLst/>
+            <a:rect l="l" t="t" r="r" b="b"/>
             <a:pathLst>
-              <a:path extrusionOk="0" h="120000" w="120000">
+              <a:path w="120000" h="120000" extrusionOk="0">
                 <a:moveTo>
                   <a:pt x="0" y="0"/>
                 </a:moveTo>
@@ -951,9 +982,11 @@
       <p:sp>
         <p:nvSpPr>
           <p:cNvPr id="175" name="Google Shape;175;g120039cc2c_0_76:notes"/>
-          <p:cNvSpPr txBox="1"/>
+          <p:cNvSpPr txBox="1">
+            <a:spLocks noGrp="1"/>
+          </p:cNvSpPr>
           <p:nvPr>
-            <p:ph idx="1" type="body"/>
+            <p:ph type="body" idx="1"/>
           </p:nvPr>
         </p:nvSpPr>
         <p:spPr>
@@ -966,23 +999,20 @@
           </a:prstGeom>
         </p:spPr>
         <p:txBody>
-          <a:bodyPr anchorCtr="0" anchor="t" bIns="91425" lIns="91425" spcFirstLastPara="1" rIns="91425" wrap="square" tIns="91425">
+          <a:bodyPr spcFirstLastPara="1" wrap="square" lIns="91425" tIns="91425" rIns="91425" bIns="91425" anchor="t" anchorCtr="0">
             <a:noAutofit/>
           </a:bodyPr>
           <a:lstStyle/>
           <a:p>
-            <a:pPr indent="0" lvl="0" marL="0" rtl="0" algn="l">
-              <a:spcBef>
-                <a:spcPts val="0"/>
-              </a:spcBef>
-              <a:spcAft>
-                <a:spcPts val="0"/>
-              </a:spcAft>
-              <a:buNone/>
-            </a:pPr>
-            <a:r>
-              <a:t/>
-            </a:r>
+            <a:pPr marL="0" lvl="0" indent="0" algn="l" rtl="0">
+              <a:spcBef>
+                <a:spcPts val="0"/>
+              </a:spcBef>
+              <a:spcAft>
+                <a:spcPts val="0"/>
+              </a:spcAft>
+              <a:buNone/>
+            </a:pPr>
             <a:endParaRPr/>
           </a:p>
         </p:txBody>
@@ -996,11 +1026,11 @@
 </file>
 
 <file path=ppt/notesSlides/notesSlide12.xml><?xml version="1.0" encoding="utf-8"?>
-<p:notes xmlns:a="http://schemas.openxmlformats.org/drawingml/2006/main" xmlns:r="http://schemas.openxmlformats.org/officeDocument/2006/relationships" xmlns:mc="http://schemas.openxmlformats.org/markup-compatibility/2006" xmlns:mv="urn:schemas-microsoft-com:mac:vml" xmlns:p="http://schemas.openxmlformats.org/presentationml/2006/main" xmlns:c="http://schemas.openxmlformats.org/drawingml/2006/chart" xmlns:dgm="http://schemas.openxmlformats.org/drawingml/2006/diagram" xmlns:o="urn:schemas-microsoft-com:office:office" xmlns:v="urn:schemas-microsoft-com:vml" xmlns:pvml="urn:schemas-microsoft-com:office:powerpoint" xmlns:com="http://schemas.openxmlformats.org/drawingml/2006/compatibility" xmlns:p14="http://schemas.microsoft.com/office/powerpoint/2010/main" xmlns:p15="http://schemas.microsoft.com/office/powerpoint/2012/main" showMasterPhAnim="0" showMasterSp="0">
+<p:notes xmlns:a="http://schemas.openxmlformats.org/drawingml/2006/main" xmlns:r="http://schemas.openxmlformats.org/officeDocument/2006/relationships" xmlns:p="http://schemas.openxmlformats.org/presentationml/2006/main" showMasterSp="0" showMasterPhAnim="0">
   <p:cSld>
     <p:spTree>
       <p:nvGrpSpPr>
-        <p:cNvPr id="180" name="Shape 180"/>
+        <p:cNvPr id="1" name="Shape 180"/>
         <p:cNvGrpSpPr/>
         <p:nvPr/>
       </p:nvGrpSpPr>
@@ -1015,9 +1045,11 @@
       <p:sp>
         <p:nvSpPr>
           <p:cNvPr id="181" name="Google Shape;181;g1022eb2dfd_0_58:notes"/>
-          <p:cNvSpPr/>
+          <p:cNvSpPr>
+            <a:spLocks noGrp="1" noRot="1" noChangeAspect="1"/>
+          </p:cNvSpPr>
           <p:nvPr>
-            <p:ph idx="2" type="sldImg"/>
+            <p:ph type="sldImg" idx="2"/>
           </p:nvPr>
         </p:nvSpPr>
         <p:spPr>
@@ -1026,9 +1058,13 @@
             <a:ext cx="4572000" cy="3429000"/>
           </a:xfrm>
           <a:custGeom>
-            <a:rect b="b" l="l" r="r" t="t"/>
+            <a:avLst/>
+            <a:gdLst/>
+            <a:ahLst/>
+            <a:cxnLst/>
+            <a:rect l="l" t="t" r="r" b="b"/>
             <a:pathLst>
-              <a:path extrusionOk="0" h="120000" w="120000">
+              <a:path w="120000" h="120000" extrusionOk="0">
                 <a:moveTo>
                   <a:pt x="0" y="0"/>
                 </a:moveTo>
@@ -1050,9 +1086,11 @@
       <p:sp>
         <p:nvSpPr>
           <p:cNvPr id="182" name="Google Shape;182;g1022eb2dfd_0_58:notes"/>
-          <p:cNvSpPr txBox="1"/>
+          <p:cNvSpPr txBox="1">
+            <a:spLocks noGrp="1"/>
+          </p:cNvSpPr>
           <p:nvPr>
-            <p:ph idx="1" type="body"/>
+            <p:ph type="body" idx="1"/>
           </p:nvPr>
         </p:nvSpPr>
         <p:spPr>
@@ -1065,23 +1103,20 @@
           </a:prstGeom>
         </p:spPr>
         <p:txBody>
-          <a:bodyPr anchorCtr="0" anchor="t" bIns="91425" lIns="91425" spcFirstLastPara="1" rIns="91425" wrap="square" tIns="91425">
+          <a:bodyPr spcFirstLastPara="1" wrap="square" lIns="91425" tIns="91425" rIns="91425" bIns="91425" anchor="t" anchorCtr="0">
             <a:noAutofit/>
           </a:bodyPr>
           <a:lstStyle/>
           <a:p>
-            <a:pPr indent="0" lvl="0" marL="0" rtl="0" algn="l">
-              <a:spcBef>
-                <a:spcPts val="0"/>
-              </a:spcBef>
-              <a:spcAft>
-                <a:spcPts val="0"/>
-              </a:spcAft>
-              <a:buNone/>
-            </a:pPr>
-            <a:r>
-              <a:t/>
-            </a:r>
+            <a:pPr marL="0" lvl="0" indent="0" algn="l" rtl="0">
+              <a:spcBef>
+                <a:spcPts val="0"/>
+              </a:spcBef>
+              <a:spcAft>
+                <a:spcPts val="0"/>
+              </a:spcAft>
+              <a:buNone/>
+            </a:pPr>
             <a:endParaRPr/>
           </a:p>
         </p:txBody>
@@ -1095,11 +1130,11 @@
 </file>
 
 <file path=ppt/notesSlides/notesSlide13.xml><?xml version="1.0" encoding="utf-8"?>
-<p:notes xmlns:a="http://schemas.openxmlformats.org/drawingml/2006/main" xmlns:r="http://schemas.openxmlformats.org/officeDocument/2006/relationships" xmlns:mc="http://schemas.openxmlformats.org/markup-compatibility/2006" xmlns:mv="urn:schemas-microsoft-com:mac:vml" xmlns:p="http://schemas.openxmlformats.org/presentationml/2006/main" xmlns:c="http://schemas.openxmlformats.org/drawingml/2006/chart" xmlns:dgm="http://schemas.openxmlformats.org/drawingml/2006/diagram" xmlns:o="urn:schemas-microsoft-com:office:office" xmlns:v="urn:schemas-microsoft-com:vml" xmlns:pvml="urn:schemas-microsoft-com:office:powerpoint" xmlns:com="http://schemas.openxmlformats.org/drawingml/2006/compatibility" xmlns:p14="http://schemas.microsoft.com/office/powerpoint/2010/main" xmlns:p15="http://schemas.microsoft.com/office/powerpoint/2012/main" showMasterPhAnim="0" showMasterSp="0">
+<p:notes xmlns:a="http://schemas.openxmlformats.org/drawingml/2006/main" xmlns:r="http://schemas.openxmlformats.org/officeDocument/2006/relationships" xmlns:p="http://schemas.openxmlformats.org/presentationml/2006/main" showMasterSp="0" showMasterPhAnim="0">
   <p:cSld>
     <p:spTree>
       <p:nvGrpSpPr>
-        <p:cNvPr id="187" name="Shape 187"/>
+        <p:cNvPr id="1" name="Shape 187"/>
         <p:cNvGrpSpPr/>
         <p:nvPr/>
       </p:nvGrpSpPr>
@@ -1114,9 +1149,11 @@
       <p:sp>
         <p:nvSpPr>
           <p:cNvPr id="188" name="Google Shape;188;g10263db9f8_0_16:notes"/>
-          <p:cNvSpPr/>
+          <p:cNvSpPr>
+            <a:spLocks noGrp="1" noRot="1" noChangeAspect="1"/>
+          </p:cNvSpPr>
           <p:nvPr>
-            <p:ph idx="2" type="sldImg"/>
+            <p:ph type="sldImg" idx="2"/>
           </p:nvPr>
         </p:nvSpPr>
         <p:spPr>
@@ -1125,9 +1162,13 @@
             <a:ext cx="4572000" cy="3429000"/>
           </a:xfrm>
           <a:custGeom>
-            <a:rect b="b" l="l" r="r" t="t"/>
+            <a:avLst/>
+            <a:gdLst/>
+            <a:ahLst/>
+            <a:cxnLst/>
+            <a:rect l="l" t="t" r="r" b="b"/>
             <a:pathLst>
-              <a:path extrusionOk="0" h="120000" w="120000">
+              <a:path w="120000" h="120000" extrusionOk="0">
                 <a:moveTo>
                   <a:pt x="0" y="0"/>
                 </a:moveTo>
@@ -1149,9 +1190,11 @@
       <p:sp>
         <p:nvSpPr>
           <p:cNvPr id="189" name="Google Shape;189;g10263db9f8_0_16:notes"/>
-          <p:cNvSpPr txBox="1"/>
+          <p:cNvSpPr txBox="1">
+            <a:spLocks noGrp="1"/>
+          </p:cNvSpPr>
           <p:nvPr>
-            <p:ph idx="1" type="body"/>
+            <p:ph type="body" idx="1"/>
           </p:nvPr>
         </p:nvSpPr>
         <p:spPr>
@@ -1164,23 +1207,20 @@
           </a:prstGeom>
         </p:spPr>
         <p:txBody>
-          <a:bodyPr anchorCtr="0" anchor="t" bIns="91425" lIns="91425" spcFirstLastPara="1" rIns="91425" wrap="square" tIns="91425">
+          <a:bodyPr spcFirstLastPara="1" wrap="square" lIns="91425" tIns="91425" rIns="91425" bIns="91425" anchor="t" anchorCtr="0">
             <a:noAutofit/>
           </a:bodyPr>
           <a:lstStyle/>
           <a:p>
-            <a:pPr indent="0" lvl="0" marL="0" rtl="0" algn="l">
-              <a:spcBef>
-                <a:spcPts val="0"/>
-              </a:spcBef>
-              <a:spcAft>
-                <a:spcPts val="0"/>
-              </a:spcAft>
-              <a:buNone/>
-            </a:pPr>
-            <a:r>
-              <a:t/>
-            </a:r>
+            <a:pPr marL="0" lvl="0" indent="0" algn="l" rtl="0">
+              <a:spcBef>
+                <a:spcPts val="0"/>
+              </a:spcBef>
+              <a:spcAft>
+                <a:spcPts val="0"/>
+              </a:spcAft>
+              <a:buNone/>
+            </a:pPr>
             <a:endParaRPr/>
           </a:p>
         </p:txBody>
@@ -1194,11 +1234,11 @@
 </file>
 
 <file path=ppt/notesSlides/notesSlide2.xml><?xml version="1.0" encoding="utf-8"?>
-<p:notes xmlns:a="http://schemas.openxmlformats.org/drawingml/2006/main" xmlns:r="http://schemas.openxmlformats.org/officeDocument/2006/relationships" xmlns:mc="http://schemas.openxmlformats.org/markup-compatibility/2006" xmlns:mv="urn:schemas-microsoft-com:mac:vml" xmlns:p="http://schemas.openxmlformats.org/presentationml/2006/main" xmlns:c="http://schemas.openxmlformats.org/drawingml/2006/chart" xmlns:dgm="http://schemas.openxmlformats.org/drawingml/2006/diagram" xmlns:o="urn:schemas-microsoft-com:office:office" xmlns:v="urn:schemas-microsoft-com:vml" xmlns:pvml="urn:schemas-microsoft-com:office:powerpoint" xmlns:com="http://schemas.openxmlformats.org/drawingml/2006/compatibility" xmlns:p14="http://schemas.microsoft.com/office/powerpoint/2010/main" xmlns:p15="http://schemas.microsoft.com/office/powerpoint/2012/main" showMasterPhAnim="0" showMasterSp="0">
+<p:notes xmlns:a="http://schemas.openxmlformats.org/drawingml/2006/main" xmlns:r="http://schemas.openxmlformats.org/officeDocument/2006/relationships" xmlns:p="http://schemas.openxmlformats.org/presentationml/2006/main" showMasterSp="0" showMasterPhAnim="0">
   <p:cSld>
     <p:spTree>
       <p:nvGrpSpPr>
-        <p:cNvPr id="74" name="Shape 74"/>
+        <p:cNvPr id="1" name="Shape 74"/>
         <p:cNvGrpSpPr/>
         <p:nvPr/>
       </p:nvGrpSpPr>
@@ -1213,20 +1253,26 @@
       <p:sp>
         <p:nvSpPr>
           <p:cNvPr id="75" name="Google Shape;75;g120039cc2c_0_0:notes"/>
-          <p:cNvSpPr/>
+          <p:cNvSpPr>
+            <a:spLocks noGrp="1" noRot="1" noChangeAspect="1"/>
+          </p:cNvSpPr>
           <p:nvPr>
-            <p:ph idx="2" type="sldImg"/>
+            <p:ph type="sldImg" idx="2"/>
           </p:nvPr>
         </p:nvSpPr>
         <p:spPr>
           <a:xfrm>
-            <a:off x="1143309" y="685800"/>
+            <a:off x="1143000" y="685800"/>
             <a:ext cx="4572000" cy="3429000"/>
           </a:xfrm>
           <a:custGeom>
-            <a:rect b="b" l="l" r="r" t="t"/>
+            <a:avLst/>
+            <a:gdLst/>
+            <a:ahLst/>
+            <a:cxnLst/>
+            <a:rect l="l" t="t" r="r" b="b"/>
             <a:pathLst>
-              <a:path extrusionOk="0" h="120000" w="120000">
+              <a:path w="120000" h="120000" extrusionOk="0">
                 <a:moveTo>
                   <a:pt x="0" y="0"/>
                 </a:moveTo>
@@ -1248,9 +1294,11 @@
       <p:sp>
         <p:nvSpPr>
           <p:cNvPr id="76" name="Google Shape;76;g120039cc2c_0_0:notes"/>
-          <p:cNvSpPr txBox="1"/>
+          <p:cNvSpPr txBox="1">
+            <a:spLocks noGrp="1"/>
+          </p:cNvSpPr>
           <p:nvPr>
-            <p:ph idx="1" type="body"/>
+            <p:ph type="body" idx="1"/>
           </p:nvPr>
         </p:nvSpPr>
         <p:spPr>
@@ -1263,23 +1311,20 @@
           </a:prstGeom>
         </p:spPr>
         <p:txBody>
-          <a:bodyPr anchorCtr="0" anchor="t" bIns="91425" lIns="91425" spcFirstLastPara="1" rIns="91425" wrap="square" tIns="91425">
+          <a:bodyPr spcFirstLastPara="1" wrap="square" lIns="91425" tIns="91425" rIns="91425" bIns="91425" anchor="t" anchorCtr="0">
             <a:noAutofit/>
           </a:bodyPr>
           <a:lstStyle/>
           <a:p>
-            <a:pPr indent="0" lvl="0" marL="0" rtl="0" algn="l">
-              <a:spcBef>
-                <a:spcPts val="0"/>
-              </a:spcBef>
-              <a:spcAft>
-                <a:spcPts val="0"/>
-              </a:spcAft>
-              <a:buNone/>
-            </a:pPr>
-            <a:r>
-              <a:t/>
-            </a:r>
+            <a:pPr marL="0" lvl="0" indent="0" algn="l" rtl="0">
+              <a:spcBef>
+                <a:spcPts val="0"/>
+              </a:spcBef>
+              <a:spcAft>
+                <a:spcPts val="0"/>
+              </a:spcAft>
+              <a:buNone/>
+            </a:pPr>
             <a:endParaRPr/>
           </a:p>
         </p:txBody>
@@ -1293,11 +1338,11 @@
 </file>
 
 <file path=ppt/notesSlides/notesSlide3.xml><?xml version="1.0" encoding="utf-8"?>
-<p:notes xmlns:a="http://schemas.openxmlformats.org/drawingml/2006/main" xmlns:r="http://schemas.openxmlformats.org/officeDocument/2006/relationships" xmlns:mc="http://schemas.openxmlformats.org/markup-compatibility/2006" xmlns:mv="urn:schemas-microsoft-com:mac:vml" xmlns:p="http://schemas.openxmlformats.org/presentationml/2006/main" xmlns:c="http://schemas.openxmlformats.org/drawingml/2006/chart" xmlns:dgm="http://schemas.openxmlformats.org/drawingml/2006/diagram" xmlns:o="urn:schemas-microsoft-com:office:office" xmlns:v="urn:schemas-microsoft-com:vml" xmlns:pvml="urn:schemas-microsoft-com:office:powerpoint" xmlns:com="http://schemas.openxmlformats.org/drawingml/2006/compatibility" xmlns:p14="http://schemas.microsoft.com/office/powerpoint/2010/main" xmlns:p15="http://schemas.microsoft.com/office/powerpoint/2012/main" showMasterPhAnim="0" showMasterSp="0">
+<p:notes xmlns:a="http://schemas.openxmlformats.org/drawingml/2006/main" xmlns:r="http://schemas.openxmlformats.org/officeDocument/2006/relationships" xmlns:p="http://schemas.openxmlformats.org/presentationml/2006/main" showMasterSp="0" showMasterPhAnim="0">
   <p:cSld>
     <p:spTree>
       <p:nvGrpSpPr>
-        <p:cNvPr id="81" name="Shape 81"/>
+        <p:cNvPr id="1" name="Shape 81"/>
         <p:cNvGrpSpPr/>
         <p:nvPr/>
       </p:nvGrpSpPr>
@@ -1312,9 +1357,11 @@
       <p:sp>
         <p:nvSpPr>
           <p:cNvPr id="82" name="Google Shape;82;g1038d8ab57_1_2:notes"/>
-          <p:cNvSpPr/>
+          <p:cNvSpPr>
+            <a:spLocks noGrp="1" noRot="1" noChangeAspect="1"/>
+          </p:cNvSpPr>
           <p:nvPr>
-            <p:ph idx="2" type="sldImg"/>
+            <p:ph type="sldImg" idx="2"/>
           </p:nvPr>
         </p:nvSpPr>
         <p:spPr>
@@ -1323,9 +1370,13 @@
             <a:ext cx="4572000" cy="3429000"/>
           </a:xfrm>
           <a:custGeom>
-            <a:rect b="b" l="l" r="r" t="t"/>
+            <a:avLst/>
+            <a:gdLst/>
+            <a:ahLst/>
+            <a:cxnLst/>
+            <a:rect l="l" t="t" r="r" b="b"/>
             <a:pathLst>
-              <a:path extrusionOk="0" h="120000" w="120000">
+              <a:path w="120000" h="120000" extrusionOk="0">
                 <a:moveTo>
                   <a:pt x="0" y="0"/>
                 </a:moveTo>
@@ -1347,9 +1398,11 @@
       <p:sp>
         <p:nvSpPr>
           <p:cNvPr id="83" name="Google Shape;83;g1038d8ab57_1_2:notes"/>
-          <p:cNvSpPr txBox="1"/>
+          <p:cNvSpPr txBox="1">
+            <a:spLocks noGrp="1"/>
+          </p:cNvSpPr>
           <p:nvPr>
-            <p:ph idx="1" type="body"/>
+            <p:ph type="body" idx="1"/>
           </p:nvPr>
         </p:nvSpPr>
         <p:spPr>
@@ -1362,23 +1415,20 @@
           </a:prstGeom>
         </p:spPr>
         <p:txBody>
-          <a:bodyPr anchorCtr="0" anchor="t" bIns="91425" lIns="91425" spcFirstLastPara="1" rIns="91425" wrap="square" tIns="91425">
+          <a:bodyPr spcFirstLastPara="1" wrap="square" lIns="91425" tIns="91425" rIns="91425" bIns="91425" anchor="t" anchorCtr="0">
             <a:noAutofit/>
           </a:bodyPr>
           <a:lstStyle/>
           <a:p>
-            <a:pPr indent="0" lvl="0" marL="0" rtl="0" algn="l">
-              <a:spcBef>
-                <a:spcPts val="0"/>
-              </a:spcBef>
-              <a:spcAft>
-                <a:spcPts val="0"/>
-              </a:spcAft>
-              <a:buNone/>
-            </a:pPr>
-            <a:r>
-              <a:t/>
-            </a:r>
+            <a:pPr marL="0" lvl="0" indent="0" algn="l" rtl="0">
+              <a:spcBef>
+                <a:spcPts val="0"/>
+              </a:spcBef>
+              <a:spcAft>
+                <a:spcPts val="0"/>
+              </a:spcAft>
+              <a:buNone/>
+            </a:pPr>
             <a:endParaRPr/>
           </a:p>
         </p:txBody>
@@ -1392,11 +1442,11 @@
 </file>
 
 <file path=ppt/notesSlides/notesSlide4.xml><?xml version="1.0" encoding="utf-8"?>
-<p:notes xmlns:a="http://schemas.openxmlformats.org/drawingml/2006/main" xmlns:r="http://schemas.openxmlformats.org/officeDocument/2006/relationships" xmlns:mc="http://schemas.openxmlformats.org/markup-compatibility/2006" xmlns:mv="urn:schemas-microsoft-com:mac:vml" xmlns:p="http://schemas.openxmlformats.org/presentationml/2006/main" xmlns:c="http://schemas.openxmlformats.org/drawingml/2006/chart" xmlns:dgm="http://schemas.openxmlformats.org/drawingml/2006/diagram" xmlns:o="urn:schemas-microsoft-com:office:office" xmlns:v="urn:schemas-microsoft-com:vml" xmlns:pvml="urn:schemas-microsoft-com:office:powerpoint" xmlns:com="http://schemas.openxmlformats.org/drawingml/2006/compatibility" xmlns:p14="http://schemas.microsoft.com/office/powerpoint/2010/main" xmlns:p15="http://schemas.microsoft.com/office/powerpoint/2012/main" showMasterPhAnim="0" showMasterSp="0">
+<p:notes xmlns:a="http://schemas.openxmlformats.org/drawingml/2006/main" xmlns:r="http://schemas.openxmlformats.org/officeDocument/2006/relationships" xmlns:p="http://schemas.openxmlformats.org/presentationml/2006/main" showMasterSp="0" showMasterPhAnim="0">
   <p:cSld>
     <p:spTree>
       <p:nvGrpSpPr>
-        <p:cNvPr id="88" name="Shape 88"/>
+        <p:cNvPr id="1" name="Shape 88"/>
         <p:cNvGrpSpPr/>
         <p:nvPr/>
       </p:nvGrpSpPr>
@@ -1411,9 +1461,11 @@
       <p:sp>
         <p:nvSpPr>
           <p:cNvPr id="89" name="Google Shape;89;g120039cc2c_0_8:notes"/>
-          <p:cNvSpPr/>
+          <p:cNvSpPr>
+            <a:spLocks noGrp="1" noRot="1" noChangeAspect="1"/>
+          </p:cNvSpPr>
           <p:nvPr>
-            <p:ph idx="2" type="sldImg"/>
+            <p:ph type="sldImg" idx="2"/>
           </p:nvPr>
         </p:nvSpPr>
         <p:spPr>
@@ -1422,9 +1474,13 @@
             <a:ext cx="4572000" cy="3429000"/>
           </a:xfrm>
           <a:custGeom>
-            <a:rect b="b" l="l" r="r" t="t"/>
+            <a:avLst/>
+            <a:gdLst/>
+            <a:ahLst/>
+            <a:cxnLst/>
+            <a:rect l="l" t="t" r="r" b="b"/>
             <a:pathLst>
-              <a:path extrusionOk="0" h="120000" w="120000">
+              <a:path w="120000" h="120000" extrusionOk="0">
                 <a:moveTo>
                   <a:pt x="0" y="0"/>
                 </a:moveTo>
@@ -1446,9 +1502,11 @@
       <p:sp>
         <p:nvSpPr>
           <p:cNvPr id="90" name="Google Shape;90;g120039cc2c_0_8:notes"/>
-          <p:cNvSpPr txBox="1"/>
+          <p:cNvSpPr txBox="1">
+            <a:spLocks noGrp="1"/>
+          </p:cNvSpPr>
           <p:nvPr>
-            <p:ph idx="1" type="body"/>
+            <p:ph type="body" idx="1"/>
           </p:nvPr>
         </p:nvSpPr>
         <p:spPr>
@@ -1461,23 +1519,20 @@
           </a:prstGeom>
         </p:spPr>
         <p:txBody>
-          <a:bodyPr anchorCtr="0" anchor="t" bIns="91425" lIns="91425" spcFirstLastPara="1" rIns="91425" wrap="square" tIns="91425">
+          <a:bodyPr spcFirstLastPara="1" wrap="square" lIns="91425" tIns="91425" rIns="91425" bIns="91425" anchor="t" anchorCtr="0">
             <a:noAutofit/>
           </a:bodyPr>
           <a:lstStyle/>
           <a:p>
-            <a:pPr indent="0" lvl="0" marL="0" rtl="0" algn="l">
-              <a:spcBef>
-                <a:spcPts val="0"/>
-              </a:spcBef>
-              <a:spcAft>
-                <a:spcPts val="0"/>
-              </a:spcAft>
-              <a:buNone/>
-            </a:pPr>
-            <a:r>
-              <a:t/>
-            </a:r>
+            <a:pPr marL="0" lvl="0" indent="0" algn="l" rtl="0">
+              <a:spcBef>
+                <a:spcPts val="0"/>
+              </a:spcBef>
+              <a:spcAft>
+                <a:spcPts val="0"/>
+              </a:spcAft>
+              <a:buNone/>
+            </a:pPr>
             <a:endParaRPr/>
           </a:p>
         </p:txBody>
@@ -1491,11 +1546,11 @@
 </file>
 
 <file path=ppt/notesSlides/notesSlide5.xml><?xml version="1.0" encoding="utf-8"?>
-<p:notes xmlns:a="http://schemas.openxmlformats.org/drawingml/2006/main" xmlns:r="http://schemas.openxmlformats.org/officeDocument/2006/relationships" xmlns:mc="http://schemas.openxmlformats.org/markup-compatibility/2006" xmlns:mv="urn:schemas-microsoft-com:mac:vml" xmlns:p="http://schemas.openxmlformats.org/presentationml/2006/main" xmlns:c="http://schemas.openxmlformats.org/drawingml/2006/chart" xmlns:dgm="http://schemas.openxmlformats.org/drawingml/2006/diagram" xmlns:o="urn:schemas-microsoft-com:office:office" xmlns:v="urn:schemas-microsoft-com:vml" xmlns:pvml="urn:schemas-microsoft-com:office:powerpoint" xmlns:com="http://schemas.openxmlformats.org/drawingml/2006/compatibility" xmlns:p14="http://schemas.microsoft.com/office/powerpoint/2010/main" xmlns:p15="http://schemas.microsoft.com/office/powerpoint/2012/main" showMasterPhAnim="0" showMasterSp="0">
+<p:notes xmlns:a="http://schemas.openxmlformats.org/drawingml/2006/main" xmlns:r="http://schemas.openxmlformats.org/officeDocument/2006/relationships" xmlns:p="http://schemas.openxmlformats.org/presentationml/2006/main" showMasterSp="0" showMasterPhAnim="0">
   <p:cSld>
     <p:spTree>
       <p:nvGrpSpPr>
-        <p:cNvPr id="96" name="Shape 96"/>
+        <p:cNvPr id="1" name="Shape 96"/>
         <p:cNvGrpSpPr/>
         <p:nvPr/>
       </p:nvGrpSpPr>
@@ -1510,9 +1565,11 @@
       <p:sp>
         <p:nvSpPr>
           <p:cNvPr id="97" name="Google Shape;97;g10bdeddea8_0_1:notes"/>
-          <p:cNvSpPr/>
+          <p:cNvSpPr>
+            <a:spLocks noGrp="1" noRot="1" noChangeAspect="1"/>
+          </p:cNvSpPr>
           <p:nvPr>
-            <p:ph idx="2" type="sldImg"/>
+            <p:ph type="sldImg" idx="2"/>
           </p:nvPr>
         </p:nvSpPr>
         <p:spPr>
@@ -1521,9 +1578,13 @@
             <a:ext cx="4572000" cy="3429000"/>
           </a:xfrm>
           <a:custGeom>
-            <a:rect b="b" l="l" r="r" t="t"/>
+            <a:avLst/>
+            <a:gdLst/>
+            <a:ahLst/>
+            <a:cxnLst/>
+            <a:rect l="l" t="t" r="r" b="b"/>
             <a:pathLst>
-              <a:path extrusionOk="0" h="120000" w="120000">
+              <a:path w="120000" h="120000" extrusionOk="0">
                 <a:moveTo>
                   <a:pt x="0" y="0"/>
                 </a:moveTo>
@@ -1545,9 +1606,11 @@
       <p:sp>
         <p:nvSpPr>
           <p:cNvPr id="98" name="Google Shape;98;g10bdeddea8_0_1:notes"/>
-          <p:cNvSpPr txBox="1"/>
+          <p:cNvSpPr txBox="1">
+            <a:spLocks noGrp="1"/>
+          </p:cNvSpPr>
           <p:nvPr>
-            <p:ph idx="1" type="body"/>
+            <p:ph type="body" idx="1"/>
           </p:nvPr>
         </p:nvSpPr>
         <p:spPr>
@@ -1560,23 +1623,20 @@
           </a:prstGeom>
         </p:spPr>
         <p:txBody>
-          <a:bodyPr anchorCtr="0" anchor="t" bIns="91425" lIns="91425" spcFirstLastPara="1" rIns="91425" wrap="square" tIns="91425">
+          <a:bodyPr spcFirstLastPara="1" wrap="square" lIns="91425" tIns="91425" rIns="91425" bIns="91425" anchor="t" anchorCtr="0">
             <a:noAutofit/>
           </a:bodyPr>
           <a:lstStyle/>
           <a:p>
-            <a:pPr indent="0" lvl="0" marL="0" rtl="0" algn="l">
-              <a:spcBef>
-                <a:spcPts val="0"/>
-              </a:spcBef>
-              <a:spcAft>
-                <a:spcPts val="0"/>
-              </a:spcAft>
-              <a:buNone/>
-            </a:pPr>
-            <a:r>
-              <a:t/>
-            </a:r>
+            <a:pPr marL="0" lvl="0" indent="0" algn="l" rtl="0">
+              <a:spcBef>
+                <a:spcPts val="0"/>
+              </a:spcBef>
+              <a:spcAft>
+                <a:spcPts val="0"/>
+              </a:spcAft>
+              <a:buNone/>
+            </a:pPr>
             <a:endParaRPr/>
           </a:p>
         </p:txBody>
@@ -1590,11 +1650,11 @@
 </file>
 
 <file path=ppt/notesSlides/notesSlide6.xml><?xml version="1.0" encoding="utf-8"?>
-<p:notes xmlns:a="http://schemas.openxmlformats.org/drawingml/2006/main" xmlns:r="http://schemas.openxmlformats.org/officeDocument/2006/relationships" xmlns:mc="http://schemas.openxmlformats.org/markup-compatibility/2006" xmlns:mv="urn:schemas-microsoft-com:mac:vml" xmlns:p="http://schemas.openxmlformats.org/presentationml/2006/main" xmlns:c="http://schemas.openxmlformats.org/drawingml/2006/chart" xmlns:dgm="http://schemas.openxmlformats.org/drawingml/2006/diagram" xmlns:o="urn:schemas-microsoft-com:office:office" xmlns:v="urn:schemas-microsoft-com:vml" xmlns:pvml="urn:schemas-microsoft-com:office:powerpoint" xmlns:com="http://schemas.openxmlformats.org/drawingml/2006/compatibility" xmlns:p14="http://schemas.microsoft.com/office/powerpoint/2010/main" xmlns:p15="http://schemas.microsoft.com/office/powerpoint/2012/main" showMasterPhAnim="0" showMasterSp="0">
+<p:notes xmlns:a="http://schemas.openxmlformats.org/drawingml/2006/main" xmlns:r="http://schemas.openxmlformats.org/officeDocument/2006/relationships" xmlns:p="http://schemas.openxmlformats.org/presentationml/2006/main" showMasterSp="0" showMasterPhAnim="0">
   <p:cSld>
     <p:spTree>
       <p:nvGrpSpPr>
-        <p:cNvPr id="119" name="Shape 119"/>
+        <p:cNvPr id="1" name="Shape 119"/>
         <p:cNvGrpSpPr/>
         <p:nvPr/>
       </p:nvGrpSpPr>
@@ -1609,9 +1669,11 @@
       <p:sp>
         <p:nvSpPr>
           <p:cNvPr id="120" name="Google Shape;120;g120039cc2c_0_17:notes"/>
-          <p:cNvSpPr/>
+          <p:cNvSpPr>
+            <a:spLocks noGrp="1" noRot="1" noChangeAspect="1"/>
+          </p:cNvSpPr>
           <p:nvPr>
-            <p:ph idx="2" type="sldImg"/>
+            <p:ph type="sldImg" idx="2"/>
           </p:nvPr>
         </p:nvSpPr>
         <p:spPr>
@@ -1620,9 +1682,13 @@
             <a:ext cx="4572000" cy="3429000"/>
           </a:xfrm>
           <a:custGeom>
-            <a:rect b="b" l="l" r="r" t="t"/>
+            <a:avLst/>
+            <a:gdLst/>
+            <a:ahLst/>
+            <a:cxnLst/>
+            <a:rect l="l" t="t" r="r" b="b"/>
             <a:pathLst>
-              <a:path extrusionOk="0" h="120000" w="120000">
+              <a:path w="120000" h="120000" extrusionOk="0">
                 <a:moveTo>
                   <a:pt x="0" y="0"/>
                 </a:moveTo>
@@ -1644,9 +1710,11 @@
       <p:sp>
         <p:nvSpPr>
           <p:cNvPr id="121" name="Google Shape;121;g120039cc2c_0_17:notes"/>
-          <p:cNvSpPr txBox="1"/>
+          <p:cNvSpPr txBox="1">
+            <a:spLocks noGrp="1"/>
+          </p:cNvSpPr>
           <p:nvPr>
-            <p:ph idx="1" type="body"/>
+            <p:ph type="body" idx="1"/>
           </p:nvPr>
         </p:nvSpPr>
         <p:spPr>
@@ -1659,23 +1727,20 @@
           </a:prstGeom>
         </p:spPr>
         <p:txBody>
-          <a:bodyPr anchorCtr="0" anchor="t" bIns="91425" lIns="91425" spcFirstLastPara="1" rIns="91425" wrap="square" tIns="91425">
+          <a:bodyPr spcFirstLastPara="1" wrap="square" lIns="91425" tIns="91425" rIns="91425" bIns="91425" anchor="t" anchorCtr="0">
             <a:noAutofit/>
           </a:bodyPr>
           <a:lstStyle/>
           <a:p>
-            <a:pPr indent="0" lvl="0" marL="0" rtl="0" algn="l">
-              <a:spcBef>
-                <a:spcPts val="0"/>
-              </a:spcBef>
-              <a:spcAft>
-                <a:spcPts val="0"/>
-              </a:spcAft>
-              <a:buNone/>
-            </a:pPr>
-            <a:r>
-              <a:t/>
-            </a:r>
+            <a:pPr marL="0" lvl="0" indent="0" algn="l" rtl="0">
+              <a:spcBef>
+                <a:spcPts val="0"/>
+              </a:spcBef>
+              <a:spcAft>
+                <a:spcPts val="0"/>
+              </a:spcAft>
+              <a:buNone/>
+            </a:pPr>
             <a:endParaRPr/>
           </a:p>
         </p:txBody>
@@ -1689,11 +1754,11 @@
 </file>
 
 <file path=ppt/notesSlides/notesSlide7.xml><?xml version="1.0" encoding="utf-8"?>
-<p:notes xmlns:a="http://schemas.openxmlformats.org/drawingml/2006/main" xmlns:r="http://schemas.openxmlformats.org/officeDocument/2006/relationships" xmlns:mc="http://schemas.openxmlformats.org/markup-compatibility/2006" xmlns:mv="urn:schemas-microsoft-com:mac:vml" xmlns:p="http://schemas.openxmlformats.org/presentationml/2006/main" xmlns:c="http://schemas.openxmlformats.org/drawingml/2006/chart" xmlns:dgm="http://schemas.openxmlformats.org/drawingml/2006/diagram" xmlns:o="urn:schemas-microsoft-com:office:office" xmlns:v="urn:schemas-microsoft-com:vml" xmlns:pvml="urn:schemas-microsoft-com:office:powerpoint" xmlns:com="http://schemas.openxmlformats.org/drawingml/2006/compatibility" xmlns:p14="http://schemas.microsoft.com/office/powerpoint/2010/main" xmlns:p15="http://schemas.microsoft.com/office/powerpoint/2012/main" showMasterPhAnim="0" showMasterSp="0">
+<p:notes xmlns:a="http://schemas.openxmlformats.org/drawingml/2006/main" xmlns:r="http://schemas.openxmlformats.org/officeDocument/2006/relationships" xmlns:p="http://schemas.openxmlformats.org/presentationml/2006/main" showMasterSp="0" showMasterPhAnim="0">
   <p:cSld>
     <p:spTree>
       <p:nvGrpSpPr>
-        <p:cNvPr id="129" name="Shape 129"/>
+        <p:cNvPr id="1" name="Shape 129"/>
         <p:cNvGrpSpPr/>
         <p:nvPr/>
       </p:nvGrpSpPr>
@@ -1708,9 +1773,11 @@
       <p:sp>
         <p:nvSpPr>
           <p:cNvPr id="130" name="Google Shape;130;g10374a22ae_0_0:notes"/>
-          <p:cNvSpPr/>
+          <p:cNvSpPr>
+            <a:spLocks noGrp="1" noRot="1" noChangeAspect="1"/>
+          </p:cNvSpPr>
           <p:nvPr>
-            <p:ph idx="2" type="sldImg"/>
+            <p:ph type="sldImg" idx="2"/>
           </p:nvPr>
         </p:nvSpPr>
         <p:spPr>
@@ -1719,9 +1786,13 @@
             <a:ext cx="4572000" cy="3429000"/>
           </a:xfrm>
           <a:custGeom>
-            <a:rect b="b" l="l" r="r" t="t"/>
+            <a:avLst/>
+            <a:gdLst/>
+            <a:ahLst/>
+            <a:cxnLst/>
+            <a:rect l="l" t="t" r="r" b="b"/>
             <a:pathLst>
-              <a:path extrusionOk="0" h="120000" w="120000">
+              <a:path w="120000" h="120000" extrusionOk="0">
                 <a:moveTo>
                   <a:pt x="0" y="0"/>
                 </a:moveTo>
@@ -1743,9 +1814,11 @@
       <p:sp>
         <p:nvSpPr>
           <p:cNvPr id="131" name="Google Shape;131;g10374a22ae_0_0:notes"/>
-          <p:cNvSpPr txBox="1"/>
+          <p:cNvSpPr txBox="1">
+            <a:spLocks noGrp="1"/>
+          </p:cNvSpPr>
           <p:nvPr>
-            <p:ph idx="1" type="body"/>
+            <p:ph type="body" idx="1"/>
           </p:nvPr>
         </p:nvSpPr>
         <p:spPr>
@@ -1758,23 +1831,20 @@
           </a:prstGeom>
         </p:spPr>
         <p:txBody>
-          <a:bodyPr anchorCtr="0" anchor="t" bIns="91425" lIns="91425" spcFirstLastPara="1" rIns="91425" wrap="square" tIns="91425">
+          <a:bodyPr spcFirstLastPara="1" wrap="square" lIns="91425" tIns="91425" rIns="91425" bIns="91425" anchor="t" anchorCtr="0">
             <a:noAutofit/>
           </a:bodyPr>
           <a:lstStyle/>
           <a:p>
-            <a:pPr indent="0" lvl="0" marL="0" rtl="0" algn="l">
-              <a:spcBef>
-                <a:spcPts val="0"/>
-              </a:spcBef>
-              <a:spcAft>
-                <a:spcPts val="0"/>
-              </a:spcAft>
-              <a:buNone/>
-            </a:pPr>
-            <a:r>
-              <a:t/>
-            </a:r>
+            <a:pPr marL="0" lvl="0" indent="0" algn="l" rtl="0">
+              <a:spcBef>
+                <a:spcPts val="0"/>
+              </a:spcBef>
+              <a:spcAft>
+                <a:spcPts val="0"/>
+              </a:spcAft>
+              <a:buNone/>
+            </a:pPr>
             <a:endParaRPr/>
           </a:p>
         </p:txBody>
@@ -1788,11 +1858,11 @@
 </file>
 
 <file path=ppt/notesSlides/notesSlide8.xml><?xml version="1.0" encoding="utf-8"?>
-<p:notes xmlns:a="http://schemas.openxmlformats.org/drawingml/2006/main" xmlns:r="http://schemas.openxmlformats.org/officeDocument/2006/relationships" xmlns:mc="http://schemas.openxmlformats.org/markup-compatibility/2006" xmlns:mv="urn:schemas-microsoft-com:mac:vml" xmlns:p="http://schemas.openxmlformats.org/presentationml/2006/main" xmlns:c="http://schemas.openxmlformats.org/drawingml/2006/chart" xmlns:dgm="http://schemas.openxmlformats.org/drawingml/2006/diagram" xmlns:o="urn:schemas-microsoft-com:office:office" xmlns:v="urn:schemas-microsoft-com:vml" xmlns:pvml="urn:schemas-microsoft-com:office:powerpoint" xmlns:com="http://schemas.openxmlformats.org/drawingml/2006/compatibility" xmlns:p14="http://schemas.microsoft.com/office/powerpoint/2010/main" xmlns:p15="http://schemas.microsoft.com/office/powerpoint/2012/main" showMasterPhAnim="0" showMasterSp="0">
+<p:notes xmlns:a="http://schemas.openxmlformats.org/drawingml/2006/main" xmlns:r="http://schemas.openxmlformats.org/officeDocument/2006/relationships" xmlns:p="http://schemas.openxmlformats.org/presentationml/2006/main" showMasterSp="0" showMasterPhAnim="0">
   <p:cSld>
     <p:spTree>
       <p:nvGrpSpPr>
-        <p:cNvPr id="140" name="Shape 140"/>
+        <p:cNvPr id="1" name="Shape 140"/>
         <p:cNvGrpSpPr/>
         <p:nvPr/>
       </p:nvGrpSpPr>
@@ -1807,9 +1877,11 @@
       <p:sp>
         <p:nvSpPr>
           <p:cNvPr id="141" name="Google Shape;141;g10374a22ae_0_8:notes"/>
-          <p:cNvSpPr/>
+          <p:cNvSpPr>
+            <a:spLocks noGrp="1" noRot="1" noChangeAspect="1"/>
+          </p:cNvSpPr>
           <p:nvPr>
-            <p:ph idx="2" type="sldImg"/>
+            <p:ph type="sldImg" idx="2"/>
           </p:nvPr>
         </p:nvSpPr>
         <p:spPr>
@@ -1818,9 +1890,13 @@
             <a:ext cx="4572000" cy="3429000"/>
           </a:xfrm>
           <a:custGeom>
-            <a:rect b="b" l="l" r="r" t="t"/>
+            <a:avLst/>
+            <a:gdLst/>
+            <a:ahLst/>
+            <a:cxnLst/>
+            <a:rect l="l" t="t" r="r" b="b"/>
             <a:pathLst>
-              <a:path extrusionOk="0" h="120000" w="120000">
+              <a:path w="120000" h="120000" extrusionOk="0">
                 <a:moveTo>
                   <a:pt x="0" y="0"/>
                 </a:moveTo>
@@ -1842,9 +1918,11 @@
       <p:sp>
         <p:nvSpPr>
           <p:cNvPr id="142" name="Google Shape;142;g10374a22ae_0_8:notes"/>
-          <p:cNvSpPr txBox="1"/>
+          <p:cNvSpPr txBox="1">
+            <a:spLocks noGrp="1"/>
+          </p:cNvSpPr>
           <p:nvPr>
-            <p:ph idx="1" type="body"/>
+            <p:ph type="body" idx="1"/>
           </p:nvPr>
         </p:nvSpPr>
         <p:spPr>
@@ -1857,23 +1935,20 @@
           </a:prstGeom>
         </p:spPr>
         <p:txBody>
-          <a:bodyPr anchorCtr="0" anchor="t" bIns="91425" lIns="91425" spcFirstLastPara="1" rIns="91425" wrap="square" tIns="91425">
+          <a:bodyPr spcFirstLastPara="1" wrap="square" lIns="91425" tIns="91425" rIns="91425" bIns="91425" anchor="t" anchorCtr="0">
             <a:noAutofit/>
           </a:bodyPr>
           <a:lstStyle/>
           <a:p>
-            <a:pPr indent="0" lvl="0" marL="0" rtl="0" algn="l">
-              <a:spcBef>
-                <a:spcPts val="0"/>
-              </a:spcBef>
-              <a:spcAft>
-                <a:spcPts val="0"/>
-              </a:spcAft>
-              <a:buNone/>
-            </a:pPr>
-            <a:r>
-              <a:t/>
-            </a:r>
+            <a:pPr marL="0" lvl="0" indent="0" algn="l" rtl="0">
+              <a:spcBef>
+                <a:spcPts val="0"/>
+              </a:spcBef>
+              <a:spcAft>
+                <a:spcPts val="0"/>
+              </a:spcAft>
+              <a:buNone/>
+            </a:pPr>
             <a:endParaRPr/>
           </a:p>
         </p:txBody>
@@ -1887,11 +1962,11 @@
 </file>
 
 <file path=ppt/notesSlides/notesSlide9.xml><?xml version="1.0" encoding="utf-8"?>
-<p:notes xmlns:a="http://schemas.openxmlformats.org/drawingml/2006/main" xmlns:r="http://schemas.openxmlformats.org/officeDocument/2006/relationships" xmlns:mc="http://schemas.openxmlformats.org/markup-compatibility/2006" xmlns:mv="urn:schemas-microsoft-com:mac:vml" xmlns:p="http://schemas.openxmlformats.org/presentationml/2006/main" xmlns:c="http://schemas.openxmlformats.org/drawingml/2006/chart" xmlns:dgm="http://schemas.openxmlformats.org/drawingml/2006/diagram" xmlns:o="urn:schemas-microsoft-com:office:office" xmlns:v="urn:schemas-microsoft-com:vml" xmlns:pvml="urn:schemas-microsoft-com:office:powerpoint" xmlns:com="http://schemas.openxmlformats.org/drawingml/2006/compatibility" xmlns:p14="http://schemas.microsoft.com/office/powerpoint/2010/main" xmlns:p15="http://schemas.microsoft.com/office/powerpoint/2012/main" showMasterPhAnim="0" showMasterSp="0">
+<p:notes xmlns:a="http://schemas.openxmlformats.org/drawingml/2006/main" xmlns:r="http://schemas.openxmlformats.org/officeDocument/2006/relationships" xmlns:p="http://schemas.openxmlformats.org/presentationml/2006/main" showMasterSp="0" showMasterPhAnim="0">
   <p:cSld>
     <p:spTree>
       <p:nvGrpSpPr>
-        <p:cNvPr id="149" name="Shape 149"/>
+        <p:cNvPr id="1" name="Shape 149"/>
         <p:cNvGrpSpPr/>
         <p:nvPr/>
       </p:nvGrpSpPr>
@@ -1906,9 +1981,11 @@
       <p:sp>
         <p:nvSpPr>
           <p:cNvPr id="150" name="Google Shape;150;g10374a22ae_0_14:notes"/>
-          <p:cNvSpPr/>
+          <p:cNvSpPr>
+            <a:spLocks noGrp="1" noRot="1" noChangeAspect="1"/>
+          </p:cNvSpPr>
           <p:nvPr>
-            <p:ph idx="2" type="sldImg"/>
+            <p:ph type="sldImg" idx="2"/>
           </p:nvPr>
         </p:nvSpPr>
         <p:spPr>
@@ -1917,9 +1994,13 @@
             <a:ext cx="4572000" cy="3429000"/>
           </a:xfrm>
           <a:custGeom>
-            <a:rect b="b" l="l" r="r" t="t"/>
+            <a:avLst/>
+            <a:gdLst/>
+            <a:ahLst/>
+            <a:cxnLst/>
+            <a:rect l="l" t="t" r="r" b="b"/>
             <a:pathLst>
-              <a:path extrusionOk="0" h="120000" w="120000">
+              <a:path w="120000" h="120000" extrusionOk="0">
                 <a:moveTo>
                   <a:pt x="0" y="0"/>
                 </a:moveTo>
@@ -1941,9 +2022,11 @@
       <p:sp>
         <p:nvSpPr>
           <p:cNvPr id="151" name="Google Shape;151;g10374a22ae_0_14:notes"/>
-          <p:cNvSpPr txBox="1"/>
+          <p:cNvSpPr txBox="1">
+            <a:spLocks noGrp="1"/>
+          </p:cNvSpPr>
           <p:nvPr>
-            <p:ph idx="1" type="body"/>
+            <p:ph type="body" idx="1"/>
           </p:nvPr>
         </p:nvSpPr>
         <p:spPr>
@@ -1956,23 +2039,20 @@
           </a:prstGeom>
         </p:spPr>
         <p:txBody>
-          <a:bodyPr anchorCtr="0" anchor="t" bIns="91425" lIns="91425" spcFirstLastPara="1" rIns="91425" wrap="square" tIns="91425">
+          <a:bodyPr spcFirstLastPara="1" wrap="square" lIns="91425" tIns="91425" rIns="91425" bIns="91425" anchor="t" anchorCtr="0">
             <a:noAutofit/>
           </a:bodyPr>
           <a:lstStyle/>
           <a:p>
-            <a:pPr indent="0" lvl="0" marL="0" rtl="0" algn="l">
-              <a:spcBef>
-                <a:spcPts val="0"/>
-              </a:spcBef>
-              <a:spcAft>
-                <a:spcPts val="0"/>
-              </a:spcAft>
-              <a:buNone/>
-            </a:pPr>
-            <a:r>
-              <a:t/>
-            </a:r>
+            <a:pPr marL="0" lvl="0" indent="0" algn="l" rtl="0">
+              <a:spcBef>
+                <a:spcPts val="0"/>
+              </a:spcBef>
+              <a:spcAft>
+                <a:spcPts val="0"/>
+              </a:spcAft>
+              <a:buNone/>
+            </a:pPr>
             <a:endParaRPr/>
           </a:p>
         </p:txBody>
@@ -1986,11 +2066,11 @@
 </file>
 
 <file path=ppt/slideLayouts/slideLayout1.xml><?xml version="1.0" encoding="utf-8"?>
-<p:sldLayout xmlns:a="http://schemas.openxmlformats.org/drawingml/2006/main" xmlns:r="http://schemas.openxmlformats.org/officeDocument/2006/relationships" xmlns:mc="http://schemas.openxmlformats.org/markup-compatibility/2006" xmlns:mv="urn:schemas-microsoft-com:mac:vml" xmlns:p="http://schemas.openxmlformats.org/presentationml/2006/main" xmlns:c="http://schemas.openxmlformats.org/drawingml/2006/chart" xmlns:dgm="http://schemas.openxmlformats.org/drawingml/2006/diagram" xmlns:o="urn:schemas-microsoft-com:office:office" xmlns:v="urn:schemas-microsoft-com:vml" xmlns:pvml="urn:schemas-microsoft-com:office:powerpoint" xmlns:com="http://schemas.openxmlformats.org/drawingml/2006/compatibility" xmlns:p14="http://schemas.microsoft.com/office/powerpoint/2010/main" xmlns:p15="http://schemas.microsoft.com/office/powerpoint/2012/main" matchingName="Title slide" type="title">
+<p:sldLayout xmlns:a="http://schemas.openxmlformats.org/drawingml/2006/main" xmlns:r="http://schemas.openxmlformats.org/officeDocument/2006/relationships" xmlns:p="http://schemas.openxmlformats.org/presentationml/2006/main" matchingName="Title slide" type="title">
   <p:cSld name="TITLE">
     <p:spTree>
       <p:nvGrpSpPr>
-        <p:cNvPr id="9" name="Shape 9"/>
+        <p:cNvPr id="1" name="Shape 9"/>
         <p:cNvGrpSpPr/>
         <p:nvPr/>
       </p:nvGrpSpPr>
@@ -2024,23 +2104,20 @@
           </a:ln>
         </p:spPr>
         <p:txBody>
-          <a:bodyPr anchorCtr="0" anchor="ctr" bIns="91425" lIns="91425" spcFirstLastPara="1" rIns="91425" wrap="square" tIns="91425">
+          <a:bodyPr spcFirstLastPara="1" wrap="square" lIns="91425" tIns="91425" rIns="91425" bIns="91425" anchor="ctr" anchorCtr="0">
             <a:noAutofit/>
           </a:bodyPr>
           <a:lstStyle/>
           <a:p>
-            <a:pPr indent="0" lvl="0" marL="0" rtl="0" algn="l">
-              <a:spcBef>
-                <a:spcPts val="0"/>
-              </a:spcBef>
-              <a:spcAft>
-                <a:spcPts val="0"/>
-              </a:spcAft>
-              <a:buNone/>
-            </a:pPr>
-            <a:r>
-              <a:t/>
-            </a:r>
+            <a:pPr marL="0" lvl="0" indent="0" algn="l" rtl="0">
+              <a:spcBef>
+                <a:spcPts val="0"/>
+              </a:spcBef>
+              <a:spcAft>
+                <a:spcPts val="0"/>
+              </a:spcAft>
+              <a:buNone/>
+            </a:pPr>
             <a:endParaRPr/>
           </a:p>
         </p:txBody>
@@ -2058,7 +2135,7 @@
           </a:xfrm>
           <a:prstGeom prst="round1Rect">
             <a:avLst>
-              <a:gd fmla="val 16667" name="adj"/>
+              <a:gd name="adj" fmla="val 16667"/>
             </a:avLst>
           </a:prstGeom>
           <a:solidFill>
@@ -2071,23 +2148,20 @@
           </a:ln>
         </p:spPr>
         <p:txBody>
-          <a:bodyPr anchorCtr="0" anchor="ctr" bIns="91425" lIns="91425" spcFirstLastPara="1" rIns="91425" wrap="square" tIns="91425">
+          <a:bodyPr spcFirstLastPara="1" wrap="square" lIns="91425" tIns="91425" rIns="91425" bIns="91425" anchor="ctr" anchorCtr="0">
             <a:noAutofit/>
           </a:bodyPr>
           <a:lstStyle/>
           <a:p>
-            <a:pPr indent="0" lvl="0" marL="0" rtl="0" algn="l">
-              <a:spcBef>
-                <a:spcPts val="0"/>
-              </a:spcBef>
-              <a:spcAft>
-                <a:spcPts val="0"/>
-              </a:spcAft>
-              <a:buNone/>
-            </a:pPr>
-            <a:r>
-              <a:t/>
-            </a:r>
+            <a:pPr marL="0" lvl="0" indent="0" algn="l" rtl="0">
+              <a:spcBef>
+                <a:spcPts val="0"/>
+              </a:spcBef>
+              <a:spcAft>
+                <a:spcPts val="0"/>
+              </a:spcAft>
+              <a:buNone/>
+            </a:pPr>
             <a:endParaRPr/>
           </a:p>
         </p:txBody>
@@ -2095,7 +2169,9 @@
       <p:sp>
         <p:nvSpPr>
           <p:cNvPr id="12" name="Google Shape;12;p2"/>
-          <p:cNvSpPr txBox="1"/>
+          <p:cNvSpPr txBox="1">
+            <a:spLocks noGrp="1"/>
+          </p:cNvSpPr>
           <p:nvPr>
             <p:ph type="ctrTitle"/>
           </p:nvPr>
@@ -2110,7 +2186,7 @@
           </a:prstGeom>
         </p:spPr>
         <p:txBody>
-          <a:bodyPr anchorCtr="0" anchor="b" bIns="91425" lIns="91425" spcFirstLastPara="1" rIns="91425" wrap="square" tIns="91425">
+          <a:bodyPr spcFirstLastPara="1" wrap="square" lIns="91425" tIns="91425" rIns="91425" bIns="91425" anchor="b" anchorCtr="0">
             <a:noAutofit/>
           </a:bodyPr>
           <a:lstStyle>
@@ -2214,15 +2290,19 @@
               <a:defRPr sz="4800"/>
             </a:lvl9pPr>
           </a:lstStyle>
-          <a:p/>
+          <a:p>
+            <a:endParaRPr/>
+          </a:p>
         </p:txBody>
       </p:sp>
       <p:sp>
         <p:nvSpPr>
           <p:cNvPr id="13" name="Google Shape;13;p2"/>
-          <p:cNvSpPr txBox="1"/>
+          <p:cNvSpPr txBox="1">
+            <a:spLocks noGrp="1"/>
+          </p:cNvSpPr>
           <p:nvPr>
-            <p:ph idx="1" type="subTitle"/>
+            <p:ph type="subTitle" idx="1"/>
           </p:nvPr>
         </p:nvSpPr>
         <p:spPr>
@@ -2235,7 +2315,7 @@
           </a:prstGeom>
         </p:spPr>
         <p:txBody>
-          <a:bodyPr anchorCtr="0" anchor="t" bIns="91425" lIns="91425" spcFirstLastPara="1" rIns="91425" wrap="square" tIns="91425">
+          <a:bodyPr spcFirstLastPara="1" wrap="square" lIns="91425" tIns="91425" rIns="91425" bIns="91425" anchor="t" anchorCtr="0">
             <a:noAutofit/>
           </a:bodyPr>
           <a:lstStyle>
@@ -2429,15 +2509,19 @@
               </a:defRPr>
             </a:lvl9pPr>
           </a:lstStyle>
-          <a:p/>
+          <a:p>
+            <a:endParaRPr/>
+          </a:p>
         </p:txBody>
       </p:sp>
       <p:sp>
         <p:nvSpPr>
           <p:cNvPr id="14" name="Google Shape;14;p2"/>
-          <p:cNvSpPr txBox="1"/>
+          <p:cNvSpPr txBox="1">
+            <a:spLocks noGrp="1"/>
+          </p:cNvSpPr>
           <p:nvPr>
-            <p:ph idx="12" type="sldNum"/>
+            <p:ph type="sldNum" idx="12"/>
           </p:nvPr>
         </p:nvSpPr>
         <p:spPr>
@@ -2450,7 +2534,7 @@
           </a:prstGeom>
         </p:spPr>
         <p:txBody>
-          <a:bodyPr anchorCtr="0" anchor="ctr" bIns="91425" lIns="91425" spcFirstLastPara="1" rIns="91425" wrap="square" tIns="91425">
+          <a:bodyPr spcFirstLastPara="1" wrap="square" lIns="91425" tIns="91425" rIns="91425" bIns="91425" anchor="ctr" anchorCtr="0">
             <a:noAutofit/>
           </a:bodyPr>
           <a:lstStyle>
@@ -2492,7 +2576,7 @@
             </a:lvl9pPr>
           </a:lstStyle>
           <a:p>
-            <a:pPr indent="0" lvl="0" marL="0" rtl="0" algn="r">
+            <a:pPr marL="0" lvl="0" indent="0" algn="r" rtl="0">
               <a:spcBef>
                 <a:spcPts val="0"/>
               </a:spcBef>
@@ -2518,18 +2602,19 @@
 </file>
 
 <file path=ppt/slideLayouts/slideLayout10.xml><?xml version="1.0" encoding="utf-8"?>
-<p:sldLayout xmlns:a="http://schemas.openxmlformats.org/drawingml/2006/main" xmlns:r="http://schemas.openxmlformats.org/officeDocument/2006/relationships" xmlns:mc="http://schemas.openxmlformats.org/markup-compatibility/2006" xmlns:mv="urn:schemas-microsoft-com:mac:vml" xmlns:p="http://schemas.openxmlformats.org/presentationml/2006/main" xmlns:c="http://schemas.openxmlformats.org/drawingml/2006/chart" xmlns:dgm="http://schemas.openxmlformats.org/drawingml/2006/diagram" xmlns:o="urn:schemas-microsoft-com:office:office" xmlns:v="urn:schemas-microsoft-com:vml" xmlns:pvml="urn:schemas-microsoft-com:office:powerpoint" xmlns:com="http://schemas.openxmlformats.org/drawingml/2006/compatibility" xmlns:p14="http://schemas.microsoft.com/office/powerpoint/2010/main" xmlns:p15="http://schemas.microsoft.com/office/powerpoint/2012/main" matchingName="Big number">
+<p:sldLayout xmlns:a="http://schemas.openxmlformats.org/drawingml/2006/main" xmlns:r="http://schemas.openxmlformats.org/officeDocument/2006/relationships" xmlns:p="http://schemas.openxmlformats.org/presentationml/2006/main" matchingName="Big number">
   <p:cSld name="BIG_NUMBER">
     <p:bg>
       <p:bgPr>
         <a:solidFill>
           <a:schemeClr val="accent4"/>
         </a:solidFill>
+        <a:effectLst/>
       </p:bgPr>
     </p:bg>
     <p:spTree>
       <p:nvGrpSpPr>
-        <p:cNvPr id="58" name="Shape 58"/>
+        <p:cNvPr id="1" name="Shape 58"/>
         <p:cNvGrpSpPr/>
         <p:nvPr/>
       </p:nvGrpSpPr>
@@ -2544,9 +2629,11 @@
       <p:sp>
         <p:nvSpPr>
           <p:cNvPr id="59" name="Google Shape;59;p11"/>
-          <p:cNvSpPr txBox="1"/>
+          <p:cNvSpPr txBox="1">
+            <a:spLocks noGrp="1"/>
+          </p:cNvSpPr>
           <p:nvPr>
-            <p:ph hasCustomPrompt="1" type="title"/>
+            <p:ph type="title" hasCustomPrompt="1"/>
           </p:nvPr>
         </p:nvSpPr>
         <p:spPr>
@@ -2559,7 +2646,7 @@
           </a:prstGeom>
         </p:spPr>
         <p:txBody>
-          <a:bodyPr anchorCtr="0" anchor="b" bIns="91425" lIns="91425" spcFirstLastPara="1" rIns="91425" wrap="square" tIns="91425">
+          <a:bodyPr spcFirstLastPara="1" wrap="square" lIns="91425" tIns="91425" rIns="91425" bIns="91425" anchor="b" anchorCtr="0">
             <a:noAutofit/>
           </a:bodyPr>
           <a:lstStyle>
@@ -2736,9 +2823,11 @@
       <p:sp>
         <p:nvSpPr>
           <p:cNvPr id="60" name="Google Shape;60;p11"/>
-          <p:cNvSpPr txBox="1"/>
+          <p:cNvSpPr txBox="1">
+            <a:spLocks noGrp="1"/>
+          </p:cNvSpPr>
           <p:nvPr>
-            <p:ph idx="1" type="body"/>
+            <p:ph type="body" idx="1"/>
           </p:nvPr>
         </p:nvSpPr>
         <p:spPr>
@@ -2751,11 +2840,11 @@
           </a:prstGeom>
         </p:spPr>
         <p:txBody>
-          <a:bodyPr anchorCtr="0" anchor="t" bIns="91425" lIns="91425" spcFirstLastPara="1" rIns="91425" wrap="square" tIns="91425">
+          <a:bodyPr spcFirstLastPara="1" wrap="square" lIns="91425" tIns="91425" rIns="91425" bIns="91425" anchor="t" anchorCtr="0">
             <a:noAutofit/>
           </a:bodyPr>
           <a:lstStyle>
-            <a:lvl1pPr indent="-342900" lvl="0" marL="457200" algn="ctr">
+            <a:lvl1pPr marL="457200" lvl="0" indent="-342900" algn="ctr">
               <a:spcBef>
                 <a:spcPts val="0"/>
               </a:spcBef>
@@ -2766,7 +2855,7 @@
               <a:buChar char="●"/>
               <a:defRPr/>
             </a:lvl1pPr>
-            <a:lvl2pPr indent="-317500" lvl="1" marL="914400" algn="ctr">
+            <a:lvl2pPr marL="914400" lvl="1" indent="-317500" algn="ctr">
               <a:spcBef>
                 <a:spcPts val="1600"/>
               </a:spcBef>
@@ -2777,7 +2866,7 @@
               <a:buChar char="○"/>
               <a:defRPr/>
             </a:lvl2pPr>
-            <a:lvl3pPr indent="-317500" lvl="2" marL="1371600" algn="ctr">
+            <a:lvl3pPr marL="1371600" lvl="2" indent="-317500" algn="ctr">
               <a:spcBef>
                 <a:spcPts val="1600"/>
               </a:spcBef>
@@ -2788,7 +2877,7 @@
               <a:buChar char="■"/>
               <a:defRPr/>
             </a:lvl3pPr>
-            <a:lvl4pPr indent="-317500" lvl="3" marL="1828800" algn="ctr">
+            <a:lvl4pPr marL="1828800" lvl="3" indent="-317500" algn="ctr">
               <a:spcBef>
                 <a:spcPts val="1600"/>
               </a:spcBef>
@@ -2799,7 +2888,7 @@
               <a:buChar char="●"/>
               <a:defRPr/>
             </a:lvl4pPr>
-            <a:lvl5pPr indent="-317500" lvl="4" marL="2286000" algn="ctr">
+            <a:lvl5pPr marL="2286000" lvl="4" indent="-317500" algn="ctr">
               <a:spcBef>
                 <a:spcPts val="1600"/>
               </a:spcBef>
@@ -2810,7 +2899,7 @@
               <a:buChar char="○"/>
               <a:defRPr/>
             </a:lvl5pPr>
-            <a:lvl6pPr indent="-317500" lvl="5" marL="2743200" algn="ctr">
+            <a:lvl6pPr marL="2743200" lvl="5" indent="-317500" algn="ctr">
               <a:spcBef>
                 <a:spcPts val="1600"/>
               </a:spcBef>
@@ -2821,7 +2910,7 @@
               <a:buChar char="■"/>
               <a:defRPr/>
             </a:lvl6pPr>
-            <a:lvl7pPr indent="-317500" lvl="6" marL="3200400" algn="ctr">
+            <a:lvl7pPr marL="3200400" lvl="6" indent="-317500" algn="ctr">
               <a:spcBef>
                 <a:spcPts val="1600"/>
               </a:spcBef>
@@ -2832,7 +2921,7 @@
               <a:buChar char="●"/>
               <a:defRPr/>
             </a:lvl7pPr>
-            <a:lvl8pPr indent="-317500" lvl="7" marL="3657600" algn="ctr">
+            <a:lvl8pPr marL="3657600" lvl="7" indent="-317500" algn="ctr">
               <a:spcBef>
                 <a:spcPts val="1600"/>
               </a:spcBef>
@@ -2843,7 +2932,7 @@
               <a:buChar char="○"/>
               <a:defRPr/>
             </a:lvl8pPr>
-            <a:lvl9pPr indent="-317500" lvl="8" marL="4114800" algn="ctr">
+            <a:lvl9pPr marL="4114800" lvl="8" indent="-317500" algn="ctr">
               <a:spcBef>
                 <a:spcPts val="1600"/>
               </a:spcBef>
@@ -2855,15 +2944,19 @@
               <a:defRPr/>
             </a:lvl9pPr>
           </a:lstStyle>
-          <a:p/>
+          <a:p>
+            <a:endParaRPr/>
+          </a:p>
         </p:txBody>
       </p:sp>
       <p:sp>
         <p:nvSpPr>
           <p:cNvPr id="61" name="Google Shape;61;p11"/>
-          <p:cNvSpPr txBox="1"/>
+          <p:cNvSpPr txBox="1">
+            <a:spLocks noGrp="1"/>
+          </p:cNvSpPr>
           <p:nvPr>
-            <p:ph idx="12" type="sldNum"/>
+            <p:ph type="sldNum" idx="12"/>
           </p:nvPr>
         </p:nvSpPr>
         <p:spPr>
@@ -2876,7 +2969,7 @@
           </a:prstGeom>
         </p:spPr>
         <p:txBody>
-          <a:bodyPr anchorCtr="0" anchor="ctr" bIns="91425" lIns="91425" spcFirstLastPara="1" rIns="91425" wrap="square" tIns="91425">
+          <a:bodyPr spcFirstLastPara="1" wrap="square" lIns="91425" tIns="91425" rIns="91425" bIns="91425" anchor="ctr" anchorCtr="0">
             <a:noAutofit/>
           </a:bodyPr>
           <a:lstStyle>
@@ -2918,7 +3011,7 @@
             </a:lvl9pPr>
           </a:lstStyle>
           <a:p>
-            <a:pPr indent="0" lvl="0" marL="0" rtl="0" algn="r">
+            <a:pPr marL="0" lvl="0" indent="0" algn="r" rtl="0">
               <a:spcBef>
                 <a:spcPts val="0"/>
               </a:spcBef>
@@ -2944,18 +3037,19 @@
 </file>
 
 <file path=ppt/slideLayouts/slideLayout11.xml><?xml version="1.0" encoding="utf-8"?>
-<p:sldLayout xmlns:a="http://schemas.openxmlformats.org/drawingml/2006/main" xmlns:r="http://schemas.openxmlformats.org/officeDocument/2006/relationships" xmlns:mc="http://schemas.openxmlformats.org/markup-compatibility/2006" xmlns:mv="urn:schemas-microsoft-com:mac:vml" xmlns:p="http://schemas.openxmlformats.org/presentationml/2006/main" xmlns:c="http://schemas.openxmlformats.org/drawingml/2006/chart" xmlns:dgm="http://schemas.openxmlformats.org/drawingml/2006/diagram" xmlns:o="urn:schemas-microsoft-com:office:office" xmlns:v="urn:schemas-microsoft-com:vml" xmlns:pvml="urn:schemas-microsoft-com:office:powerpoint" xmlns:com="http://schemas.openxmlformats.org/drawingml/2006/compatibility" xmlns:p14="http://schemas.microsoft.com/office/powerpoint/2010/main" xmlns:p15="http://schemas.microsoft.com/office/powerpoint/2012/main" matchingName="Blank" type="blank">
+<p:sldLayout xmlns:a="http://schemas.openxmlformats.org/drawingml/2006/main" xmlns:r="http://schemas.openxmlformats.org/officeDocument/2006/relationships" xmlns:p="http://schemas.openxmlformats.org/presentationml/2006/main" matchingName="Blank" type="blank">
   <p:cSld name="BLANK">
     <p:bg>
       <p:bgPr>
         <a:solidFill>
           <a:schemeClr val="accent4"/>
         </a:solidFill>
+        <a:effectLst/>
       </p:bgPr>
     </p:bg>
     <p:spTree>
       <p:nvGrpSpPr>
-        <p:cNvPr id="62" name="Shape 62"/>
+        <p:cNvPr id="1" name="Shape 62"/>
         <p:cNvGrpSpPr/>
         <p:nvPr/>
       </p:nvGrpSpPr>
@@ -2970,9 +3064,11 @@
       <p:sp>
         <p:nvSpPr>
           <p:cNvPr id="63" name="Google Shape;63;p12"/>
-          <p:cNvSpPr txBox="1"/>
+          <p:cNvSpPr txBox="1">
+            <a:spLocks noGrp="1"/>
+          </p:cNvSpPr>
           <p:nvPr>
-            <p:ph idx="12" type="sldNum"/>
+            <p:ph type="sldNum" idx="12"/>
           </p:nvPr>
         </p:nvSpPr>
         <p:spPr>
@@ -2985,7 +3081,7 @@
           </a:prstGeom>
         </p:spPr>
         <p:txBody>
-          <a:bodyPr anchorCtr="0" anchor="ctr" bIns="91425" lIns="91425" spcFirstLastPara="1" rIns="91425" wrap="square" tIns="91425">
+          <a:bodyPr spcFirstLastPara="1" wrap="square" lIns="91425" tIns="91425" rIns="91425" bIns="91425" anchor="ctr" anchorCtr="0">
             <a:noAutofit/>
           </a:bodyPr>
           <a:lstStyle>
@@ -3027,7 +3123,7 @@
             </a:lvl9pPr>
           </a:lstStyle>
           <a:p>
-            <a:pPr indent="0" lvl="0" marL="0" rtl="0" algn="r">
+            <a:pPr marL="0" lvl="0" indent="0" algn="r" rtl="0">
               <a:spcBef>
                 <a:spcPts val="0"/>
               </a:spcBef>
@@ -3053,11 +3149,11 @@
 </file>
 
 <file path=ppt/slideLayouts/slideLayout2.xml><?xml version="1.0" encoding="utf-8"?>
-<p:sldLayout xmlns:a="http://schemas.openxmlformats.org/drawingml/2006/main" xmlns:r="http://schemas.openxmlformats.org/officeDocument/2006/relationships" xmlns:mc="http://schemas.openxmlformats.org/markup-compatibility/2006" xmlns:mv="urn:schemas-microsoft-com:mac:vml" xmlns:p="http://schemas.openxmlformats.org/presentationml/2006/main" xmlns:c="http://schemas.openxmlformats.org/drawingml/2006/chart" xmlns:dgm="http://schemas.openxmlformats.org/drawingml/2006/diagram" xmlns:o="urn:schemas-microsoft-com:office:office" xmlns:v="urn:schemas-microsoft-com:vml" xmlns:pvml="urn:schemas-microsoft-com:office:powerpoint" xmlns:com="http://schemas.openxmlformats.org/drawingml/2006/compatibility" xmlns:p14="http://schemas.microsoft.com/office/powerpoint/2010/main" xmlns:p15="http://schemas.microsoft.com/office/powerpoint/2012/main" matchingName="Section header" type="secHead">
+<p:sldLayout xmlns:a="http://schemas.openxmlformats.org/drawingml/2006/main" xmlns:r="http://schemas.openxmlformats.org/officeDocument/2006/relationships" xmlns:p="http://schemas.openxmlformats.org/presentationml/2006/main" matchingName="Section header" type="secHead">
   <p:cSld name="SECTION_HEADER">
     <p:spTree>
       <p:nvGrpSpPr>
-        <p:cNvPr id="15" name="Shape 15"/>
+        <p:cNvPr id="1" name="Shape 15"/>
         <p:cNvGrpSpPr/>
         <p:nvPr/>
       </p:nvGrpSpPr>
@@ -3072,7 +3168,9 @@
       <p:sp>
         <p:nvSpPr>
           <p:cNvPr id="16" name="Google Shape;16;p3"/>
-          <p:cNvSpPr txBox="1"/>
+          <p:cNvSpPr txBox="1">
+            <a:spLocks noGrp="1"/>
+          </p:cNvSpPr>
           <p:nvPr>
             <p:ph type="title"/>
           </p:nvPr>
@@ -3087,7 +3185,7 @@
           </a:prstGeom>
         </p:spPr>
         <p:txBody>
-          <a:bodyPr anchorCtr="0" anchor="ctr" bIns="91425" lIns="91425" spcFirstLastPara="1" rIns="91425" wrap="square" tIns="91425">
+          <a:bodyPr spcFirstLastPara="1" wrap="square" lIns="91425" tIns="91425" rIns="91425" bIns="91425" anchor="ctr" anchorCtr="0">
             <a:noAutofit/>
           </a:bodyPr>
           <a:lstStyle>
@@ -3191,15 +3289,19 @@
               <a:defRPr sz="4200"/>
             </a:lvl9pPr>
           </a:lstStyle>
-          <a:p/>
+          <a:p>
+            <a:endParaRPr/>
+          </a:p>
         </p:txBody>
       </p:sp>
       <p:sp>
         <p:nvSpPr>
           <p:cNvPr id="17" name="Google Shape;17;p3"/>
-          <p:cNvSpPr txBox="1"/>
+          <p:cNvSpPr txBox="1">
+            <a:spLocks noGrp="1"/>
+          </p:cNvSpPr>
           <p:nvPr>
-            <p:ph idx="12" type="sldNum"/>
+            <p:ph type="sldNum" idx="12"/>
           </p:nvPr>
         </p:nvSpPr>
         <p:spPr>
@@ -3212,7 +3314,7 @@
           </a:prstGeom>
         </p:spPr>
         <p:txBody>
-          <a:bodyPr anchorCtr="0" anchor="ctr" bIns="91425" lIns="91425" spcFirstLastPara="1" rIns="91425" wrap="square" tIns="91425">
+          <a:bodyPr spcFirstLastPara="1" wrap="square" lIns="91425" tIns="91425" rIns="91425" bIns="91425" anchor="ctr" anchorCtr="0">
             <a:noAutofit/>
           </a:bodyPr>
           <a:lstStyle>
@@ -3290,7 +3392,7 @@
             </a:lvl9pPr>
           </a:lstStyle>
           <a:p>
-            <a:pPr indent="0" lvl="0" marL="0" rtl="0" algn="r">
+            <a:pPr marL="0" lvl="0" indent="0" algn="r" rtl="0">
               <a:spcBef>
                 <a:spcPts val="0"/>
               </a:spcBef>
@@ -3316,11 +3418,11 @@
 </file>
 
 <file path=ppt/slideLayouts/slideLayout3.xml><?xml version="1.0" encoding="utf-8"?>
-<p:sldLayout xmlns:a="http://schemas.openxmlformats.org/drawingml/2006/main" xmlns:r="http://schemas.openxmlformats.org/officeDocument/2006/relationships" xmlns:mc="http://schemas.openxmlformats.org/markup-compatibility/2006" xmlns:mv="urn:schemas-microsoft-com:mac:vml" xmlns:p="http://schemas.openxmlformats.org/presentationml/2006/main" xmlns:c="http://schemas.openxmlformats.org/drawingml/2006/chart" xmlns:dgm="http://schemas.openxmlformats.org/drawingml/2006/diagram" xmlns:o="urn:schemas-microsoft-com:office:office" xmlns:v="urn:schemas-microsoft-com:vml" xmlns:pvml="urn:schemas-microsoft-com:office:powerpoint" xmlns:com="http://schemas.openxmlformats.org/drawingml/2006/compatibility" xmlns:p14="http://schemas.microsoft.com/office/powerpoint/2010/main" xmlns:p15="http://schemas.microsoft.com/office/powerpoint/2012/main" matchingName="Title and body" type="tx">
+<p:sldLayout xmlns:a="http://schemas.openxmlformats.org/drawingml/2006/main" xmlns:r="http://schemas.openxmlformats.org/officeDocument/2006/relationships" xmlns:p="http://schemas.openxmlformats.org/presentationml/2006/main" matchingName="Title and body" type="tx">
   <p:cSld name="TITLE_AND_BODY">
     <p:spTree>
       <p:nvGrpSpPr>
-        <p:cNvPr id="18" name="Shape 18"/>
+        <p:cNvPr id="1" name="Shape 18"/>
         <p:cNvGrpSpPr/>
         <p:nvPr/>
       </p:nvGrpSpPr>
@@ -3339,7 +3441,7 @@
           <p:nvPr/>
         </p:nvSpPr>
         <p:spPr>
-          <a:xfrm flipH="1" rot="10800000">
+          <a:xfrm rot="10800000" flipH="1">
             <a:off x="0" y="807300"/>
             <a:ext cx="9144000" cy="6050700"/>
           </a:xfrm>
@@ -3354,23 +3456,20 @@
           </a:ln>
         </p:spPr>
         <p:txBody>
-          <a:bodyPr anchorCtr="0" anchor="ctr" bIns="91425" lIns="91425" spcFirstLastPara="1" rIns="91425" wrap="square" tIns="91425">
+          <a:bodyPr spcFirstLastPara="1" wrap="square" lIns="91425" tIns="91425" rIns="91425" bIns="91425" anchor="ctr" anchorCtr="0">
             <a:noAutofit/>
           </a:bodyPr>
           <a:lstStyle/>
           <a:p>
-            <a:pPr indent="0" lvl="0" marL="0" rtl="0" algn="l">
-              <a:spcBef>
-                <a:spcPts val="0"/>
-              </a:spcBef>
-              <a:spcAft>
-                <a:spcPts val="0"/>
-              </a:spcAft>
-              <a:buNone/>
-            </a:pPr>
-            <a:r>
-              <a:t/>
-            </a:r>
+            <a:pPr marL="0" lvl="0" indent="0" algn="l" rtl="0">
+              <a:spcBef>
+                <a:spcPts val="0"/>
+              </a:spcBef>
+              <a:spcAft>
+                <a:spcPts val="0"/>
+              </a:spcAft>
+              <a:buNone/>
+            </a:pPr>
             <a:endParaRPr/>
           </a:p>
         </p:txBody>
@@ -3411,23 +3510,20 @@
           </a:ln>
         </p:spPr>
         <p:txBody>
-          <a:bodyPr anchorCtr="0" anchor="ctr" bIns="91425" lIns="91425" spcFirstLastPara="1" rIns="91425" wrap="square" tIns="91425">
+          <a:bodyPr spcFirstLastPara="1" wrap="square" lIns="91425" tIns="91425" rIns="91425" bIns="91425" anchor="ctr" anchorCtr="0">
             <a:noAutofit/>
           </a:bodyPr>
           <a:lstStyle/>
           <a:p>
-            <a:pPr indent="0" lvl="0" marL="0" rtl="0" algn="l">
-              <a:spcBef>
-                <a:spcPts val="0"/>
-              </a:spcBef>
-              <a:spcAft>
-                <a:spcPts val="0"/>
-              </a:spcAft>
-              <a:buNone/>
-            </a:pPr>
-            <a:r>
-              <a:t/>
-            </a:r>
+            <a:pPr marL="0" lvl="0" indent="0" algn="l" rtl="0">
+              <a:spcBef>
+                <a:spcPts val="0"/>
+              </a:spcBef>
+              <a:spcAft>
+                <a:spcPts val="0"/>
+              </a:spcAft>
+              <a:buNone/>
+            </a:pPr>
             <a:endParaRPr/>
           </a:p>
         </p:txBody>
@@ -3435,7 +3531,9 @@
       <p:sp>
         <p:nvSpPr>
           <p:cNvPr id="21" name="Google Shape;21;p4"/>
-          <p:cNvSpPr txBox="1"/>
+          <p:cNvSpPr txBox="1">
+            <a:spLocks noGrp="1"/>
+          </p:cNvSpPr>
           <p:nvPr>
             <p:ph type="title"/>
           </p:nvPr>
@@ -3450,7 +3548,7 @@
           </a:prstGeom>
         </p:spPr>
         <p:txBody>
-          <a:bodyPr anchorCtr="0" anchor="b" bIns="91425" lIns="91425" spcFirstLastPara="1" rIns="91425" wrap="square" tIns="91425">
+          <a:bodyPr spcFirstLastPara="1" wrap="square" lIns="91425" tIns="91425" rIns="91425" bIns="91425" anchor="b" anchorCtr="0">
             <a:noAutofit/>
           </a:bodyPr>
           <a:lstStyle>
@@ -3608,15 +3706,19 @@
               </a:defRPr>
             </a:lvl9pPr>
           </a:lstStyle>
-          <a:p/>
+          <a:p>
+            <a:endParaRPr/>
+          </a:p>
         </p:txBody>
       </p:sp>
       <p:sp>
         <p:nvSpPr>
           <p:cNvPr id="22" name="Google Shape;22;p4"/>
-          <p:cNvSpPr txBox="1"/>
+          <p:cNvSpPr txBox="1">
+            <a:spLocks noGrp="1"/>
+          </p:cNvSpPr>
           <p:nvPr>
-            <p:ph idx="1" type="body"/>
+            <p:ph type="body" idx="1"/>
           </p:nvPr>
         </p:nvSpPr>
         <p:spPr>
@@ -3629,11 +3731,11 @@
           </a:prstGeom>
         </p:spPr>
         <p:txBody>
-          <a:bodyPr anchorCtr="0" anchor="t" bIns="91425" lIns="91425" spcFirstLastPara="1" rIns="91425" wrap="square" tIns="91425">
+          <a:bodyPr spcFirstLastPara="1" wrap="square" lIns="91425" tIns="91425" rIns="91425" bIns="91425" anchor="t" anchorCtr="0">
             <a:noAutofit/>
           </a:bodyPr>
           <a:lstStyle>
-            <a:lvl1pPr indent="-342900" lvl="0" marL="457200">
+            <a:lvl1pPr marL="457200" lvl="0" indent="-342900">
               <a:spcBef>
                 <a:spcPts val="0"/>
               </a:spcBef>
@@ -3650,7 +3752,7 @@
                 <a:sym typeface="Open Sans"/>
               </a:defRPr>
             </a:lvl1pPr>
-            <a:lvl2pPr indent="-317500" lvl="1" marL="914400">
+            <a:lvl2pPr marL="914400" lvl="1" indent="-317500">
               <a:spcBef>
                 <a:spcPts val="1600"/>
               </a:spcBef>
@@ -3667,7 +3769,7 @@
                 <a:sym typeface="Open Sans"/>
               </a:defRPr>
             </a:lvl2pPr>
-            <a:lvl3pPr indent="-317500" lvl="2" marL="1371600">
+            <a:lvl3pPr marL="1371600" lvl="2" indent="-317500">
               <a:spcBef>
                 <a:spcPts val="1600"/>
               </a:spcBef>
@@ -3684,7 +3786,7 @@
                 <a:sym typeface="Open Sans"/>
               </a:defRPr>
             </a:lvl3pPr>
-            <a:lvl4pPr indent="-317500" lvl="3" marL="1828800">
+            <a:lvl4pPr marL="1828800" lvl="3" indent="-317500">
               <a:spcBef>
                 <a:spcPts val="1600"/>
               </a:spcBef>
@@ -3701,7 +3803,7 @@
                 <a:sym typeface="Open Sans"/>
               </a:defRPr>
             </a:lvl4pPr>
-            <a:lvl5pPr indent="-317500" lvl="4" marL="2286000">
+            <a:lvl5pPr marL="2286000" lvl="4" indent="-317500">
               <a:spcBef>
                 <a:spcPts val="1600"/>
               </a:spcBef>
@@ -3718,7 +3820,7 @@
                 <a:sym typeface="Open Sans"/>
               </a:defRPr>
             </a:lvl5pPr>
-            <a:lvl6pPr indent="-317500" lvl="5" marL="2743200">
+            <a:lvl6pPr marL="2743200" lvl="5" indent="-317500">
               <a:spcBef>
                 <a:spcPts val="1600"/>
               </a:spcBef>
@@ -3735,7 +3837,7 @@
                 <a:sym typeface="Open Sans"/>
               </a:defRPr>
             </a:lvl6pPr>
-            <a:lvl7pPr indent="-317500" lvl="6" marL="3200400">
+            <a:lvl7pPr marL="3200400" lvl="6" indent="-317500">
               <a:spcBef>
                 <a:spcPts val="1600"/>
               </a:spcBef>
@@ -3752,7 +3854,7 @@
                 <a:sym typeface="Open Sans"/>
               </a:defRPr>
             </a:lvl7pPr>
-            <a:lvl8pPr indent="-317500" lvl="7" marL="3657600">
+            <a:lvl8pPr marL="3657600" lvl="7" indent="-317500">
               <a:spcBef>
                 <a:spcPts val="1600"/>
               </a:spcBef>
@@ -3769,7 +3871,7 @@
                 <a:sym typeface="Open Sans"/>
               </a:defRPr>
             </a:lvl8pPr>
-            <a:lvl9pPr indent="-317500" lvl="8" marL="4114800">
+            <a:lvl9pPr marL="4114800" lvl="8" indent="-317500">
               <a:spcBef>
                 <a:spcPts val="1600"/>
               </a:spcBef>
@@ -3787,15 +3889,19 @@
               </a:defRPr>
             </a:lvl9pPr>
           </a:lstStyle>
-          <a:p/>
+          <a:p>
+            <a:endParaRPr/>
+          </a:p>
         </p:txBody>
       </p:sp>
       <p:sp>
         <p:nvSpPr>
           <p:cNvPr id="23" name="Google Shape;23;p4"/>
-          <p:cNvSpPr txBox="1"/>
+          <p:cNvSpPr txBox="1">
+            <a:spLocks noGrp="1"/>
+          </p:cNvSpPr>
           <p:nvPr>
-            <p:ph idx="12" type="sldNum"/>
+            <p:ph type="sldNum" idx="12"/>
           </p:nvPr>
         </p:nvSpPr>
         <p:spPr>
@@ -3808,7 +3914,7 @@
           </a:prstGeom>
         </p:spPr>
         <p:txBody>
-          <a:bodyPr anchorCtr="0" anchor="ctr" bIns="91425" lIns="91425" spcFirstLastPara="1" rIns="91425" wrap="square" tIns="91425">
+          <a:bodyPr spcFirstLastPara="1" wrap="square" lIns="91425" tIns="91425" rIns="91425" bIns="91425" anchor="ctr" anchorCtr="0">
             <a:noAutofit/>
           </a:bodyPr>
           <a:lstStyle>
@@ -3850,7 +3956,7 @@
             </a:lvl9pPr>
           </a:lstStyle>
           <a:p>
-            <a:pPr indent="0" lvl="0" marL="0" rtl="0" algn="r">
+            <a:pPr marL="0" lvl="0" indent="0" algn="r" rtl="0">
               <a:spcBef>
                 <a:spcPts val="0"/>
               </a:spcBef>
@@ -3904,11 +4010,11 @@
 </file>
 
 <file path=ppt/slideLayouts/slideLayout4.xml><?xml version="1.0" encoding="utf-8"?>
-<p:sldLayout xmlns:a="http://schemas.openxmlformats.org/drawingml/2006/main" xmlns:r="http://schemas.openxmlformats.org/officeDocument/2006/relationships" xmlns:mc="http://schemas.openxmlformats.org/markup-compatibility/2006" xmlns:mv="urn:schemas-microsoft-com:mac:vml" xmlns:p="http://schemas.openxmlformats.org/presentationml/2006/main" xmlns:c="http://schemas.openxmlformats.org/drawingml/2006/chart" xmlns:dgm="http://schemas.openxmlformats.org/drawingml/2006/diagram" xmlns:o="urn:schemas-microsoft-com:office:office" xmlns:v="urn:schemas-microsoft-com:vml" xmlns:pvml="urn:schemas-microsoft-com:office:powerpoint" xmlns:com="http://schemas.openxmlformats.org/drawingml/2006/compatibility" xmlns:p14="http://schemas.microsoft.com/office/powerpoint/2010/main" xmlns:p15="http://schemas.microsoft.com/office/powerpoint/2012/main" matchingName="Title and two columns" type="twoColTx">
+<p:sldLayout xmlns:a="http://schemas.openxmlformats.org/drawingml/2006/main" xmlns:r="http://schemas.openxmlformats.org/officeDocument/2006/relationships" xmlns:p="http://schemas.openxmlformats.org/presentationml/2006/main" matchingName="Title and two columns" type="twoColTx">
   <p:cSld name="TITLE_AND_TWO_COLUMNS">
     <p:spTree>
       <p:nvGrpSpPr>
-        <p:cNvPr id="25" name="Shape 25"/>
+        <p:cNvPr id="1" name="Shape 25"/>
         <p:cNvGrpSpPr/>
         <p:nvPr/>
       </p:nvGrpSpPr>
@@ -3927,7 +4033,7 @@
           <p:nvPr/>
         </p:nvSpPr>
         <p:spPr>
-          <a:xfrm flipH="1" rot="10800000">
+          <a:xfrm rot="10800000" flipH="1">
             <a:off x="0" y="2247900"/>
             <a:ext cx="9144000" cy="4610100"/>
           </a:xfrm>
@@ -3942,23 +4048,20 @@
           </a:ln>
         </p:spPr>
         <p:txBody>
-          <a:bodyPr anchorCtr="0" anchor="ctr" bIns="91425" lIns="91425" spcFirstLastPara="1" rIns="91425" wrap="square" tIns="91425">
+          <a:bodyPr spcFirstLastPara="1" wrap="square" lIns="91425" tIns="91425" rIns="91425" bIns="91425" anchor="ctr" anchorCtr="0">
             <a:noAutofit/>
           </a:bodyPr>
           <a:lstStyle/>
           <a:p>
-            <a:pPr indent="0" lvl="0" marL="0" rtl="0" algn="l">
-              <a:spcBef>
-                <a:spcPts val="0"/>
-              </a:spcBef>
-              <a:spcAft>
-                <a:spcPts val="0"/>
-              </a:spcAft>
-              <a:buNone/>
-            </a:pPr>
-            <a:r>
-              <a:t/>
-            </a:r>
+            <a:pPr marL="0" lvl="0" indent="0" algn="l" rtl="0">
+              <a:spcBef>
+                <a:spcPts val="0"/>
+              </a:spcBef>
+              <a:spcAft>
+                <a:spcPts val="0"/>
+              </a:spcAft>
+              <a:buNone/>
+            </a:pPr>
             <a:endParaRPr/>
           </a:p>
         </p:txBody>
@@ -3999,23 +4102,20 @@
           </a:ln>
         </p:spPr>
         <p:txBody>
-          <a:bodyPr anchorCtr="0" anchor="ctr" bIns="91425" lIns="91425" spcFirstLastPara="1" rIns="91425" wrap="square" tIns="91425">
+          <a:bodyPr spcFirstLastPara="1" wrap="square" lIns="91425" tIns="91425" rIns="91425" bIns="91425" anchor="ctr" anchorCtr="0">
             <a:noAutofit/>
           </a:bodyPr>
           <a:lstStyle/>
           <a:p>
-            <a:pPr indent="0" lvl="0" marL="0" rtl="0" algn="l">
-              <a:spcBef>
-                <a:spcPts val="0"/>
-              </a:spcBef>
-              <a:spcAft>
-                <a:spcPts val="0"/>
-              </a:spcAft>
-              <a:buNone/>
-            </a:pPr>
-            <a:r>
-              <a:t/>
-            </a:r>
+            <a:pPr marL="0" lvl="0" indent="0" algn="l" rtl="0">
+              <a:spcBef>
+                <a:spcPts val="0"/>
+              </a:spcBef>
+              <a:spcAft>
+                <a:spcPts val="0"/>
+              </a:spcAft>
+              <a:buNone/>
+            </a:pPr>
             <a:endParaRPr/>
           </a:p>
         </p:txBody>
@@ -4023,7 +4123,9 @@
       <p:sp>
         <p:nvSpPr>
           <p:cNvPr id="28" name="Google Shape;28;p5"/>
-          <p:cNvSpPr txBox="1"/>
+          <p:cNvSpPr txBox="1">
+            <a:spLocks noGrp="1"/>
+          </p:cNvSpPr>
           <p:nvPr>
             <p:ph type="title"/>
           </p:nvPr>
@@ -4038,7 +4140,7 @@
           </a:prstGeom>
         </p:spPr>
         <p:txBody>
-          <a:bodyPr anchorCtr="0" anchor="b" bIns="91425" lIns="91425" spcFirstLastPara="1" rIns="91425" wrap="square" tIns="91425">
+          <a:bodyPr spcFirstLastPara="1" wrap="square" lIns="91425" tIns="91425" rIns="91425" bIns="91425" anchor="b" anchorCtr="0">
             <a:noAutofit/>
           </a:bodyPr>
           <a:lstStyle>
@@ -4142,15 +4244,19 @@
               <a:defRPr/>
             </a:lvl9pPr>
           </a:lstStyle>
-          <a:p/>
+          <a:p>
+            <a:endParaRPr/>
+          </a:p>
         </p:txBody>
       </p:sp>
       <p:sp>
         <p:nvSpPr>
           <p:cNvPr id="29" name="Google Shape;29;p5"/>
-          <p:cNvSpPr txBox="1"/>
+          <p:cNvSpPr txBox="1">
+            <a:spLocks noGrp="1"/>
+          </p:cNvSpPr>
           <p:nvPr>
-            <p:ph idx="1" type="body"/>
+            <p:ph type="body" idx="1"/>
           </p:nvPr>
         </p:nvSpPr>
         <p:spPr>
@@ -4163,11 +4269,11 @@
           </a:prstGeom>
         </p:spPr>
         <p:txBody>
-          <a:bodyPr anchorCtr="0" anchor="t" bIns="91425" lIns="91425" spcFirstLastPara="1" rIns="91425" wrap="square" tIns="91425">
+          <a:bodyPr spcFirstLastPara="1" wrap="square" lIns="91425" tIns="91425" rIns="91425" bIns="91425" anchor="t" anchorCtr="0">
             <a:noAutofit/>
           </a:bodyPr>
           <a:lstStyle>
-            <a:lvl1pPr indent="-317500" lvl="0" marL="457200">
+            <a:lvl1pPr marL="457200" lvl="0" indent="-317500">
               <a:spcBef>
                 <a:spcPts val="0"/>
               </a:spcBef>
@@ -4178,7 +4284,7 @@
               <a:buChar char="●"/>
               <a:defRPr sz="1400"/>
             </a:lvl1pPr>
-            <a:lvl2pPr indent="-304800" lvl="1" marL="914400">
+            <a:lvl2pPr marL="914400" lvl="1" indent="-304800">
               <a:spcBef>
                 <a:spcPts val="1600"/>
               </a:spcBef>
@@ -4189,7 +4295,7 @@
               <a:buChar char="○"/>
               <a:defRPr sz="1200"/>
             </a:lvl2pPr>
-            <a:lvl3pPr indent="-304800" lvl="2" marL="1371600">
+            <a:lvl3pPr marL="1371600" lvl="2" indent="-304800">
               <a:spcBef>
                 <a:spcPts val="1600"/>
               </a:spcBef>
@@ -4200,7 +4306,7 @@
               <a:buChar char="■"/>
               <a:defRPr sz="1200"/>
             </a:lvl3pPr>
-            <a:lvl4pPr indent="-304800" lvl="3" marL="1828800">
+            <a:lvl4pPr marL="1828800" lvl="3" indent="-304800">
               <a:spcBef>
                 <a:spcPts val="1600"/>
               </a:spcBef>
@@ -4211,7 +4317,7 @@
               <a:buChar char="●"/>
               <a:defRPr sz="1200"/>
             </a:lvl4pPr>
-            <a:lvl5pPr indent="-304800" lvl="4" marL="2286000">
+            <a:lvl5pPr marL="2286000" lvl="4" indent="-304800">
               <a:spcBef>
                 <a:spcPts val="1600"/>
               </a:spcBef>
@@ -4222,7 +4328,7 @@
               <a:buChar char="○"/>
               <a:defRPr sz="1200"/>
             </a:lvl5pPr>
-            <a:lvl6pPr indent="-304800" lvl="5" marL="2743200">
+            <a:lvl6pPr marL="2743200" lvl="5" indent="-304800">
               <a:spcBef>
                 <a:spcPts val="1600"/>
               </a:spcBef>
@@ -4233,7 +4339,7 @@
               <a:buChar char="■"/>
               <a:defRPr sz="1200"/>
             </a:lvl6pPr>
-            <a:lvl7pPr indent="-304800" lvl="6" marL="3200400">
+            <a:lvl7pPr marL="3200400" lvl="6" indent="-304800">
               <a:spcBef>
                 <a:spcPts val="1600"/>
               </a:spcBef>
@@ -4244,7 +4350,7 @@
               <a:buChar char="●"/>
               <a:defRPr sz="1200"/>
             </a:lvl7pPr>
-            <a:lvl8pPr indent="-304800" lvl="7" marL="3657600">
+            <a:lvl8pPr marL="3657600" lvl="7" indent="-304800">
               <a:spcBef>
                 <a:spcPts val="1600"/>
               </a:spcBef>
@@ -4255,7 +4361,7 @@
               <a:buChar char="○"/>
               <a:defRPr sz="1200"/>
             </a:lvl8pPr>
-            <a:lvl9pPr indent="-304800" lvl="8" marL="4114800">
+            <a:lvl9pPr marL="4114800" lvl="8" indent="-304800">
               <a:spcBef>
                 <a:spcPts val="1600"/>
               </a:spcBef>
@@ -4267,15 +4373,19 @@
               <a:defRPr sz="1200"/>
             </a:lvl9pPr>
           </a:lstStyle>
-          <a:p/>
+          <a:p>
+            <a:endParaRPr/>
+          </a:p>
         </p:txBody>
       </p:sp>
       <p:sp>
         <p:nvSpPr>
           <p:cNvPr id="30" name="Google Shape;30;p5"/>
-          <p:cNvSpPr txBox="1"/>
+          <p:cNvSpPr txBox="1">
+            <a:spLocks noGrp="1"/>
+          </p:cNvSpPr>
           <p:nvPr>
-            <p:ph idx="2" type="body"/>
+            <p:ph type="body" idx="2"/>
           </p:nvPr>
         </p:nvSpPr>
         <p:spPr>
@@ -4288,11 +4398,11 @@
           </a:prstGeom>
         </p:spPr>
         <p:txBody>
-          <a:bodyPr anchorCtr="0" anchor="t" bIns="91425" lIns="91425" spcFirstLastPara="1" rIns="91425" wrap="square" tIns="91425">
+          <a:bodyPr spcFirstLastPara="1" wrap="square" lIns="91425" tIns="91425" rIns="91425" bIns="91425" anchor="t" anchorCtr="0">
             <a:noAutofit/>
           </a:bodyPr>
           <a:lstStyle>
-            <a:lvl1pPr indent="-317500" lvl="0" marL="457200">
+            <a:lvl1pPr marL="457200" lvl="0" indent="-317500">
               <a:spcBef>
                 <a:spcPts val="0"/>
               </a:spcBef>
@@ -4303,7 +4413,7 @@
               <a:buChar char="●"/>
               <a:defRPr sz="1400"/>
             </a:lvl1pPr>
-            <a:lvl2pPr indent="-304800" lvl="1" marL="914400">
+            <a:lvl2pPr marL="914400" lvl="1" indent="-304800">
               <a:spcBef>
                 <a:spcPts val="1600"/>
               </a:spcBef>
@@ -4314,7 +4424,7 @@
               <a:buChar char="○"/>
               <a:defRPr sz="1200"/>
             </a:lvl2pPr>
-            <a:lvl3pPr indent="-304800" lvl="2" marL="1371600">
+            <a:lvl3pPr marL="1371600" lvl="2" indent="-304800">
               <a:spcBef>
                 <a:spcPts val="1600"/>
               </a:spcBef>
@@ -4325,7 +4435,7 @@
               <a:buChar char="■"/>
               <a:defRPr sz="1200"/>
             </a:lvl3pPr>
-            <a:lvl4pPr indent="-304800" lvl="3" marL="1828800">
+            <a:lvl4pPr marL="1828800" lvl="3" indent="-304800">
               <a:spcBef>
                 <a:spcPts val="1600"/>
               </a:spcBef>
@@ -4336,7 +4446,7 @@
               <a:buChar char="●"/>
               <a:defRPr sz="1200"/>
             </a:lvl4pPr>
-            <a:lvl5pPr indent="-304800" lvl="4" marL="2286000">
+            <a:lvl5pPr marL="2286000" lvl="4" indent="-304800">
               <a:spcBef>
                 <a:spcPts val="1600"/>
               </a:spcBef>
@@ -4347,7 +4457,7 @@
               <a:buChar char="○"/>
               <a:defRPr sz="1200"/>
             </a:lvl5pPr>
-            <a:lvl6pPr indent="-304800" lvl="5" marL="2743200">
+            <a:lvl6pPr marL="2743200" lvl="5" indent="-304800">
               <a:spcBef>
                 <a:spcPts val="1600"/>
               </a:spcBef>
@@ -4358,7 +4468,7 @@
               <a:buChar char="■"/>
               <a:defRPr sz="1200"/>
             </a:lvl6pPr>
-            <a:lvl7pPr indent="-304800" lvl="6" marL="3200400">
+            <a:lvl7pPr marL="3200400" lvl="6" indent="-304800">
               <a:spcBef>
                 <a:spcPts val="1600"/>
               </a:spcBef>
@@ -4369,7 +4479,7 @@
               <a:buChar char="●"/>
               <a:defRPr sz="1200"/>
             </a:lvl7pPr>
-            <a:lvl8pPr indent="-304800" lvl="7" marL="3657600">
+            <a:lvl8pPr marL="3657600" lvl="7" indent="-304800">
               <a:spcBef>
                 <a:spcPts val="1600"/>
               </a:spcBef>
@@ -4380,7 +4490,7 @@
               <a:buChar char="○"/>
               <a:defRPr sz="1200"/>
             </a:lvl8pPr>
-            <a:lvl9pPr indent="-304800" lvl="8" marL="4114800">
+            <a:lvl9pPr marL="4114800" lvl="8" indent="-304800">
               <a:spcBef>
                 <a:spcPts val="1600"/>
               </a:spcBef>
@@ -4392,15 +4502,19 @@
               <a:defRPr sz="1200"/>
             </a:lvl9pPr>
           </a:lstStyle>
-          <a:p/>
+          <a:p>
+            <a:endParaRPr/>
+          </a:p>
         </p:txBody>
       </p:sp>
       <p:sp>
         <p:nvSpPr>
           <p:cNvPr id="31" name="Google Shape;31;p5"/>
-          <p:cNvSpPr txBox="1"/>
+          <p:cNvSpPr txBox="1">
+            <a:spLocks noGrp="1"/>
+          </p:cNvSpPr>
           <p:nvPr>
-            <p:ph idx="12" type="sldNum"/>
+            <p:ph type="sldNum" idx="12"/>
           </p:nvPr>
         </p:nvSpPr>
         <p:spPr>
@@ -4413,7 +4527,7 @@
           </a:prstGeom>
         </p:spPr>
         <p:txBody>
-          <a:bodyPr anchorCtr="0" anchor="ctr" bIns="91425" lIns="91425" spcFirstLastPara="1" rIns="91425" wrap="square" tIns="91425">
+          <a:bodyPr spcFirstLastPara="1" wrap="square" lIns="91425" tIns="91425" rIns="91425" bIns="91425" anchor="ctr" anchorCtr="0">
             <a:noAutofit/>
           </a:bodyPr>
           <a:lstStyle>
@@ -4455,7 +4569,7 @@
             </a:lvl9pPr>
           </a:lstStyle>
           <a:p>
-            <a:pPr indent="0" lvl="0" marL="0" rtl="0" algn="r">
+            <a:pPr marL="0" lvl="0" indent="0" algn="r" rtl="0">
               <a:spcBef>
                 <a:spcPts val="0"/>
               </a:spcBef>
@@ -4481,11 +4595,11 @@
 </file>
 
 <file path=ppt/slideLayouts/slideLayout5.xml><?xml version="1.0" encoding="utf-8"?>
-<p:sldLayout xmlns:a="http://schemas.openxmlformats.org/drawingml/2006/main" xmlns:r="http://schemas.openxmlformats.org/officeDocument/2006/relationships" xmlns:mc="http://schemas.openxmlformats.org/markup-compatibility/2006" xmlns:mv="urn:schemas-microsoft-com:mac:vml" xmlns:p="http://schemas.openxmlformats.org/presentationml/2006/main" xmlns:c="http://schemas.openxmlformats.org/drawingml/2006/chart" xmlns:dgm="http://schemas.openxmlformats.org/drawingml/2006/diagram" xmlns:o="urn:schemas-microsoft-com:office:office" xmlns:v="urn:schemas-microsoft-com:vml" xmlns:pvml="urn:schemas-microsoft-com:office:powerpoint" xmlns:com="http://schemas.openxmlformats.org/drawingml/2006/compatibility" xmlns:p14="http://schemas.microsoft.com/office/powerpoint/2010/main" xmlns:p15="http://schemas.microsoft.com/office/powerpoint/2012/main" matchingName="Title only" type="titleOnly">
+<p:sldLayout xmlns:a="http://schemas.openxmlformats.org/drawingml/2006/main" xmlns:r="http://schemas.openxmlformats.org/officeDocument/2006/relationships" xmlns:p="http://schemas.openxmlformats.org/presentationml/2006/main" matchingName="Title only" type="titleOnly">
   <p:cSld name="TITLE_ONLY">
     <p:spTree>
       <p:nvGrpSpPr>
-        <p:cNvPr id="32" name="Shape 32"/>
+        <p:cNvPr id="1" name="Shape 32"/>
         <p:cNvGrpSpPr/>
         <p:nvPr/>
       </p:nvGrpSpPr>
@@ -4504,7 +4618,7 @@
           <p:nvPr/>
         </p:nvSpPr>
         <p:spPr>
-          <a:xfrm flipH="1" rot="10800000">
+          <a:xfrm rot="10800000" flipH="1">
             <a:off x="0" y="875100"/>
             <a:ext cx="9144000" cy="5982900"/>
           </a:xfrm>
@@ -4519,23 +4633,20 @@
           </a:ln>
         </p:spPr>
         <p:txBody>
-          <a:bodyPr anchorCtr="0" anchor="ctr" bIns="91425" lIns="91425" spcFirstLastPara="1" rIns="91425" wrap="square" tIns="91425">
+          <a:bodyPr spcFirstLastPara="1" wrap="square" lIns="91425" tIns="91425" rIns="91425" bIns="91425" anchor="ctr" anchorCtr="0">
             <a:noAutofit/>
           </a:bodyPr>
           <a:lstStyle/>
           <a:p>
-            <a:pPr indent="0" lvl="0" marL="0" rtl="0" algn="l">
-              <a:spcBef>
-                <a:spcPts val="0"/>
-              </a:spcBef>
-              <a:spcAft>
-                <a:spcPts val="0"/>
-              </a:spcAft>
-              <a:buNone/>
-            </a:pPr>
-            <a:r>
-              <a:t/>
-            </a:r>
+            <a:pPr marL="0" lvl="0" indent="0" algn="l" rtl="0">
+              <a:spcBef>
+                <a:spcPts val="0"/>
+              </a:spcBef>
+              <a:spcAft>
+                <a:spcPts val="0"/>
+              </a:spcAft>
+              <a:buNone/>
+            </a:pPr>
             <a:endParaRPr/>
           </a:p>
         </p:txBody>
@@ -4576,23 +4687,20 @@
           </a:ln>
         </p:spPr>
         <p:txBody>
-          <a:bodyPr anchorCtr="0" anchor="ctr" bIns="91425" lIns="91425" spcFirstLastPara="1" rIns="91425" wrap="square" tIns="91425">
+          <a:bodyPr spcFirstLastPara="1" wrap="square" lIns="91425" tIns="91425" rIns="91425" bIns="91425" anchor="ctr" anchorCtr="0">
             <a:noAutofit/>
           </a:bodyPr>
           <a:lstStyle/>
           <a:p>
-            <a:pPr indent="0" lvl="0" marL="0" rtl="0" algn="l">
-              <a:spcBef>
-                <a:spcPts val="0"/>
-              </a:spcBef>
-              <a:spcAft>
-                <a:spcPts val="0"/>
-              </a:spcAft>
-              <a:buNone/>
-            </a:pPr>
-            <a:r>
-              <a:t/>
-            </a:r>
+            <a:pPr marL="0" lvl="0" indent="0" algn="l" rtl="0">
+              <a:spcBef>
+                <a:spcPts val="0"/>
+              </a:spcBef>
+              <a:spcAft>
+                <a:spcPts val="0"/>
+              </a:spcAft>
+              <a:buNone/>
+            </a:pPr>
             <a:endParaRPr/>
           </a:p>
         </p:txBody>
@@ -4600,7 +4708,9 @@
       <p:sp>
         <p:nvSpPr>
           <p:cNvPr id="35" name="Google Shape;35;p6"/>
-          <p:cNvSpPr txBox="1"/>
+          <p:cNvSpPr txBox="1">
+            <a:spLocks noGrp="1"/>
+          </p:cNvSpPr>
           <p:nvPr>
             <p:ph type="title"/>
           </p:nvPr>
@@ -4615,7 +4725,7 @@
           </a:prstGeom>
         </p:spPr>
         <p:txBody>
-          <a:bodyPr anchorCtr="0" anchor="ctr" bIns="91425" lIns="91425" spcFirstLastPara="1" rIns="91425" wrap="square" tIns="91425">
+          <a:bodyPr spcFirstLastPara="1" wrap="square" lIns="91425" tIns="91425" rIns="91425" bIns="91425" anchor="ctr" anchorCtr="0">
             <a:noAutofit/>
           </a:bodyPr>
           <a:lstStyle>
@@ -4719,15 +4829,19 @@
               <a:defRPr sz="1800"/>
             </a:lvl9pPr>
           </a:lstStyle>
-          <a:p/>
+          <a:p>
+            <a:endParaRPr/>
+          </a:p>
         </p:txBody>
       </p:sp>
       <p:sp>
         <p:nvSpPr>
           <p:cNvPr id="36" name="Google Shape;36;p6"/>
-          <p:cNvSpPr txBox="1"/>
+          <p:cNvSpPr txBox="1">
+            <a:spLocks noGrp="1"/>
+          </p:cNvSpPr>
           <p:nvPr>
-            <p:ph idx="12" type="sldNum"/>
+            <p:ph type="sldNum" idx="12"/>
           </p:nvPr>
         </p:nvSpPr>
         <p:spPr>
@@ -4740,7 +4854,7 @@
           </a:prstGeom>
         </p:spPr>
         <p:txBody>
-          <a:bodyPr anchorCtr="0" anchor="ctr" bIns="91425" lIns="91425" spcFirstLastPara="1" rIns="91425" wrap="square" tIns="91425">
+          <a:bodyPr spcFirstLastPara="1" wrap="square" lIns="91425" tIns="91425" rIns="91425" bIns="91425" anchor="ctr" anchorCtr="0">
             <a:noAutofit/>
           </a:bodyPr>
           <a:lstStyle>
@@ -4782,7 +4896,7 @@
             </a:lvl9pPr>
           </a:lstStyle>
           <a:p>
-            <a:pPr indent="0" lvl="0" marL="0" rtl="0" algn="r">
+            <a:pPr marL="0" lvl="0" indent="0" algn="r" rtl="0">
               <a:spcBef>
                 <a:spcPts val="0"/>
               </a:spcBef>
@@ -4808,11 +4922,11 @@
 </file>
 
 <file path=ppt/slideLayouts/slideLayout6.xml><?xml version="1.0" encoding="utf-8"?>
-<p:sldLayout xmlns:a="http://schemas.openxmlformats.org/drawingml/2006/main" xmlns:r="http://schemas.openxmlformats.org/officeDocument/2006/relationships" xmlns:mc="http://schemas.openxmlformats.org/markup-compatibility/2006" xmlns:mv="urn:schemas-microsoft-com:mac:vml" xmlns:p="http://schemas.openxmlformats.org/presentationml/2006/main" xmlns:c="http://schemas.openxmlformats.org/drawingml/2006/chart" xmlns:dgm="http://schemas.openxmlformats.org/drawingml/2006/diagram" xmlns:o="urn:schemas-microsoft-com:office:office" xmlns:v="urn:schemas-microsoft-com:vml" xmlns:pvml="urn:schemas-microsoft-com:office:powerpoint" xmlns:com="http://schemas.openxmlformats.org/drawingml/2006/compatibility" xmlns:p14="http://schemas.microsoft.com/office/powerpoint/2010/main" xmlns:p15="http://schemas.microsoft.com/office/powerpoint/2012/main" matchingName="One column text">
+<p:sldLayout xmlns:a="http://schemas.openxmlformats.org/drawingml/2006/main" xmlns:r="http://schemas.openxmlformats.org/officeDocument/2006/relationships" xmlns:p="http://schemas.openxmlformats.org/presentationml/2006/main" matchingName="One column text">
   <p:cSld name="ONE_COLUMN_TEXT">
     <p:spTree>
       <p:nvGrpSpPr>
-        <p:cNvPr id="37" name="Shape 37"/>
+        <p:cNvPr id="1" name="Shape 37"/>
         <p:cNvGrpSpPr/>
         <p:nvPr/>
       </p:nvGrpSpPr>
@@ -4831,7 +4945,7 @@
           <p:nvPr/>
         </p:nvSpPr>
         <p:spPr>
-          <a:xfrm flipH="1" rot="10800000">
+          <a:xfrm rot="10800000" flipH="1">
             <a:off x="3276600" y="34"/>
             <a:ext cx="5867400" cy="6858000"/>
           </a:xfrm>
@@ -4846,23 +4960,20 @@
           </a:ln>
         </p:spPr>
         <p:txBody>
-          <a:bodyPr anchorCtr="0" anchor="ctr" bIns="91425" lIns="91425" spcFirstLastPara="1" rIns="91425" wrap="square" tIns="91425">
+          <a:bodyPr spcFirstLastPara="1" wrap="square" lIns="91425" tIns="91425" rIns="91425" bIns="91425" anchor="ctr" anchorCtr="0">
             <a:noAutofit/>
           </a:bodyPr>
           <a:lstStyle/>
           <a:p>
-            <a:pPr indent="0" lvl="0" marL="0" rtl="0" algn="l">
-              <a:spcBef>
-                <a:spcPts val="0"/>
-              </a:spcBef>
-              <a:spcAft>
-                <a:spcPts val="0"/>
-              </a:spcAft>
-              <a:buNone/>
-            </a:pPr>
-            <a:r>
-              <a:t/>
-            </a:r>
+            <a:pPr marL="0" lvl="0" indent="0" algn="l" rtl="0">
+              <a:spcBef>
+                <a:spcPts val="0"/>
+              </a:spcBef>
+              <a:spcAft>
+                <a:spcPts val="0"/>
+              </a:spcAft>
+              <a:buNone/>
+            </a:pPr>
             <a:endParaRPr/>
           </a:p>
         </p:txBody>
@@ -4903,23 +5014,20 @@
           </a:ln>
         </p:spPr>
         <p:txBody>
-          <a:bodyPr anchorCtr="0" anchor="ctr" bIns="91425" lIns="91425" spcFirstLastPara="1" rIns="91425" wrap="square" tIns="91425">
+          <a:bodyPr spcFirstLastPara="1" wrap="square" lIns="91425" tIns="91425" rIns="91425" bIns="91425" anchor="ctr" anchorCtr="0">
             <a:noAutofit/>
           </a:bodyPr>
           <a:lstStyle/>
           <a:p>
-            <a:pPr indent="0" lvl="0" marL="0" rtl="0" algn="l">
-              <a:spcBef>
-                <a:spcPts val="0"/>
-              </a:spcBef>
-              <a:spcAft>
-                <a:spcPts val="0"/>
-              </a:spcAft>
-              <a:buNone/>
-            </a:pPr>
-            <a:r>
-              <a:t/>
-            </a:r>
+            <a:pPr marL="0" lvl="0" indent="0" algn="l" rtl="0">
+              <a:spcBef>
+                <a:spcPts val="0"/>
+              </a:spcBef>
+              <a:spcAft>
+                <a:spcPts val="0"/>
+              </a:spcAft>
+              <a:buNone/>
+            </a:pPr>
             <a:endParaRPr/>
           </a:p>
         </p:txBody>
@@ -4927,7 +5035,9 @@
       <p:sp>
         <p:nvSpPr>
           <p:cNvPr id="40" name="Google Shape;40;p7"/>
-          <p:cNvSpPr txBox="1"/>
+          <p:cNvSpPr txBox="1">
+            <a:spLocks noGrp="1"/>
+          </p:cNvSpPr>
           <p:nvPr>
             <p:ph type="title"/>
           </p:nvPr>
@@ -4942,7 +5052,7 @@
           </a:prstGeom>
         </p:spPr>
         <p:txBody>
-          <a:bodyPr anchorCtr="0" anchor="b" bIns="91425" lIns="91425" spcFirstLastPara="1" rIns="91425" wrap="square" tIns="91425">
+          <a:bodyPr spcFirstLastPara="1" wrap="square" lIns="91425" tIns="91425" rIns="91425" bIns="91425" anchor="b" anchorCtr="0">
             <a:noAutofit/>
           </a:bodyPr>
           <a:lstStyle>
@@ -5046,15 +5156,19 @@
               <a:defRPr sz="2400"/>
             </a:lvl9pPr>
           </a:lstStyle>
-          <a:p/>
+          <a:p>
+            <a:endParaRPr/>
+          </a:p>
         </p:txBody>
       </p:sp>
       <p:sp>
         <p:nvSpPr>
           <p:cNvPr id="41" name="Google Shape;41;p7"/>
-          <p:cNvSpPr txBox="1"/>
+          <p:cNvSpPr txBox="1">
+            <a:spLocks noGrp="1"/>
+          </p:cNvSpPr>
           <p:nvPr>
-            <p:ph idx="1" type="body"/>
+            <p:ph type="body" idx="1"/>
           </p:nvPr>
         </p:nvSpPr>
         <p:spPr>
@@ -5067,11 +5181,11 @@
           </a:prstGeom>
         </p:spPr>
         <p:txBody>
-          <a:bodyPr anchorCtr="0" anchor="t" bIns="91425" lIns="91425" spcFirstLastPara="1" rIns="91425" wrap="square" tIns="91425">
+          <a:bodyPr spcFirstLastPara="1" wrap="square" lIns="91425" tIns="91425" rIns="91425" bIns="91425" anchor="t" anchorCtr="0">
             <a:noAutofit/>
           </a:bodyPr>
           <a:lstStyle>
-            <a:lvl1pPr indent="-304800" lvl="0" marL="457200">
+            <a:lvl1pPr marL="457200" lvl="0" indent="-304800">
               <a:spcBef>
                 <a:spcPts val="0"/>
               </a:spcBef>
@@ -5089,7 +5203,7 @@
                 </a:solidFill>
               </a:defRPr>
             </a:lvl1pPr>
-            <a:lvl2pPr indent="-304800" lvl="1" marL="914400">
+            <a:lvl2pPr marL="914400" lvl="1" indent="-304800">
               <a:spcBef>
                 <a:spcPts val="1600"/>
               </a:spcBef>
@@ -5107,7 +5221,7 @@
                 </a:solidFill>
               </a:defRPr>
             </a:lvl2pPr>
-            <a:lvl3pPr indent="-304800" lvl="2" marL="1371600">
+            <a:lvl3pPr marL="1371600" lvl="2" indent="-304800">
               <a:spcBef>
                 <a:spcPts val="1600"/>
               </a:spcBef>
@@ -5125,7 +5239,7 @@
                 </a:solidFill>
               </a:defRPr>
             </a:lvl3pPr>
-            <a:lvl4pPr indent="-304800" lvl="3" marL="1828800">
+            <a:lvl4pPr marL="1828800" lvl="3" indent="-304800">
               <a:spcBef>
                 <a:spcPts val="1600"/>
               </a:spcBef>
@@ -5143,7 +5257,7 @@
                 </a:solidFill>
               </a:defRPr>
             </a:lvl4pPr>
-            <a:lvl5pPr indent="-304800" lvl="4" marL="2286000">
+            <a:lvl5pPr marL="2286000" lvl="4" indent="-304800">
               <a:spcBef>
                 <a:spcPts val="1600"/>
               </a:spcBef>
@@ -5161,7 +5275,7 @@
                 </a:solidFill>
               </a:defRPr>
             </a:lvl5pPr>
-            <a:lvl6pPr indent="-304800" lvl="5" marL="2743200">
+            <a:lvl6pPr marL="2743200" lvl="5" indent="-304800">
               <a:spcBef>
                 <a:spcPts val="1600"/>
               </a:spcBef>
@@ -5179,7 +5293,7 @@
                 </a:solidFill>
               </a:defRPr>
             </a:lvl6pPr>
-            <a:lvl7pPr indent="-304800" lvl="6" marL="3200400">
+            <a:lvl7pPr marL="3200400" lvl="6" indent="-304800">
               <a:spcBef>
                 <a:spcPts val="1600"/>
               </a:spcBef>
@@ -5197,7 +5311,7 @@
                 </a:solidFill>
               </a:defRPr>
             </a:lvl7pPr>
-            <a:lvl8pPr indent="-304800" lvl="7" marL="3657600">
+            <a:lvl8pPr marL="3657600" lvl="7" indent="-304800">
               <a:spcBef>
                 <a:spcPts val="1600"/>
               </a:spcBef>
@@ -5215,7 +5329,7 @@
                 </a:solidFill>
               </a:defRPr>
             </a:lvl8pPr>
-            <a:lvl9pPr indent="-304800" lvl="8" marL="4114800">
+            <a:lvl9pPr marL="4114800" lvl="8" indent="-304800">
               <a:spcBef>
                 <a:spcPts val="1600"/>
               </a:spcBef>
@@ -5234,15 +5348,19 @@
               </a:defRPr>
             </a:lvl9pPr>
           </a:lstStyle>
-          <a:p/>
+          <a:p>
+            <a:endParaRPr/>
+          </a:p>
         </p:txBody>
       </p:sp>
       <p:sp>
         <p:nvSpPr>
           <p:cNvPr id="42" name="Google Shape;42;p7"/>
-          <p:cNvSpPr txBox="1"/>
+          <p:cNvSpPr txBox="1">
+            <a:spLocks noGrp="1"/>
+          </p:cNvSpPr>
           <p:nvPr>
-            <p:ph idx="12" type="sldNum"/>
+            <p:ph type="sldNum" idx="12"/>
           </p:nvPr>
         </p:nvSpPr>
         <p:spPr>
@@ -5255,7 +5373,7 @@
           </a:prstGeom>
         </p:spPr>
         <p:txBody>
-          <a:bodyPr anchorCtr="0" anchor="ctr" bIns="91425" lIns="91425" spcFirstLastPara="1" rIns="91425" wrap="square" tIns="91425">
+          <a:bodyPr spcFirstLastPara="1" wrap="square" lIns="91425" tIns="91425" rIns="91425" bIns="91425" anchor="ctr" anchorCtr="0">
             <a:noAutofit/>
           </a:bodyPr>
           <a:lstStyle>
@@ -5297,7 +5415,7 @@
             </a:lvl9pPr>
           </a:lstStyle>
           <a:p>
-            <a:pPr indent="0" lvl="0" marL="0" rtl="0" algn="r">
+            <a:pPr marL="0" lvl="0" indent="0" algn="r" rtl="0">
               <a:spcBef>
                 <a:spcPts val="0"/>
               </a:spcBef>
@@ -5323,11 +5441,11 @@
 </file>
 
 <file path=ppt/slideLayouts/slideLayout7.xml><?xml version="1.0" encoding="utf-8"?>
-<p:sldLayout xmlns:a="http://schemas.openxmlformats.org/drawingml/2006/main" xmlns:r="http://schemas.openxmlformats.org/officeDocument/2006/relationships" xmlns:mc="http://schemas.openxmlformats.org/markup-compatibility/2006" xmlns:mv="urn:schemas-microsoft-com:mac:vml" xmlns:p="http://schemas.openxmlformats.org/presentationml/2006/main" xmlns:c="http://schemas.openxmlformats.org/drawingml/2006/chart" xmlns:dgm="http://schemas.openxmlformats.org/drawingml/2006/diagram" xmlns:o="urn:schemas-microsoft-com:office:office" xmlns:v="urn:schemas-microsoft-com:vml" xmlns:pvml="urn:schemas-microsoft-com:office:powerpoint" xmlns:com="http://schemas.openxmlformats.org/drawingml/2006/compatibility" xmlns:p14="http://schemas.microsoft.com/office/powerpoint/2010/main" xmlns:p15="http://schemas.microsoft.com/office/powerpoint/2012/main" matchingName="Main point">
+<p:sldLayout xmlns:a="http://schemas.openxmlformats.org/drawingml/2006/main" xmlns:r="http://schemas.openxmlformats.org/officeDocument/2006/relationships" xmlns:p="http://schemas.openxmlformats.org/presentationml/2006/main" matchingName="Main point">
   <p:cSld name="MAIN_POINT">
     <p:spTree>
       <p:nvGrpSpPr>
-        <p:cNvPr id="43" name="Shape 43"/>
+        <p:cNvPr id="1" name="Shape 43"/>
         <p:cNvGrpSpPr/>
         <p:nvPr/>
       </p:nvGrpSpPr>
@@ -5342,7 +5460,9 @@
       <p:sp>
         <p:nvSpPr>
           <p:cNvPr id="44" name="Google Shape;44;p8"/>
-          <p:cNvSpPr txBox="1"/>
+          <p:cNvSpPr txBox="1">
+            <a:spLocks noGrp="1"/>
+          </p:cNvSpPr>
           <p:nvPr>
             <p:ph type="title"/>
           </p:nvPr>
@@ -5357,7 +5477,7 @@
           </a:prstGeom>
         </p:spPr>
         <p:txBody>
-          <a:bodyPr anchorCtr="0" anchor="ctr" bIns="91425" lIns="91425" spcFirstLastPara="1" rIns="91425" wrap="square" tIns="91425">
+          <a:bodyPr spcFirstLastPara="1" wrap="square" lIns="91425" tIns="91425" rIns="91425" bIns="91425" anchor="ctr" anchorCtr="0">
             <a:noAutofit/>
           </a:bodyPr>
           <a:lstStyle>
@@ -5461,15 +5581,19 @@
               <a:defRPr sz="6000"/>
             </a:lvl9pPr>
           </a:lstStyle>
-          <a:p/>
+          <a:p>
+            <a:endParaRPr/>
+          </a:p>
         </p:txBody>
       </p:sp>
       <p:sp>
         <p:nvSpPr>
           <p:cNvPr id="45" name="Google Shape;45;p8"/>
-          <p:cNvSpPr txBox="1"/>
+          <p:cNvSpPr txBox="1">
+            <a:spLocks noGrp="1"/>
+          </p:cNvSpPr>
           <p:nvPr>
-            <p:ph idx="12" type="sldNum"/>
+            <p:ph type="sldNum" idx="12"/>
           </p:nvPr>
         </p:nvSpPr>
         <p:spPr>
@@ -5482,7 +5606,7 @@
           </a:prstGeom>
         </p:spPr>
         <p:txBody>
-          <a:bodyPr anchorCtr="0" anchor="ctr" bIns="91425" lIns="91425" spcFirstLastPara="1" rIns="91425" wrap="square" tIns="91425">
+          <a:bodyPr spcFirstLastPara="1" wrap="square" lIns="91425" tIns="91425" rIns="91425" bIns="91425" anchor="ctr" anchorCtr="0">
             <a:noAutofit/>
           </a:bodyPr>
           <a:lstStyle>
@@ -5560,7 +5684,7 @@
             </a:lvl9pPr>
           </a:lstStyle>
           <a:p>
-            <a:pPr indent="0" lvl="0" marL="0" rtl="0" algn="r">
+            <a:pPr marL="0" lvl="0" indent="0" algn="r" rtl="0">
               <a:spcBef>
                 <a:spcPts val="0"/>
               </a:spcBef>
@@ -5586,11 +5710,11 @@
 </file>
 
 <file path=ppt/slideLayouts/slideLayout8.xml><?xml version="1.0" encoding="utf-8"?>
-<p:sldLayout xmlns:a="http://schemas.openxmlformats.org/drawingml/2006/main" xmlns:r="http://schemas.openxmlformats.org/officeDocument/2006/relationships" xmlns:mc="http://schemas.openxmlformats.org/markup-compatibility/2006" xmlns:mv="urn:schemas-microsoft-com:mac:vml" xmlns:p="http://schemas.openxmlformats.org/presentationml/2006/main" xmlns:c="http://schemas.openxmlformats.org/drawingml/2006/chart" xmlns:dgm="http://schemas.openxmlformats.org/drawingml/2006/diagram" xmlns:o="urn:schemas-microsoft-com:office:office" xmlns:v="urn:schemas-microsoft-com:vml" xmlns:pvml="urn:schemas-microsoft-com:office:powerpoint" xmlns:com="http://schemas.openxmlformats.org/drawingml/2006/compatibility" xmlns:p14="http://schemas.microsoft.com/office/powerpoint/2010/main" xmlns:p15="http://schemas.microsoft.com/office/powerpoint/2012/main" matchingName="Section title and description">
+<p:sldLayout xmlns:a="http://schemas.openxmlformats.org/drawingml/2006/main" xmlns:r="http://schemas.openxmlformats.org/officeDocument/2006/relationships" xmlns:p="http://schemas.openxmlformats.org/presentationml/2006/main" matchingName="Section title and description">
   <p:cSld name="SECTION_TITLE_AND_DESCRIPTION">
     <p:spTree>
       <p:nvGrpSpPr>
-        <p:cNvPr id="46" name="Shape 46"/>
+        <p:cNvPr id="1" name="Shape 46"/>
         <p:cNvGrpSpPr/>
         <p:nvPr/>
       </p:nvGrpSpPr>
@@ -5624,23 +5748,20 @@
           </a:ln>
         </p:spPr>
         <p:txBody>
-          <a:bodyPr anchorCtr="0" anchor="ctr" bIns="91425" lIns="91425" spcFirstLastPara="1" rIns="91425" wrap="square" tIns="91425">
+          <a:bodyPr spcFirstLastPara="1" wrap="square" lIns="91425" tIns="91425" rIns="91425" bIns="91425" anchor="ctr" anchorCtr="0">
             <a:noAutofit/>
           </a:bodyPr>
           <a:lstStyle/>
           <a:p>
-            <a:pPr indent="0" lvl="0" marL="0" rtl="0" algn="l">
-              <a:spcBef>
-                <a:spcPts val="0"/>
-              </a:spcBef>
-              <a:spcAft>
-                <a:spcPts val="0"/>
-              </a:spcAft>
-              <a:buNone/>
-            </a:pPr>
-            <a:r>
-              <a:t/>
-            </a:r>
+            <a:pPr marL="0" lvl="0" indent="0" algn="l" rtl="0">
+              <a:spcBef>
+                <a:spcPts val="0"/>
+              </a:spcBef>
+              <a:spcAft>
+                <a:spcPts val="0"/>
+              </a:spcAft>
+              <a:buNone/>
+            </a:pPr>
             <a:endParaRPr/>
           </a:p>
         </p:txBody>
@@ -5681,23 +5802,20 @@
           </a:ln>
         </p:spPr>
         <p:txBody>
-          <a:bodyPr anchorCtr="0" anchor="ctr" bIns="91425" lIns="91425" spcFirstLastPara="1" rIns="91425" wrap="square" tIns="91425">
+          <a:bodyPr spcFirstLastPara="1" wrap="square" lIns="91425" tIns="91425" rIns="91425" bIns="91425" anchor="ctr" anchorCtr="0">
             <a:noAutofit/>
           </a:bodyPr>
           <a:lstStyle/>
           <a:p>
-            <a:pPr indent="0" lvl="0" marL="0" rtl="0" algn="l">
-              <a:spcBef>
-                <a:spcPts val="0"/>
-              </a:spcBef>
-              <a:spcAft>
-                <a:spcPts val="0"/>
-              </a:spcAft>
-              <a:buNone/>
-            </a:pPr>
-            <a:r>
-              <a:t/>
-            </a:r>
+            <a:pPr marL="0" lvl="0" indent="0" algn="l" rtl="0">
+              <a:spcBef>
+                <a:spcPts val="0"/>
+              </a:spcBef>
+              <a:spcAft>
+                <a:spcPts val="0"/>
+              </a:spcAft>
+              <a:buNone/>
+            </a:pPr>
             <a:endParaRPr/>
           </a:p>
         </p:txBody>
@@ -5705,7 +5823,9 @@
       <p:sp>
         <p:nvSpPr>
           <p:cNvPr id="49" name="Google Shape;49;p9"/>
-          <p:cNvSpPr txBox="1"/>
+          <p:cNvSpPr txBox="1">
+            <a:spLocks noGrp="1"/>
+          </p:cNvSpPr>
           <p:nvPr>
             <p:ph type="title"/>
           </p:nvPr>
@@ -5720,7 +5840,7 @@
           </a:prstGeom>
         </p:spPr>
         <p:txBody>
-          <a:bodyPr anchorCtr="0" anchor="b" bIns="91425" lIns="91425" spcFirstLastPara="1" rIns="91425" wrap="square" tIns="91425">
+          <a:bodyPr spcFirstLastPara="1" wrap="square" lIns="91425" tIns="91425" rIns="91425" bIns="91425" anchor="b" anchorCtr="0">
             <a:noAutofit/>
           </a:bodyPr>
           <a:lstStyle>
@@ -5887,15 +6007,19 @@
               </a:defRPr>
             </a:lvl9pPr>
           </a:lstStyle>
-          <a:p/>
+          <a:p>
+            <a:endParaRPr/>
+          </a:p>
         </p:txBody>
       </p:sp>
       <p:sp>
         <p:nvSpPr>
           <p:cNvPr id="50" name="Google Shape;50;p9"/>
-          <p:cNvSpPr txBox="1"/>
+          <p:cNvSpPr txBox="1">
+            <a:spLocks noGrp="1"/>
+          </p:cNvSpPr>
           <p:nvPr>
-            <p:ph idx="1" type="subTitle"/>
+            <p:ph type="subTitle" idx="1"/>
           </p:nvPr>
         </p:nvSpPr>
         <p:spPr>
@@ -5908,7 +6032,7 @@
           </a:prstGeom>
         </p:spPr>
         <p:txBody>
-          <a:bodyPr anchorCtr="0" anchor="t" bIns="91425" lIns="91425" spcFirstLastPara="1" rIns="91425" wrap="square" tIns="91425">
+          <a:bodyPr spcFirstLastPara="1" wrap="square" lIns="91425" tIns="91425" rIns="91425" bIns="91425" anchor="t" anchorCtr="0">
             <a:noAutofit/>
           </a:bodyPr>
           <a:lstStyle>
@@ -6039,15 +6163,19 @@
               <a:defRPr sz="2100"/>
             </a:lvl9pPr>
           </a:lstStyle>
-          <a:p/>
+          <a:p>
+            <a:endParaRPr/>
+          </a:p>
         </p:txBody>
       </p:sp>
       <p:sp>
         <p:nvSpPr>
           <p:cNvPr id="51" name="Google Shape;51;p9"/>
-          <p:cNvSpPr txBox="1"/>
+          <p:cNvSpPr txBox="1">
+            <a:spLocks noGrp="1"/>
+          </p:cNvSpPr>
           <p:nvPr>
-            <p:ph idx="2" type="body"/>
+            <p:ph type="body" idx="2"/>
           </p:nvPr>
         </p:nvSpPr>
         <p:spPr>
@@ -6060,11 +6188,11 @@
           </a:prstGeom>
         </p:spPr>
         <p:txBody>
-          <a:bodyPr anchorCtr="0" anchor="ctr" bIns="91425" lIns="91425" spcFirstLastPara="1" rIns="91425" wrap="square" tIns="91425">
+          <a:bodyPr spcFirstLastPara="1" wrap="square" lIns="91425" tIns="91425" rIns="91425" bIns="91425" anchor="ctr" anchorCtr="0">
             <a:noAutofit/>
           </a:bodyPr>
           <a:lstStyle>
-            <a:lvl1pPr indent="-342900" lvl="0" marL="457200">
+            <a:lvl1pPr marL="457200" lvl="0" indent="-342900">
               <a:spcBef>
                 <a:spcPts val="0"/>
               </a:spcBef>
@@ -6082,7 +6210,7 @@
                 </a:solidFill>
               </a:defRPr>
             </a:lvl1pPr>
-            <a:lvl2pPr indent="-317500" lvl="1" marL="914400">
+            <a:lvl2pPr marL="914400" lvl="1" indent="-317500">
               <a:spcBef>
                 <a:spcPts val="1600"/>
               </a:spcBef>
@@ -6100,7 +6228,7 @@
                 </a:solidFill>
               </a:defRPr>
             </a:lvl2pPr>
-            <a:lvl3pPr indent="-317500" lvl="2" marL="1371600">
+            <a:lvl3pPr marL="1371600" lvl="2" indent="-317500">
               <a:spcBef>
                 <a:spcPts val="1600"/>
               </a:spcBef>
@@ -6118,7 +6246,7 @@
                 </a:solidFill>
               </a:defRPr>
             </a:lvl3pPr>
-            <a:lvl4pPr indent="-317500" lvl="3" marL="1828800">
+            <a:lvl4pPr marL="1828800" lvl="3" indent="-317500">
               <a:spcBef>
                 <a:spcPts val="1600"/>
               </a:spcBef>
@@ -6136,7 +6264,7 @@
                 </a:solidFill>
               </a:defRPr>
             </a:lvl4pPr>
-            <a:lvl5pPr indent="-317500" lvl="4" marL="2286000">
+            <a:lvl5pPr marL="2286000" lvl="4" indent="-317500">
               <a:spcBef>
                 <a:spcPts val="1600"/>
               </a:spcBef>
@@ -6154,7 +6282,7 @@
                 </a:solidFill>
               </a:defRPr>
             </a:lvl5pPr>
-            <a:lvl6pPr indent="-317500" lvl="5" marL="2743200">
+            <a:lvl6pPr marL="2743200" lvl="5" indent="-317500">
               <a:spcBef>
                 <a:spcPts val="1600"/>
               </a:spcBef>
@@ -6172,7 +6300,7 @@
                 </a:solidFill>
               </a:defRPr>
             </a:lvl6pPr>
-            <a:lvl7pPr indent="-317500" lvl="6" marL="3200400">
+            <a:lvl7pPr marL="3200400" lvl="6" indent="-317500">
               <a:spcBef>
                 <a:spcPts val="1600"/>
               </a:spcBef>
@@ -6190,7 +6318,7 @@
                 </a:solidFill>
               </a:defRPr>
             </a:lvl7pPr>
-            <a:lvl8pPr indent="-317500" lvl="7" marL="3657600">
+            <a:lvl8pPr marL="3657600" lvl="7" indent="-317500">
               <a:spcBef>
                 <a:spcPts val="1600"/>
               </a:spcBef>
@@ -6208,7 +6336,7 @@
                 </a:solidFill>
               </a:defRPr>
             </a:lvl8pPr>
-            <a:lvl9pPr indent="-317500" lvl="8" marL="4114800">
+            <a:lvl9pPr marL="4114800" lvl="8" indent="-317500">
               <a:spcBef>
                 <a:spcPts val="1600"/>
               </a:spcBef>
@@ -6227,15 +6355,19 @@
               </a:defRPr>
             </a:lvl9pPr>
           </a:lstStyle>
-          <a:p/>
+          <a:p>
+            <a:endParaRPr/>
+          </a:p>
         </p:txBody>
       </p:sp>
       <p:sp>
         <p:nvSpPr>
           <p:cNvPr id="52" name="Google Shape;52;p9"/>
-          <p:cNvSpPr txBox="1"/>
+          <p:cNvSpPr txBox="1">
+            <a:spLocks noGrp="1"/>
+          </p:cNvSpPr>
           <p:nvPr>
-            <p:ph idx="12" type="sldNum"/>
+            <p:ph type="sldNum" idx="12"/>
           </p:nvPr>
         </p:nvSpPr>
         <p:spPr>
@@ -6248,7 +6380,7 @@
           </a:prstGeom>
         </p:spPr>
         <p:txBody>
-          <a:bodyPr anchorCtr="0" anchor="ctr" bIns="91425" lIns="91425" spcFirstLastPara="1" rIns="91425" wrap="square" tIns="91425">
+          <a:bodyPr spcFirstLastPara="1" wrap="square" lIns="91425" tIns="91425" rIns="91425" bIns="91425" anchor="ctr" anchorCtr="0">
             <a:noAutofit/>
           </a:bodyPr>
           <a:lstStyle>
@@ -6326,7 +6458,7 @@
             </a:lvl9pPr>
           </a:lstStyle>
           <a:p>
-            <a:pPr indent="0" lvl="0" marL="0" rtl="0" algn="r">
+            <a:pPr marL="0" lvl="0" indent="0" algn="r" rtl="0">
               <a:spcBef>
                 <a:spcPts val="0"/>
               </a:spcBef>
@@ -6352,11 +6484,11 @@
 </file>
 
 <file path=ppt/slideLayouts/slideLayout9.xml><?xml version="1.0" encoding="utf-8"?>
-<p:sldLayout xmlns:a="http://schemas.openxmlformats.org/drawingml/2006/main" xmlns:r="http://schemas.openxmlformats.org/officeDocument/2006/relationships" xmlns:mc="http://schemas.openxmlformats.org/markup-compatibility/2006" xmlns:mv="urn:schemas-microsoft-com:mac:vml" xmlns:p="http://schemas.openxmlformats.org/presentationml/2006/main" xmlns:c="http://schemas.openxmlformats.org/drawingml/2006/chart" xmlns:dgm="http://schemas.openxmlformats.org/drawingml/2006/diagram" xmlns:o="urn:schemas-microsoft-com:office:office" xmlns:v="urn:schemas-microsoft-com:vml" xmlns:pvml="urn:schemas-microsoft-com:office:powerpoint" xmlns:com="http://schemas.openxmlformats.org/drawingml/2006/compatibility" xmlns:p14="http://schemas.microsoft.com/office/powerpoint/2010/main" xmlns:p15="http://schemas.microsoft.com/office/powerpoint/2012/main" matchingName="Caption">
+<p:sldLayout xmlns:a="http://schemas.openxmlformats.org/drawingml/2006/main" xmlns:r="http://schemas.openxmlformats.org/officeDocument/2006/relationships" xmlns:p="http://schemas.openxmlformats.org/presentationml/2006/main" matchingName="Caption">
   <p:cSld name="CAPTION_ONLY">
     <p:spTree>
       <p:nvGrpSpPr>
-        <p:cNvPr id="53" name="Shape 53"/>
+        <p:cNvPr id="1" name="Shape 53"/>
         <p:cNvGrpSpPr/>
         <p:nvPr/>
       </p:nvGrpSpPr>
@@ -6375,7 +6507,7 @@
           <p:nvPr/>
         </p:nvSpPr>
         <p:spPr>
-          <a:xfrm flipH="1" rot="10800000">
+          <a:xfrm rot="10800000" flipH="1">
             <a:off x="0" y="-100"/>
             <a:ext cx="9144000" cy="6261300"/>
           </a:xfrm>
@@ -6390,23 +6522,20 @@
           </a:ln>
         </p:spPr>
         <p:txBody>
-          <a:bodyPr anchorCtr="0" anchor="ctr" bIns="91425" lIns="91425" spcFirstLastPara="1" rIns="91425" wrap="square" tIns="91425">
+          <a:bodyPr spcFirstLastPara="1" wrap="square" lIns="91425" tIns="91425" rIns="91425" bIns="91425" anchor="ctr" anchorCtr="0">
             <a:noAutofit/>
           </a:bodyPr>
           <a:lstStyle/>
           <a:p>
-            <a:pPr indent="0" lvl="0" marL="0" rtl="0" algn="l">
-              <a:spcBef>
-                <a:spcPts val="0"/>
-              </a:spcBef>
-              <a:spcAft>
-                <a:spcPts val="0"/>
-              </a:spcAft>
-              <a:buNone/>
-            </a:pPr>
-            <a:r>
-              <a:t/>
-            </a:r>
+            <a:pPr marL="0" lvl="0" indent="0" algn="l" rtl="0">
+              <a:spcBef>
+                <a:spcPts val="0"/>
+              </a:spcBef>
+              <a:spcAft>
+                <a:spcPts val="0"/>
+              </a:spcAft>
+              <a:buNone/>
+            </a:pPr>
             <a:endParaRPr/>
           </a:p>
         </p:txBody>
@@ -6418,7 +6547,7 @@
           <p:nvPr/>
         </p:nvSpPr>
         <p:spPr>
-          <a:xfrm flipH="1" rot="10800000">
+          <a:xfrm rot="10800000" flipH="1">
             <a:off x="0" y="6163733"/>
             <a:ext cx="9144000" cy="98700"/>
           </a:xfrm>
@@ -6447,23 +6576,20 @@
           </a:ln>
         </p:spPr>
         <p:txBody>
-          <a:bodyPr anchorCtr="0" anchor="ctr" bIns="91425" lIns="91425" spcFirstLastPara="1" rIns="91425" wrap="square" tIns="91425">
+          <a:bodyPr spcFirstLastPara="1" wrap="square" lIns="91425" tIns="91425" rIns="91425" bIns="91425" anchor="ctr" anchorCtr="0">
             <a:noAutofit/>
           </a:bodyPr>
           <a:lstStyle/>
           <a:p>
-            <a:pPr indent="0" lvl="0" marL="0" rtl="0" algn="l">
-              <a:spcBef>
-                <a:spcPts val="0"/>
-              </a:spcBef>
-              <a:spcAft>
-                <a:spcPts val="0"/>
-              </a:spcAft>
-              <a:buNone/>
-            </a:pPr>
-            <a:r>
-              <a:t/>
-            </a:r>
+            <a:pPr marL="0" lvl="0" indent="0" algn="l" rtl="0">
+              <a:spcBef>
+                <a:spcPts val="0"/>
+              </a:spcBef>
+              <a:spcAft>
+                <a:spcPts val="0"/>
+              </a:spcAft>
+              <a:buNone/>
+            </a:pPr>
             <a:endParaRPr/>
           </a:p>
         </p:txBody>
@@ -6471,9 +6597,11 @@
       <p:sp>
         <p:nvSpPr>
           <p:cNvPr id="56" name="Google Shape;56;p10"/>
-          <p:cNvSpPr txBox="1"/>
+          <p:cNvSpPr txBox="1">
+            <a:spLocks noGrp="1"/>
+          </p:cNvSpPr>
           <p:nvPr>
-            <p:ph idx="1" type="body"/>
+            <p:ph type="body" idx="1"/>
           </p:nvPr>
         </p:nvSpPr>
         <p:spPr>
@@ -6486,11 +6614,11 @@
           </a:prstGeom>
         </p:spPr>
         <p:txBody>
-          <a:bodyPr anchorCtr="0" anchor="ctr" bIns="91425" lIns="91425" spcFirstLastPara="1" rIns="91425" wrap="square" tIns="91425">
+          <a:bodyPr spcFirstLastPara="1" wrap="square" lIns="91425" tIns="91425" rIns="91425" bIns="91425" anchor="ctr" anchorCtr="0">
             <a:noAutofit/>
           </a:bodyPr>
           <a:lstStyle>
-            <a:lvl1pPr indent="-228600" lvl="0" marL="457200">
+            <a:lvl1pPr marL="457200" lvl="0" indent="-228600">
               <a:lnSpc>
                 <a:spcPct val="100000"/>
               </a:lnSpc>
@@ -6512,15 +6640,19 @@
               </a:defRPr>
             </a:lvl1pPr>
           </a:lstStyle>
-          <a:p/>
+          <a:p>
+            <a:endParaRPr/>
+          </a:p>
         </p:txBody>
       </p:sp>
       <p:sp>
         <p:nvSpPr>
           <p:cNvPr id="57" name="Google Shape;57;p10"/>
-          <p:cNvSpPr txBox="1"/>
+          <p:cNvSpPr txBox="1">
+            <a:spLocks noGrp="1"/>
+          </p:cNvSpPr>
           <p:nvPr>
-            <p:ph idx="12" type="sldNum"/>
+            <p:ph type="sldNum" idx="12"/>
           </p:nvPr>
         </p:nvSpPr>
         <p:spPr>
@@ -6533,7 +6665,7 @@
           </a:prstGeom>
         </p:spPr>
         <p:txBody>
-          <a:bodyPr anchorCtr="0" anchor="ctr" bIns="91425" lIns="91425" spcFirstLastPara="1" rIns="91425" wrap="square" tIns="91425">
+          <a:bodyPr spcFirstLastPara="1" wrap="square" lIns="91425" tIns="91425" rIns="91425" bIns="91425" anchor="ctr" anchorCtr="0">
             <a:noAutofit/>
           </a:bodyPr>
           <a:lstStyle>
@@ -6611,7 +6743,7 @@
             </a:lvl9pPr>
           </a:lstStyle>
           <a:p>
-            <a:pPr indent="0" lvl="0" marL="0" rtl="0" algn="r">
+            <a:pPr marL="0" lvl="0" indent="0" algn="r" rtl="0">
               <a:spcBef>
                 <a:spcPts val="0"/>
               </a:spcBef>
@@ -6637,18 +6769,19 @@
 </file>
 
 <file path=ppt/slideMasters/slideMaster1.xml><?xml version="1.0" encoding="utf-8"?>
-<p:sldMaster xmlns:a="http://schemas.openxmlformats.org/drawingml/2006/main" xmlns:r="http://schemas.openxmlformats.org/officeDocument/2006/relationships" xmlns:mc="http://schemas.openxmlformats.org/markup-compatibility/2006" xmlns:mv="urn:schemas-microsoft-com:mac:vml" xmlns:p="http://schemas.openxmlformats.org/presentationml/2006/main" xmlns:c="http://schemas.openxmlformats.org/drawingml/2006/chart" xmlns:dgm="http://schemas.openxmlformats.org/drawingml/2006/diagram" xmlns:o="urn:schemas-microsoft-com:office:office" xmlns:v="urn:schemas-microsoft-com:vml" xmlns:pvml="urn:schemas-microsoft-com:office:powerpoint" xmlns:com="http://schemas.openxmlformats.org/drawingml/2006/compatibility" xmlns:p14="http://schemas.microsoft.com/office/powerpoint/2010/main" xmlns:p15="http://schemas.microsoft.com/office/powerpoint/2012/main">
+<p:sldMaster xmlns:a="http://schemas.openxmlformats.org/drawingml/2006/main" xmlns:r="http://schemas.openxmlformats.org/officeDocument/2006/relationships" xmlns:p="http://schemas.openxmlformats.org/presentationml/2006/main">
   <p:cSld name="material">
     <p:bg>
       <p:bgPr>
         <a:solidFill>
           <a:schemeClr val="dk1"/>
         </a:solidFill>
+        <a:effectLst/>
       </p:bgPr>
     </p:bg>
     <p:spTree>
       <p:nvGrpSpPr>
-        <p:cNvPr id="5" name="Shape 5"/>
+        <p:cNvPr id="1" name="Shape 5"/>
         <p:cNvGrpSpPr/>
         <p:nvPr/>
       </p:nvGrpSpPr>
@@ -6663,7 +6796,9 @@
       <p:sp>
         <p:nvSpPr>
           <p:cNvPr id="6" name="Google Shape;6;p1"/>
-          <p:cNvSpPr txBox="1"/>
+          <p:cNvSpPr txBox="1">
+            <a:spLocks noGrp="1"/>
+          </p:cNvSpPr>
           <p:nvPr>
             <p:ph type="title"/>
           </p:nvPr>
@@ -6682,7 +6817,7 @@
           </a:ln>
         </p:spPr>
         <p:txBody>
-          <a:bodyPr anchorCtr="0" anchor="b" bIns="91425" lIns="91425" spcFirstLastPara="1" rIns="91425" wrap="square" tIns="91425">
+          <a:bodyPr spcFirstLastPara="1" wrap="square" lIns="91425" tIns="91425" rIns="91425" bIns="91425" anchor="b" anchorCtr="0">
             <a:noAutofit/>
           </a:bodyPr>
           <a:lstStyle>
@@ -6894,15 +7029,19 @@
               </a:defRPr>
             </a:lvl9pPr>
           </a:lstStyle>
-          <a:p/>
+          <a:p>
+            <a:endParaRPr/>
+          </a:p>
         </p:txBody>
       </p:sp>
       <p:sp>
         <p:nvSpPr>
           <p:cNvPr id="7" name="Google Shape;7;p1"/>
-          <p:cNvSpPr txBox="1"/>
+          <p:cNvSpPr txBox="1">
+            <a:spLocks noGrp="1"/>
+          </p:cNvSpPr>
           <p:nvPr>
-            <p:ph idx="1" type="body"/>
+            <p:ph type="body" idx="1"/>
           </p:nvPr>
         </p:nvSpPr>
         <p:spPr>
@@ -6919,11 +7058,11 @@
           </a:ln>
         </p:spPr>
         <p:txBody>
-          <a:bodyPr anchorCtr="0" anchor="t" bIns="91425" lIns="91425" spcFirstLastPara="1" rIns="91425" wrap="square" tIns="91425">
+          <a:bodyPr spcFirstLastPara="1" wrap="square" lIns="91425" tIns="91425" rIns="91425" bIns="91425" anchor="t" anchorCtr="0">
             <a:noAutofit/>
           </a:bodyPr>
           <a:lstStyle>
-            <a:lvl1pPr indent="-342900" lvl="0" marL="457200">
+            <a:lvl1pPr marL="457200" lvl="0" indent="-342900">
               <a:lnSpc>
                 <a:spcPct val="115000"/>
               </a:lnSpc>
@@ -6949,7 +7088,7 @@
                 <a:sym typeface="Open Sans"/>
               </a:defRPr>
             </a:lvl1pPr>
-            <a:lvl2pPr indent="-317500" lvl="1" marL="914400">
+            <a:lvl2pPr marL="914400" lvl="1" indent="-317500">
               <a:lnSpc>
                 <a:spcPct val="115000"/>
               </a:lnSpc>
@@ -6975,7 +7114,7 @@
                 <a:sym typeface="Open Sans"/>
               </a:defRPr>
             </a:lvl2pPr>
-            <a:lvl3pPr indent="-317500" lvl="2" marL="1371600">
+            <a:lvl3pPr marL="1371600" lvl="2" indent="-317500">
               <a:lnSpc>
                 <a:spcPct val="115000"/>
               </a:lnSpc>
@@ -7001,7 +7140,7 @@
                 <a:sym typeface="Open Sans"/>
               </a:defRPr>
             </a:lvl3pPr>
-            <a:lvl4pPr indent="-317500" lvl="3" marL="1828800">
+            <a:lvl4pPr marL="1828800" lvl="3" indent="-317500">
               <a:lnSpc>
                 <a:spcPct val="115000"/>
               </a:lnSpc>
@@ -7027,7 +7166,7 @@
                 <a:sym typeface="Open Sans"/>
               </a:defRPr>
             </a:lvl4pPr>
-            <a:lvl5pPr indent="-317500" lvl="4" marL="2286000">
+            <a:lvl5pPr marL="2286000" lvl="4" indent="-317500">
               <a:lnSpc>
                 <a:spcPct val="115000"/>
               </a:lnSpc>
@@ -7053,7 +7192,7 @@
                 <a:sym typeface="Open Sans"/>
               </a:defRPr>
             </a:lvl5pPr>
-            <a:lvl6pPr indent="-317500" lvl="5" marL="2743200">
+            <a:lvl6pPr marL="2743200" lvl="5" indent="-317500">
               <a:lnSpc>
                 <a:spcPct val="115000"/>
               </a:lnSpc>
@@ -7079,7 +7218,7 @@
                 <a:sym typeface="Open Sans"/>
               </a:defRPr>
             </a:lvl6pPr>
-            <a:lvl7pPr indent="-317500" lvl="6" marL="3200400">
+            <a:lvl7pPr marL="3200400" lvl="6" indent="-317500">
               <a:lnSpc>
                 <a:spcPct val="115000"/>
               </a:lnSpc>
@@ -7105,7 +7244,7 @@
                 <a:sym typeface="Open Sans"/>
               </a:defRPr>
             </a:lvl7pPr>
-            <a:lvl8pPr indent="-317500" lvl="7" marL="3657600">
+            <a:lvl8pPr marL="3657600" lvl="7" indent="-317500">
               <a:lnSpc>
                 <a:spcPct val="115000"/>
               </a:lnSpc>
@@ -7131,7 +7270,7 @@
                 <a:sym typeface="Open Sans"/>
               </a:defRPr>
             </a:lvl8pPr>
-            <a:lvl9pPr indent="-317500" lvl="8" marL="4114800">
+            <a:lvl9pPr marL="4114800" lvl="8" indent="-317500">
               <a:lnSpc>
                 <a:spcPct val="115000"/>
               </a:lnSpc>
@@ -7158,15 +7297,19 @@
               </a:defRPr>
             </a:lvl9pPr>
           </a:lstStyle>
-          <a:p/>
+          <a:p>
+            <a:endParaRPr/>
+          </a:p>
         </p:txBody>
       </p:sp>
       <p:sp>
         <p:nvSpPr>
           <p:cNvPr id="8" name="Google Shape;8;p1"/>
-          <p:cNvSpPr txBox="1"/>
+          <p:cNvSpPr txBox="1">
+            <a:spLocks noGrp="1"/>
+          </p:cNvSpPr>
           <p:nvPr>
-            <p:ph idx="12" type="sldNum"/>
+            <p:ph type="sldNum" idx="12"/>
           </p:nvPr>
         </p:nvSpPr>
         <p:spPr>
@@ -7183,7 +7326,7 @@
           </a:ln>
         </p:spPr>
         <p:txBody>
-          <a:bodyPr anchorCtr="0" anchor="ctr" bIns="91425" lIns="91425" spcFirstLastPara="1" rIns="91425" wrap="square" tIns="91425">
+          <a:bodyPr spcFirstLastPara="1" wrap="square" lIns="91425" tIns="91425" rIns="91425" bIns="91425" anchor="ctr" anchorCtr="0">
             <a:noAutofit/>
           </a:bodyPr>
           <a:lstStyle>
@@ -7297,7 +7440,7 @@
             </a:lvl9pPr>
           </a:lstStyle>
           <a:p>
-            <a:pPr indent="0" lvl="0" marL="0" rtl="0" algn="r">
+            <a:pPr marL="0" lvl="0" indent="0" algn="r" rtl="0">
               <a:spcBef>
                 <a:spcPts val="0"/>
               </a:spcBef>
@@ -7316,7 +7459,7 @@
       </p:sp>
     </p:spTree>
   </p:cSld>
-  <p:clrMap accent1="accent1" accent2="accent2" accent3="accent3" accent4="accent4" accent5="accent5" accent6="accent6" bg1="lt1" bg2="dk2" tx1="dk1" tx2="lt2" folHlink="folHlink" hlink="hlink"/>
+  <p:clrMap bg1="lt1" tx1="dk1" bg2="dk2" tx2="lt2" accent1="accent1" accent2="accent2" accent3="accent3" accent4="accent4" accent5="accent5" accent6="accent6" hlink="hlink" folHlink="folHlink"/>
   <p:sldLayoutIdLst>
     <p:sldLayoutId id="2147483648" r:id="rId1"/>
     <p:sldLayoutId id="2147483649" r:id="rId2"/>
@@ -7330,22 +7473,22 @@
     <p:sldLayoutId id="2147483657" r:id="rId10"/>
     <p:sldLayoutId id="2147483658" r:id="rId11"/>
   </p:sldLayoutIdLst>
-  <mc:AlternateContent>
+  <mc:AlternateContent xmlns:mc="http://schemas.openxmlformats.org/markup-compatibility/2006" xmlns:p14="http://schemas.microsoft.com/office/powerpoint/2010/main">
     <mc:Choice Requires="p14">
-      <p:transition spd="slow" p14:dur="1000">
-        <p14:prism dir="l"/>
+      <p:transition spd="slow">
+        <p14:prism/>
       </p:transition>
     </mc:Choice>
-    <mc:Fallback>
+    <mc:Fallback xmlns:p15="http://schemas.microsoft.com/office/powerpoint/2012/main" xmlns:com="http://schemas.openxmlformats.org/drawingml/2006/compatibility" xmlns:pvml="urn:schemas-microsoft-com:office:powerpoint" xmlns:v="urn:schemas-microsoft-com:vml" xmlns:o="urn:schemas-microsoft-com:office:office" xmlns:dgm="http://schemas.openxmlformats.org/drawingml/2006/diagram" xmlns:c="http://schemas.openxmlformats.org/drawingml/2006/chart" xmlns:mv="urn:schemas-microsoft-com:mac:vml" xmlns="">
       <p:transition spd="slow">
         <p:fade/>
       </p:transition>
     </mc:Fallback>
   </mc:AlternateContent>
-  <p:hf dt="0" ftr="0" hdr="0"/>
+  <p:hf hdr="0" ftr="0" dt="0"/>
   <p:txStyles>
     <p:titleStyle>
-      <a:defPPr lvl="0" marR="0" rtl="0" algn="l">
+      <a:defPPr marR="0" lvl="0" algn="l" rtl="0">
         <a:lnSpc>
           <a:spcPct val="100000"/>
         </a:lnSpc>
@@ -7356,7 +7499,7 @@
           <a:spcPts val="0"/>
         </a:spcAft>
       </a:defPPr>
-      <a:lvl1pPr lvl="0" marR="0" rtl="0" algn="l">
+      <a:lvl1pPr marR="0" lvl="0" algn="l" rtl="0">
         <a:lnSpc>
           <a:spcPct val="100000"/>
         </a:lnSpc>
@@ -7370,7 +7513,7 @@
           <a:srgbClr val="000000"/>
         </a:buClr>
         <a:buFont typeface="Arial"/>
-        <a:defRPr b="0" i="0" sz="1400" u="none" cap="none" strike="noStrike">
+        <a:defRPr sz="1400" b="0" i="0" u="none" strike="noStrike" cap="none">
           <a:solidFill>
             <a:srgbClr val="000000"/>
           </a:solidFill>
@@ -7380,7 +7523,7 @@
           <a:sym typeface="Arial"/>
         </a:defRPr>
       </a:lvl1pPr>
-      <a:lvl2pPr lvl="1" marR="0" rtl="0" algn="l">
+      <a:lvl2pPr marR="0" lvl="1" algn="l" rtl="0">
         <a:lnSpc>
           <a:spcPct val="100000"/>
         </a:lnSpc>
@@ -7394,7 +7537,7 @@
           <a:srgbClr val="000000"/>
         </a:buClr>
         <a:buFont typeface="Arial"/>
-        <a:defRPr b="0" i="0" sz="1400" u="none" cap="none" strike="noStrike">
+        <a:defRPr sz="1400" b="0" i="0" u="none" strike="noStrike" cap="none">
           <a:solidFill>
             <a:srgbClr val="000000"/>
           </a:solidFill>
@@ -7404,7 +7547,7 @@
           <a:sym typeface="Arial"/>
         </a:defRPr>
       </a:lvl2pPr>
-      <a:lvl3pPr lvl="2" marR="0" rtl="0" algn="l">
+      <a:lvl3pPr marR="0" lvl="2" algn="l" rtl="0">
         <a:lnSpc>
           <a:spcPct val="100000"/>
         </a:lnSpc>
@@ -7418,7 +7561,7 @@
           <a:srgbClr val="000000"/>
         </a:buClr>
         <a:buFont typeface="Arial"/>
-        <a:defRPr b="0" i="0" sz="1400" u="none" cap="none" strike="noStrike">
+        <a:defRPr sz="1400" b="0" i="0" u="none" strike="noStrike" cap="none">
           <a:solidFill>
             <a:srgbClr val="000000"/>
           </a:solidFill>
@@ -7428,7 +7571,7 @@
           <a:sym typeface="Arial"/>
         </a:defRPr>
       </a:lvl3pPr>
-      <a:lvl4pPr lvl="3" marR="0" rtl="0" algn="l">
+      <a:lvl4pPr marR="0" lvl="3" algn="l" rtl="0">
         <a:lnSpc>
           <a:spcPct val="100000"/>
         </a:lnSpc>
@@ -7442,7 +7585,7 @@
           <a:srgbClr val="000000"/>
         </a:buClr>
         <a:buFont typeface="Arial"/>
-        <a:defRPr b="0" i="0" sz="1400" u="none" cap="none" strike="noStrike">
+        <a:defRPr sz="1400" b="0" i="0" u="none" strike="noStrike" cap="none">
           <a:solidFill>
             <a:srgbClr val="000000"/>
           </a:solidFill>
@@ -7452,7 +7595,7 @@
           <a:sym typeface="Arial"/>
         </a:defRPr>
       </a:lvl4pPr>
-      <a:lvl5pPr lvl="4" marR="0" rtl="0" algn="l">
+      <a:lvl5pPr marR="0" lvl="4" algn="l" rtl="0">
         <a:lnSpc>
           <a:spcPct val="100000"/>
         </a:lnSpc>
@@ -7466,7 +7609,7 @@
           <a:srgbClr val="000000"/>
         </a:buClr>
         <a:buFont typeface="Arial"/>
-        <a:defRPr b="0" i="0" sz="1400" u="none" cap="none" strike="noStrike">
+        <a:defRPr sz="1400" b="0" i="0" u="none" strike="noStrike" cap="none">
           <a:solidFill>
             <a:srgbClr val="000000"/>
           </a:solidFill>
@@ -7476,7 +7619,7 @@
           <a:sym typeface="Arial"/>
         </a:defRPr>
       </a:lvl5pPr>
-      <a:lvl6pPr lvl="5" marR="0" rtl="0" algn="l">
+      <a:lvl6pPr marR="0" lvl="5" algn="l" rtl="0">
         <a:lnSpc>
           <a:spcPct val="100000"/>
         </a:lnSpc>
@@ -7490,7 +7633,7 @@
           <a:srgbClr val="000000"/>
         </a:buClr>
         <a:buFont typeface="Arial"/>
-        <a:defRPr b="0" i="0" sz="1400" u="none" cap="none" strike="noStrike">
+        <a:defRPr sz="1400" b="0" i="0" u="none" strike="noStrike" cap="none">
           <a:solidFill>
             <a:srgbClr val="000000"/>
           </a:solidFill>
@@ -7500,7 +7643,7 @@
           <a:sym typeface="Arial"/>
         </a:defRPr>
       </a:lvl6pPr>
-      <a:lvl7pPr lvl="6" marR="0" rtl="0" algn="l">
+      <a:lvl7pPr marR="0" lvl="6" algn="l" rtl="0">
         <a:lnSpc>
           <a:spcPct val="100000"/>
         </a:lnSpc>
@@ -7514,7 +7657,7 @@
           <a:srgbClr val="000000"/>
         </a:buClr>
         <a:buFont typeface="Arial"/>
-        <a:defRPr b="0" i="0" sz="1400" u="none" cap="none" strike="noStrike">
+        <a:defRPr sz="1400" b="0" i="0" u="none" strike="noStrike" cap="none">
           <a:solidFill>
             <a:srgbClr val="000000"/>
           </a:solidFill>
@@ -7524,7 +7667,7 @@
           <a:sym typeface="Arial"/>
         </a:defRPr>
       </a:lvl7pPr>
-      <a:lvl8pPr lvl="7" marR="0" rtl="0" algn="l">
+      <a:lvl8pPr marR="0" lvl="7" algn="l" rtl="0">
         <a:lnSpc>
           <a:spcPct val="100000"/>
         </a:lnSpc>
@@ -7538,7 +7681,7 @@
           <a:srgbClr val="000000"/>
         </a:buClr>
         <a:buFont typeface="Arial"/>
-        <a:defRPr b="0" i="0" sz="1400" u="none" cap="none" strike="noStrike">
+        <a:defRPr sz="1400" b="0" i="0" u="none" strike="noStrike" cap="none">
           <a:solidFill>
             <a:srgbClr val="000000"/>
           </a:solidFill>
@@ -7548,7 +7691,7 @@
           <a:sym typeface="Arial"/>
         </a:defRPr>
       </a:lvl8pPr>
-      <a:lvl9pPr lvl="8" marR="0" rtl="0" algn="l">
+      <a:lvl9pPr marR="0" lvl="8" algn="l" rtl="0">
         <a:lnSpc>
           <a:spcPct val="100000"/>
         </a:lnSpc>
@@ -7562,7 +7705,7 @@
           <a:srgbClr val="000000"/>
         </a:buClr>
         <a:buFont typeface="Arial"/>
-        <a:defRPr b="0" i="0" sz="1400" u="none" cap="none" strike="noStrike">
+        <a:defRPr sz="1400" b="0" i="0" u="none" strike="noStrike" cap="none">
           <a:solidFill>
             <a:srgbClr val="000000"/>
           </a:solidFill>
@@ -7574,7 +7717,7 @@
       </a:lvl9pPr>
     </p:titleStyle>
     <p:bodyStyle>
-      <a:defPPr lvl="0" marR="0" rtl="0" algn="l">
+      <a:defPPr marR="0" lvl="0" algn="l" rtl="0">
         <a:lnSpc>
           <a:spcPct val="100000"/>
         </a:lnSpc>
@@ -7585,7 +7728,7 @@
           <a:spcPts val="0"/>
         </a:spcAft>
       </a:defPPr>
-      <a:lvl1pPr lvl="0" marR="0" rtl="0" algn="l">
+      <a:lvl1pPr marR="0" lvl="0" algn="l" rtl="0">
         <a:lnSpc>
           <a:spcPct val="100000"/>
         </a:lnSpc>
@@ -7599,7 +7742,7 @@
           <a:srgbClr val="000000"/>
         </a:buClr>
         <a:buFont typeface="Arial"/>
-        <a:defRPr b="0" i="0" sz="1400" u="none" cap="none" strike="noStrike">
+        <a:defRPr sz="1400" b="0" i="0" u="none" strike="noStrike" cap="none">
           <a:solidFill>
             <a:srgbClr val="000000"/>
           </a:solidFill>
@@ -7609,7 +7752,7 @@
           <a:sym typeface="Arial"/>
         </a:defRPr>
       </a:lvl1pPr>
-      <a:lvl2pPr lvl="1" marR="0" rtl="0" algn="l">
+      <a:lvl2pPr marR="0" lvl="1" algn="l" rtl="0">
         <a:lnSpc>
           <a:spcPct val="100000"/>
         </a:lnSpc>
@@ -7623,7 +7766,7 @@
           <a:srgbClr val="000000"/>
         </a:buClr>
         <a:buFont typeface="Arial"/>
-        <a:defRPr b="0" i="0" sz="1400" u="none" cap="none" strike="noStrike">
+        <a:defRPr sz="1400" b="0" i="0" u="none" strike="noStrike" cap="none">
           <a:solidFill>
             <a:srgbClr val="000000"/>
           </a:solidFill>
@@ -7633,7 +7776,7 @@
           <a:sym typeface="Arial"/>
         </a:defRPr>
       </a:lvl2pPr>
-      <a:lvl3pPr lvl="2" marR="0" rtl="0" algn="l">
+      <a:lvl3pPr marR="0" lvl="2" algn="l" rtl="0">
         <a:lnSpc>
           <a:spcPct val="100000"/>
         </a:lnSpc>
@@ -7647,7 +7790,7 @@
           <a:srgbClr val="000000"/>
         </a:buClr>
         <a:buFont typeface="Arial"/>
-        <a:defRPr b="0" i="0" sz="1400" u="none" cap="none" strike="noStrike">
+        <a:defRPr sz="1400" b="0" i="0" u="none" strike="noStrike" cap="none">
           <a:solidFill>
             <a:srgbClr val="000000"/>
           </a:solidFill>
@@ -7657,7 +7800,7 @@
           <a:sym typeface="Arial"/>
         </a:defRPr>
       </a:lvl3pPr>
-      <a:lvl4pPr lvl="3" marR="0" rtl="0" algn="l">
+      <a:lvl4pPr marR="0" lvl="3" algn="l" rtl="0">
         <a:lnSpc>
           <a:spcPct val="100000"/>
         </a:lnSpc>
@@ -7671,7 +7814,7 @@
           <a:srgbClr val="000000"/>
         </a:buClr>
         <a:buFont typeface="Arial"/>
-        <a:defRPr b="0" i="0" sz="1400" u="none" cap="none" strike="noStrike">
+        <a:defRPr sz="1400" b="0" i="0" u="none" strike="noStrike" cap="none">
           <a:solidFill>
             <a:srgbClr val="000000"/>
           </a:solidFill>
@@ -7681,7 +7824,7 @@
           <a:sym typeface="Arial"/>
         </a:defRPr>
       </a:lvl4pPr>
-      <a:lvl5pPr lvl="4" marR="0" rtl="0" algn="l">
+      <a:lvl5pPr marR="0" lvl="4" algn="l" rtl="0">
         <a:lnSpc>
           <a:spcPct val="100000"/>
         </a:lnSpc>
@@ -7695,7 +7838,7 @@
           <a:srgbClr val="000000"/>
         </a:buClr>
         <a:buFont typeface="Arial"/>
-        <a:defRPr b="0" i="0" sz="1400" u="none" cap="none" strike="noStrike">
+        <a:defRPr sz="1400" b="0" i="0" u="none" strike="noStrike" cap="none">
           <a:solidFill>
             <a:srgbClr val="000000"/>
           </a:solidFill>
@@ -7705,7 +7848,7 @@
           <a:sym typeface="Arial"/>
         </a:defRPr>
       </a:lvl5pPr>
-      <a:lvl6pPr lvl="5" marR="0" rtl="0" algn="l">
+      <a:lvl6pPr marR="0" lvl="5" algn="l" rtl="0">
         <a:lnSpc>
           <a:spcPct val="100000"/>
         </a:lnSpc>
@@ -7719,7 +7862,7 @@
           <a:srgbClr val="000000"/>
         </a:buClr>
         <a:buFont typeface="Arial"/>
-        <a:defRPr b="0" i="0" sz="1400" u="none" cap="none" strike="noStrike">
+        <a:defRPr sz="1400" b="0" i="0" u="none" strike="noStrike" cap="none">
           <a:solidFill>
             <a:srgbClr val="000000"/>
           </a:solidFill>
@@ -7729,7 +7872,7 @@
           <a:sym typeface="Arial"/>
         </a:defRPr>
       </a:lvl6pPr>
-      <a:lvl7pPr lvl="6" marR="0" rtl="0" algn="l">
+      <a:lvl7pPr marR="0" lvl="6" algn="l" rtl="0">
         <a:lnSpc>
           <a:spcPct val="100000"/>
         </a:lnSpc>
@@ -7743,7 +7886,7 @@
           <a:srgbClr val="000000"/>
         </a:buClr>
         <a:buFont typeface="Arial"/>
-        <a:defRPr b="0" i="0" sz="1400" u="none" cap="none" strike="noStrike">
+        <a:defRPr sz="1400" b="0" i="0" u="none" strike="noStrike" cap="none">
           <a:solidFill>
             <a:srgbClr val="000000"/>
           </a:solidFill>
@@ -7753,7 +7896,7 @@
           <a:sym typeface="Arial"/>
         </a:defRPr>
       </a:lvl7pPr>
-      <a:lvl8pPr lvl="7" marR="0" rtl="0" algn="l">
+      <a:lvl8pPr marR="0" lvl="7" algn="l" rtl="0">
         <a:lnSpc>
           <a:spcPct val="100000"/>
         </a:lnSpc>
@@ -7767,7 +7910,7 @@
           <a:srgbClr val="000000"/>
         </a:buClr>
         <a:buFont typeface="Arial"/>
-        <a:defRPr b="0" i="0" sz="1400" u="none" cap="none" strike="noStrike">
+        <a:defRPr sz="1400" b="0" i="0" u="none" strike="noStrike" cap="none">
           <a:solidFill>
             <a:srgbClr val="000000"/>
           </a:solidFill>
@@ -7777,7 +7920,7 @@
           <a:sym typeface="Arial"/>
         </a:defRPr>
       </a:lvl8pPr>
-      <a:lvl9pPr lvl="8" marR="0" rtl="0" algn="l">
+      <a:lvl9pPr marR="0" lvl="8" algn="l" rtl="0">
         <a:lnSpc>
           <a:spcPct val="100000"/>
         </a:lnSpc>
@@ -7791,7 +7934,7 @@
           <a:srgbClr val="000000"/>
         </a:buClr>
         <a:buFont typeface="Arial"/>
-        <a:defRPr b="0" i="0" sz="1400" u="none" cap="none" strike="noStrike">
+        <a:defRPr sz="1400" b="0" i="0" u="none" strike="noStrike" cap="none">
           <a:solidFill>
             <a:srgbClr val="000000"/>
           </a:solidFill>
@@ -7803,7 +7946,7 @@
       </a:lvl9pPr>
     </p:bodyStyle>
     <p:otherStyle>
-      <a:defPPr lvl="0" marR="0" rtl="0" algn="l">
+      <a:defPPr marR="0" lvl="0" algn="l" rtl="0">
         <a:lnSpc>
           <a:spcPct val="100000"/>
         </a:lnSpc>
@@ -7814,7 +7957,7 @@
           <a:spcPts val="0"/>
         </a:spcAft>
       </a:defPPr>
-      <a:lvl1pPr lvl="0" marR="0" rtl="0" algn="l">
+      <a:lvl1pPr marR="0" lvl="0" algn="l" rtl="0">
         <a:lnSpc>
           <a:spcPct val="100000"/>
         </a:lnSpc>
@@ -7828,7 +7971,7 @@
           <a:srgbClr val="000000"/>
         </a:buClr>
         <a:buFont typeface="Arial"/>
-        <a:defRPr b="0" i="0" sz="1400" u="none" cap="none" strike="noStrike">
+        <a:defRPr sz="1400" b="0" i="0" u="none" strike="noStrike" cap="none">
           <a:solidFill>
             <a:srgbClr val="000000"/>
           </a:solidFill>
@@ -7838,7 +7981,7 @@
           <a:sym typeface="Arial"/>
         </a:defRPr>
       </a:lvl1pPr>
-      <a:lvl2pPr lvl="1" marR="0" rtl="0" algn="l">
+      <a:lvl2pPr marR="0" lvl="1" algn="l" rtl="0">
         <a:lnSpc>
           <a:spcPct val="100000"/>
         </a:lnSpc>
@@ -7852,7 +7995,7 @@
           <a:srgbClr val="000000"/>
         </a:buClr>
         <a:buFont typeface="Arial"/>
-        <a:defRPr b="0" i="0" sz="1400" u="none" cap="none" strike="noStrike">
+        <a:defRPr sz="1400" b="0" i="0" u="none" strike="noStrike" cap="none">
           <a:solidFill>
             <a:srgbClr val="000000"/>
           </a:solidFill>
@@ -7862,7 +8005,7 @@
           <a:sym typeface="Arial"/>
         </a:defRPr>
       </a:lvl2pPr>
-      <a:lvl3pPr lvl="2" marR="0" rtl="0" algn="l">
+      <a:lvl3pPr marR="0" lvl="2" algn="l" rtl="0">
         <a:lnSpc>
           <a:spcPct val="100000"/>
         </a:lnSpc>
@@ -7876,7 +8019,7 @@
           <a:srgbClr val="000000"/>
         </a:buClr>
         <a:buFont typeface="Arial"/>
-        <a:defRPr b="0" i="0" sz="1400" u="none" cap="none" strike="noStrike">
+        <a:defRPr sz="1400" b="0" i="0" u="none" strike="noStrike" cap="none">
           <a:solidFill>
             <a:srgbClr val="000000"/>
           </a:solidFill>
@@ -7886,7 +8029,7 @@
           <a:sym typeface="Arial"/>
         </a:defRPr>
       </a:lvl3pPr>
-      <a:lvl4pPr lvl="3" marR="0" rtl="0" algn="l">
+      <a:lvl4pPr marR="0" lvl="3" algn="l" rtl="0">
         <a:lnSpc>
           <a:spcPct val="100000"/>
         </a:lnSpc>
@@ -7900,7 +8043,7 @@
           <a:srgbClr val="000000"/>
         </a:buClr>
         <a:buFont typeface="Arial"/>
-        <a:defRPr b="0" i="0" sz="1400" u="none" cap="none" strike="noStrike">
+        <a:defRPr sz="1400" b="0" i="0" u="none" strike="noStrike" cap="none">
           <a:solidFill>
             <a:srgbClr val="000000"/>
           </a:solidFill>
@@ -7910,7 +8053,7 @@
           <a:sym typeface="Arial"/>
         </a:defRPr>
       </a:lvl4pPr>
-      <a:lvl5pPr lvl="4" marR="0" rtl="0" algn="l">
+      <a:lvl5pPr marR="0" lvl="4" algn="l" rtl="0">
         <a:lnSpc>
           <a:spcPct val="100000"/>
         </a:lnSpc>
@@ -7924,7 +8067,7 @@
           <a:srgbClr val="000000"/>
         </a:buClr>
         <a:buFont typeface="Arial"/>
-        <a:defRPr b="0" i="0" sz="1400" u="none" cap="none" strike="noStrike">
+        <a:defRPr sz="1400" b="0" i="0" u="none" strike="noStrike" cap="none">
           <a:solidFill>
             <a:srgbClr val="000000"/>
           </a:solidFill>
@@ -7934,7 +8077,7 @@
           <a:sym typeface="Arial"/>
         </a:defRPr>
       </a:lvl5pPr>
-      <a:lvl6pPr lvl="5" marR="0" rtl="0" algn="l">
+      <a:lvl6pPr marR="0" lvl="5" algn="l" rtl="0">
         <a:lnSpc>
           <a:spcPct val="100000"/>
         </a:lnSpc>
@@ -7948,7 +8091,7 @@
           <a:srgbClr val="000000"/>
         </a:buClr>
         <a:buFont typeface="Arial"/>
-        <a:defRPr b="0" i="0" sz="1400" u="none" cap="none" strike="noStrike">
+        <a:defRPr sz="1400" b="0" i="0" u="none" strike="noStrike" cap="none">
           <a:solidFill>
             <a:srgbClr val="000000"/>
           </a:solidFill>
@@ -7958,7 +8101,7 @@
           <a:sym typeface="Arial"/>
         </a:defRPr>
       </a:lvl6pPr>
-      <a:lvl7pPr lvl="6" marR="0" rtl="0" algn="l">
+      <a:lvl7pPr marR="0" lvl="6" algn="l" rtl="0">
         <a:lnSpc>
           <a:spcPct val="100000"/>
         </a:lnSpc>
@@ -7972,7 +8115,7 @@
           <a:srgbClr val="000000"/>
         </a:buClr>
         <a:buFont typeface="Arial"/>
-        <a:defRPr b="0" i="0" sz="1400" u="none" cap="none" strike="noStrike">
+        <a:defRPr sz="1400" b="0" i="0" u="none" strike="noStrike" cap="none">
           <a:solidFill>
             <a:srgbClr val="000000"/>
           </a:solidFill>
@@ -7982,7 +8125,7 @@
           <a:sym typeface="Arial"/>
         </a:defRPr>
       </a:lvl7pPr>
-      <a:lvl8pPr lvl="7" marR="0" rtl="0" algn="l">
+      <a:lvl8pPr marR="0" lvl="7" algn="l" rtl="0">
         <a:lnSpc>
           <a:spcPct val="100000"/>
         </a:lnSpc>
@@ -7996,7 +8139,7 @@
           <a:srgbClr val="000000"/>
         </a:buClr>
         <a:buFont typeface="Arial"/>
-        <a:defRPr b="0" i="0" sz="1400" u="none" cap="none" strike="noStrike">
+        <a:defRPr sz="1400" b="0" i="0" u="none" strike="noStrike" cap="none">
           <a:solidFill>
             <a:srgbClr val="000000"/>
           </a:solidFill>
@@ -8006,7 +8149,7 @@
           <a:sym typeface="Arial"/>
         </a:defRPr>
       </a:lvl8pPr>
-      <a:lvl9pPr lvl="8" marR="0" rtl="0" algn="l">
+      <a:lvl9pPr marR="0" lvl="8" algn="l" rtl="0">
         <a:lnSpc>
           <a:spcPct val="100000"/>
         </a:lnSpc>
@@ -8020,7 +8163,7 @@
           <a:srgbClr val="000000"/>
         </a:buClr>
         <a:buFont typeface="Arial"/>
-        <a:defRPr b="0" i="0" sz="1400" u="none" cap="none" strike="noStrike">
+        <a:defRPr sz="1400" b="0" i="0" u="none" strike="noStrike" cap="none">
           <a:solidFill>
             <a:srgbClr val="000000"/>
           </a:solidFill>
@@ -8036,11 +8179,11 @@
 </file>
 
 <file path=ppt/slides/slide1.xml><?xml version="1.0" encoding="utf-8"?>
-<p:sld xmlns:a="http://schemas.openxmlformats.org/drawingml/2006/main" xmlns:r="http://schemas.openxmlformats.org/officeDocument/2006/relationships" xmlns:mc="http://schemas.openxmlformats.org/markup-compatibility/2006" xmlns:mv="urn:schemas-microsoft-com:mac:vml" xmlns:p="http://schemas.openxmlformats.org/presentationml/2006/main" xmlns:c="http://schemas.openxmlformats.org/drawingml/2006/chart" xmlns:dgm="http://schemas.openxmlformats.org/drawingml/2006/diagram" xmlns:o="urn:schemas-microsoft-com:office:office" xmlns:v="urn:schemas-microsoft-com:vml" xmlns:pvml="urn:schemas-microsoft-com:office:powerpoint" xmlns:com="http://schemas.openxmlformats.org/drawingml/2006/compatibility" xmlns:p14="http://schemas.microsoft.com/office/powerpoint/2010/main" xmlns:p15="http://schemas.microsoft.com/office/powerpoint/2012/main">
+<p:sld xmlns:a="http://schemas.openxmlformats.org/drawingml/2006/main" xmlns:r="http://schemas.openxmlformats.org/officeDocument/2006/relationships" xmlns:p="http://schemas.openxmlformats.org/presentationml/2006/main">
   <p:cSld>
     <p:spTree>
       <p:nvGrpSpPr>
-        <p:cNvPr id="67" name="Shape 67"/>
+        <p:cNvPr id="1" name="Shape 67"/>
         <p:cNvGrpSpPr/>
         <p:nvPr/>
       </p:nvGrpSpPr>
@@ -8083,7 +8226,9 @@
       <p:sp>
         <p:nvSpPr>
           <p:cNvPr id="69" name="Google Shape;69;p13"/>
-          <p:cNvSpPr txBox="1"/>
+          <p:cNvSpPr txBox="1">
+            <a:spLocks noGrp="1"/>
+          </p:cNvSpPr>
           <p:nvPr>
             <p:ph type="ctrTitle"/>
           </p:nvPr>
@@ -8098,12 +8243,12 @@
           </a:prstGeom>
         </p:spPr>
         <p:txBody>
-          <a:bodyPr anchorCtr="0" anchor="b" bIns="91425" lIns="91425" spcFirstLastPara="1" rIns="91425" wrap="square" tIns="91425">
+          <a:bodyPr spcFirstLastPara="1" wrap="square" lIns="91425" tIns="91425" rIns="91425" bIns="91425" anchor="b" anchorCtr="0">
             <a:noAutofit/>
           </a:bodyPr>
           <a:lstStyle/>
           <a:p>
-            <a:pPr indent="0" lvl="0" marL="0" rtl="0" algn="l">
+            <a:pPr marL="0" lvl="0" indent="0" algn="l" rtl="0">
               <a:spcBef>
                 <a:spcPts val="0"/>
               </a:spcBef>
@@ -8119,22 +8264,19 @@
             <a:endParaRPr sz="3600"/>
           </a:p>
           <a:p>
-            <a:pPr indent="0" lvl="0" marL="0" rtl="0" algn="l">
-              <a:spcBef>
-                <a:spcPts val="0"/>
-              </a:spcBef>
-              <a:spcAft>
-                <a:spcPts val="0"/>
-              </a:spcAft>
-              <a:buNone/>
-            </a:pPr>
-            <a:r>
-              <a:t/>
-            </a:r>
+            <a:pPr marL="0" lvl="0" indent="0" algn="l" rtl="0">
+              <a:spcBef>
+                <a:spcPts val="0"/>
+              </a:spcBef>
+              <a:spcAft>
+                <a:spcPts val="0"/>
+              </a:spcAft>
+              <a:buNone/>
+            </a:pPr>
             <a:endParaRPr sz="3600"/>
           </a:p>
           <a:p>
-            <a:pPr indent="0" lvl="0" marL="0" rtl="0" algn="r">
+            <a:pPr marL="0" lvl="0" indent="0" algn="r" rtl="0">
               <a:spcBef>
                 <a:spcPts val="0"/>
               </a:spcBef>
@@ -8154,9 +8296,11 @@
       <p:sp>
         <p:nvSpPr>
           <p:cNvPr id="70" name="Google Shape;70;p13"/>
-          <p:cNvSpPr txBox="1"/>
+          <p:cNvSpPr txBox="1">
+            <a:spLocks noGrp="1"/>
+          </p:cNvSpPr>
           <p:nvPr>
-            <p:ph idx="1" type="subTitle"/>
+            <p:ph type="subTitle" idx="1"/>
           </p:nvPr>
         </p:nvSpPr>
         <p:spPr>
@@ -8169,12 +8313,12 @@
           </a:prstGeom>
         </p:spPr>
         <p:txBody>
-          <a:bodyPr anchorCtr="0" anchor="t" bIns="91425" lIns="91425" spcFirstLastPara="1" rIns="91425" wrap="square" tIns="91425">
+          <a:bodyPr spcFirstLastPara="1" wrap="square" lIns="91425" tIns="91425" rIns="91425" bIns="91425" anchor="t" anchorCtr="0">
             <a:noAutofit/>
           </a:bodyPr>
           <a:lstStyle/>
           <a:p>
-            <a:pPr indent="0" lvl="0" marL="0" rtl="0" algn="l">
+            <a:pPr marL="0" lvl="0" indent="0" algn="l" rtl="0">
               <a:spcBef>
                 <a:spcPts val="0"/>
               </a:spcBef>
@@ -8221,7 +8365,7 @@
       </p:pic>
       <p:pic>
         <p:nvPicPr>
-          <p:cNvPr descr="Creative Commons License" id="72" name="Google Shape;72;p13"/>
+          <p:cNvPr id="72" name="Google Shape;72;p13" descr="Creative Commons License"/>
           <p:cNvPicPr preferRelativeResize="0"/>
           <p:nvPr/>
         </p:nvPicPr>
@@ -8267,12 +8411,12 @@
           </a:ln>
         </p:spPr>
         <p:txBody>
-          <a:bodyPr anchorCtr="0" anchor="ctr" bIns="91425" lIns="91425" spcFirstLastPara="1" rIns="91425" wrap="square" tIns="91425">
+          <a:bodyPr spcFirstLastPara="1" wrap="square" lIns="91425" tIns="91425" rIns="91425" bIns="91425" anchor="ctr" anchorCtr="0">
             <a:noAutofit/>
           </a:bodyPr>
           <a:lstStyle/>
           <a:p>
-            <a:pPr indent="0" lvl="0" marL="0" rtl="0" algn="l">
+            <a:pPr marL="0" lvl="0" indent="0" algn="l" rtl="0">
               <a:spcBef>
                 <a:spcPts val="0"/>
               </a:spcBef>
@@ -8379,11 +8523,11 @@
 </file>
 
 <file path=ppt/slides/slide10.xml><?xml version="1.0" encoding="utf-8"?>
-<p:sld xmlns:a="http://schemas.openxmlformats.org/drawingml/2006/main" xmlns:r="http://schemas.openxmlformats.org/officeDocument/2006/relationships" xmlns:mc="http://schemas.openxmlformats.org/markup-compatibility/2006" xmlns:mv="urn:schemas-microsoft-com:mac:vml" xmlns:p="http://schemas.openxmlformats.org/presentationml/2006/main" xmlns:c="http://schemas.openxmlformats.org/drawingml/2006/chart" xmlns:dgm="http://schemas.openxmlformats.org/drawingml/2006/diagram" xmlns:o="urn:schemas-microsoft-com:office:office" xmlns:v="urn:schemas-microsoft-com:vml" xmlns:pvml="urn:schemas-microsoft-com:office:powerpoint" xmlns:com="http://schemas.openxmlformats.org/drawingml/2006/compatibility" xmlns:p14="http://schemas.microsoft.com/office/powerpoint/2010/main" xmlns:p15="http://schemas.microsoft.com/office/powerpoint/2012/main">
+<p:sld xmlns:a="http://schemas.openxmlformats.org/drawingml/2006/main" xmlns:r="http://schemas.openxmlformats.org/officeDocument/2006/relationships" xmlns:p="http://schemas.openxmlformats.org/presentationml/2006/main">
   <p:cSld>
     <p:spTree>
       <p:nvGrpSpPr>
-        <p:cNvPr id="167" name="Shape 167"/>
+        <p:cNvPr id="1" name="Shape 167"/>
         <p:cNvGrpSpPr/>
         <p:nvPr/>
       </p:nvGrpSpPr>
@@ -8398,7 +8542,9 @@
       <p:sp>
         <p:nvSpPr>
           <p:cNvPr id="168" name="Google Shape;168;p22"/>
-          <p:cNvSpPr txBox="1"/>
+          <p:cNvSpPr txBox="1">
+            <a:spLocks noGrp="1"/>
+          </p:cNvSpPr>
           <p:nvPr>
             <p:ph type="title"/>
           </p:nvPr>
@@ -8413,12 +8559,12 @@
           </a:prstGeom>
         </p:spPr>
         <p:txBody>
-          <a:bodyPr anchorCtr="0" anchor="b" bIns="91425" lIns="91425" spcFirstLastPara="1" rIns="91425" wrap="square" tIns="91425">
+          <a:bodyPr spcFirstLastPara="1" wrap="square" lIns="91425" tIns="91425" rIns="91425" bIns="91425" anchor="b" anchorCtr="0">
             <a:noAutofit/>
           </a:bodyPr>
           <a:lstStyle/>
           <a:p>
-            <a:pPr indent="0" lvl="0" marL="0" rtl="0" algn="l">
+            <a:pPr marL="0" lvl="0" indent="0" algn="l" rtl="0">
               <a:spcBef>
                 <a:spcPts val="0"/>
               </a:spcBef>
@@ -8438,9 +8584,11 @@
       <p:sp>
         <p:nvSpPr>
           <p:cNvPr id="169" name="Google Shape;169;p22"/>
-          <p:cNvSpPr txBox="1"/>
+          <p:cNvSpPr txBox="1">
+            <a:spLocks noGrp="1"/>
+          </p:cNvSpPr>
           <p:nvPr>
-            <p:ph idx="12" type="sldNum"/>
+            <p:ph type="sldNum" idx="12"/>
           </p:nvPr>
         </p:nvSpPr>
         <p:spPr>
@@ -8453,12 +8601,12 @@
           </a:prstGeom>
         </p:spPr>
         <p:txBody>
-          <a:bodyPr anchorCtr="0" anchor="ctr" bIns="91425" lIns="91425" spcFirstLastPara="1" rIns="91425" wrap="square" tIns="91425">
+          <a:bodyPr spcFirstLastPara="1" wrap="square" lIns="91425" tIns="91425" rIns="91425" bIns="91425" anchor="ctr" anchorCtr="0">
             <a:noAutofit/>
           </a:bodyPr>
           <a:lstStyle/>
           <a:p>
-            <a:pPr indent="0" lvl="0" marL="0" rtl="0" algn="r">
+            <a:pPr marL="0" lvl="0" indent="0" algn="r" rtl="0">
               <a:spcBef>
                 <a:spcPts val="0"/>
               </a:spcBef>
@@ -8469,7 +8617,7 @@
             </a:pPr>
             <a:fld id="{00000000-1234-1234-1234-123412341234}" type="slidenum">
               <a:rPr lang="en-GB"/>
-              <a:t>‹#›</a:t>
+              <a:t>10</a:t>
             </a:fld>
             <a:endParaRPr/>
           </a:p>
@@ -8477,7 +8625,7 @@
       </p:sp>
       <p:pic>
         <p:nvPicPr>
-          <p:cNvPr descr="P14 Email process -Handle other.png" id="170" name="Google Shape;170;p22"/>
+          <p:cNvPr id="170" name="Google Shape;170;p22" descr="P14 Email process -Handle other.png"/>
           <p:cNvPicPr preferRelativeResize="0"/>
           <p:nvPr/>
         </p:nvPicPr>
@@ -8516,31 +8664,31 @@
           </a:xfrm>
           <a:prstGeom prst="wedgeRoundRectCallout">
             <a:avLst>
-              <a:gd fmla="val -176080" name="adj1"/>
-              <a:gd fmla="val -20254" name="adj2"/>
-              <a:gd fmla="val 0" name="adj3"/>
+              <a:gd name="adj1" fmla="val -176080"/>
+              <a:gd name="adj2" fmla="val -20254"/>
+              <a:gd name="adj3" fmla="val 0"/>
             </a:avLst>
           </a:prstGeom>
           <a:solidFill>
             <a:srgbClr val="FFD966"/>
           </a:solidFill>
-          <a:ln cap="flat" cmpd="sng" w="9525">
+          <a:ln w="9525" cap="flat" cmpd="sng">
             <a:solidFill>
               <a:srgbClr val="BF9000"/>
             </a:solidFill>
             <a:prstDash val="solid"/>
             <a:round/>
-            <a:headEnd len="sm" w="sm" type="none"/>
-            <a:tailEnd len="sm" w="sm" type="none"/>
+            <a:headEnd type="none" w="sm" len="sm"/>
+            <a:tailEnd type="none" w="sm" len="sm"/>
           </a:ln>
         </p:spPr>
         <p:txBody>
-          <a:bodyPr anchorCtr="0" anchor="ctr" bIns="91425" lIns="91425" spcFirstLastPara="1" rIns="91425" wrap="square" tIns="91425">
+          <a:bodyPr spcFirstLastPara="1" wrap="square" lIns="91425" tIns="91425" rIns="91425" bIns="91425" anchor="ctr" anchorCtr="0">
             <a:noAutofit/>
           </a:bodyPr>
           <a:lstStyle/>
           <a:p>
-            <a:pPr indent="0" lvl="0" marL="0" rtl="0" algn="l">
+            <a:pPr marL="0" lvl="0" indent="0" algn="l" rtl="0">
               <a:spcBef>
                 <a:spcPts val="0"/>
               </a:spcBef>
@@ -8576,7 +8724,7 @@
       <p:sp>
         <p:nvSpPr>
           <p:cNvPr id="172" name="Google Shape;172;p22">
-            <a:hlinkClick action="ppaction://hlinksldjump" r:id="rId4"/>
+            <a:hlinkClick r:id="rId4" action="ppaction://hlinksldjump"/>
           </p:cNvPr>
           <p:cNvSpPr/>
           <p:nvPr/>
@@ -8588,30 +8736,30 @@
           </a:xfrm>
           <a:prstGeom prst="leftArrow">
             <a:avLst>
-              <a:gd fmla="val 50000" name="adj1"/>
-              <a:gd fmla="val 50000" name="adj2"/>
+              <a:gd name="adj1" fmla="val 50000"/>
+              <a:gd name="adj2" fmla="val 50000"/>
             </a:avLst>
           </a:prstGeom>
           <a:solidFill>
             <a:srgbClr val="C9DAF8"/>
           </a:solidFill>
-          <a:ln cap="flat" cmpd="sng" w="9525">
+          <a:ln w="9525" cap="flat" cmpd="sng">
             <a:solidFill>
               <a:srgbClr val="4A86E8"/>
             </a:solidFill>
             <a:prstDash val="solid"/>
             <a:round/>
-            <a:headEnd len="sm" w="sm" type="none"/>
-            <a:tailEnd len="sm" w="sm" type="none"/>
+            <a:headEnd type="none" w="sm" len="sm"/>
+            <a:tailEnd type="none" w="sm" len="sm"/>
           </a:ln>
         </p:spPr>
         <p:txBody>
-          <a:bodyPr anchorCtr="0" anchor="ctr" bIns="91425" lIns="91425" spcFirstLastPara="1" rIns="91425" wrap="square" tIns="91425">
+          <a:bodyPr spcFirstLastPara="1" wrap="square" lIns="91425" tIns="91425" rIns="91425" bIns="91425" anchor="ctr" anchorCtr="0">
             <a:noAutofit/>
           </a:bodyPr>
           <a:lstStyle/>
           <a:p>
-            <a:pPr indent="0" lvl="0" marL="0" rtl="0" algn="l">
+            <a:pPr marL="0" lvl="0" indent="0" algn="l" rtl="0">
               <a:spcBef>
                 <a:spcPts val="0"/>
               </a:spcBef>
@@ -8621,7 +8769,7 @@
               <a:buNone/>
             </a:pPr>
             <a:r>
-              <a:rPr b="1" lang="en-GB" sz="600">
+              <a:rPr lang="en-GB" sz="600" b="1">
                 <a:latin typeface="Open Sans"/>
                 <a:ea typeface="Open Sans"/>
                 <a:cs typeface="Open Sans"/>
@@ -8629,7 +8777,7 @@
               </a:rPr>
               <a:t>One level up</a:t>
             </a:r>
-            <a:endParaRPr b="1" sz="600">
+            <a:endParaRPr sz="600" b="1">
               <a:latin typeface="Open Sans"/>
               <a:ea typeface="Open Sans"/>
               <a:cs typeface="Open Sans"/>
@@ -8647,11 +8795,11 @@
 </file>
 
 <file path=ppt/slides/slide11.xml><?xml version="1.0" encoding="utf-8"?>
-<p:sld xmlns:a="http://schemas.openxmlformats.org/drawingml/2006/main" xmlns:r="http://schemas.openxmlformats.org/officeDocument/2006/relationships" xmlns:mc="http://schemas.openxmlformats.org/markup-compatibility/2006" xmlns:mv="urn:schemas-microsoft-com:mac:vml" xmlns:p="http://schemas.openxmlformats.org/presentationml/2006/main" xmlns:c="http://schemas.openxmlformats.org/drawingml/2006/chart" xmlns:dgm="http://schemas.openxmlformats.org/drawingml/2006/diagram" xmlns:o="urn:schemas-microsoft-com:office:office" xmlns:v="urn:schemas-microsoft-com:vml" xmlns:pvml="urn:schemas-microsoft-com:office:powerpoint" xmlns:com="http://schemas.openxmlformats.org/drawingml/2006/compatibility" xmlns:p14="http://schemas.microsoft.com/office/powerpoint/2010/main" xmlns:p15="http://schemas.microsoft.com/office/powerpoint/2012/main">
+<p:sld xmlns:a="http://schemas.openxmlformats.org/drawingml/2006/main" xmlns:r="http://schemas.openxmlformats.org/officeDocument/2006/relationships" xmlns:p="http://schemas.openxmlformats.org/presentationml/2006/main">
   <p:cSld>
     <p:spTree>
       <p:nvGrpSpPr>
-        <p:cNvPr id="176" name="Shape 176"/>
+        <p:cNvPr id="1" name="Shape 176"/>
         <p:cNvGrpSpPr/>
         <p:nvPr/>
       </p:nvGrpSpPr>
@@ -8666,7 +8814,9 @@
       <p:sp>
         <p:nvSpPr>
           <p:cNvPr id="177" name="Google Shape;177;p23"/>
-          <p:cNvSpPr txBox="1"/>
+          <p:cNvSpPr txBox="1">
+            <a:spLocks noGrp="1"/>
+          </p:cNvSpPr>
           <p:nvPr>
             <p:ph type="title"/>
           </p:nvPr>
@@ -8681,12 +8831,12 @@
           </a:prstGeom>
         </p:spPr>
         <p:txBody>
-          <a:bodyPr anchorCtr="0" anchor="b" bIns="91425" lIns="91425" spcFirstLastPara="1" rIns="91425" wrap="square" tIns="91425">
+          <a:bodyPr spcFirstLastPara="1" wrap="square" lIns="91425" tIns="91425" rIns="91425" bIns="91425" anchor="b" anchorCtr="0">
             <a:noAutofit/>
           </a:bodyPr>
           <a:lstStyle/>
           <a:p>
-            <a:pPr indent="0" lvl="0" marL="0" rtl="0" algn="l">
+            <a:pPr marL="0" lvl="0" indent="0" algn="l" rtl="0">
               <a:spcBef>
                 <a:spcPts val="0"/>
               </a:spcBef>
@@ -8706,9 +8856,11 @@
       <p:sp>
         <p:nvSpPr>
           <p:cNvPr id="178" name="Google Shape;178;p23"/>
-          <p:cNvSpPr txBox="1"/>
+          <p:cNvSpPr txBox="1">
+            <a:spLocks noGrp="1"/>
+          </p:cNvSpPr>
           <p:nvPr>
-            <p:ph idx="1" type="body"/>
+            <p:ph type="body" idx="1"/>
           </p:nvPr>
         </p:nvSpPr>
         <p:spPr>
@@ -8721,12 +8873,12 @@
           </a:prstGeom>
         </p:spPr>
         <p:txBody>
-          <a:bodyPr anchorCtr="0" anchor="t" bIns="91425" lIns="91425" spcFirstLastPara="1" rIns="91425" wrap="square" tIns="91425">
+          <a:bodyPr spcFirstLastPara="1" wrap="square" lIns="91425" tIns="91425" rIns="91425" bIns="91425" anchor="t" anchorCtr="0">
             <a:noAutofit/>
           </a:bodyPr>
           <a:lstStyle/>
           <a:p>
-            <a:pPr indent="0" lvl="0" marL="0" rtl="0" algn="l">
+            <a:pPr marL="0" lvl="0" indent="0" algn="l" rtl="0">
               <a:spcBef>
                 <a:spcPts val="0"/>
               </a:spcBef>
@@ -8740,7 +8892,7 @@
               <a:t>Managing your </a:t>
             </a:r>
             <a:r>
-              <a:rPr b="1" lang="en-GB"/>
+              <a:rPr lang="en-GB" b="1"/>
               <a:t>inbox is easy</a:t>
             </a:r>
             <a:r>
@@ -8750,7 +8902,7 @@
             <a:endParaRPr/>
           </a:p>
           <a:p>
-            <a:pPr indent="0" lvl="0" marL="0" rtl="0" algn="r">
+            <a:pPr marL="0" lvl="0" indent="0" algn="r" rtl="0">
               <a:spcBef>
                 <a:spcPts val="1600"/>
               </a:spcBef>
@@ -8760,13 +8912,13 @@
               <a:buNone/>
             </a:pPr>
             <a:r>
-              <a:rPr b="1" lang="en-GB"/>
+              <a:rPr lang="en-GB" b="1"/>
               <a:t>A little bit better now!</a:t>
             </a:r>
             <a:endParaRPr b="1"/>
           </a:p>
           <a:p>
-            <a:pPr indent="0" lvl="0" marL="0" rtl="0" algn="r">
+            <a:pPr marL="0" lvl="0" indent="0" algn="r" rtl="0">
               <a:spcBef>
                 <a:spcPts val="1600"/>
               </a:spcBef>
@@ -8775,13 +8927,10 @@
               </a:spcAft>
               <a:buNone/>
             </a:pPr>
-            <a:r>
-              <a:t/>
-            </a:r>
             <a:endParaRPr b="1"/>
           </a:p>
           <a:p>
-            <a:pPr indent="0" lvl="0" marL="0" rtl="0" algn="r">
+            <a:pPr marL="0" lvl="0" indent="0" algn="r" rtl="0">
               <a:spcBef>
                 <a:spcPts val="1600"/>
               </a:spcBef>
@@ -8790,13 +8939,10 @@
               </a:spcAft>
               <a:buNone/>
             </a:pPr>
-            <a:r>
-              <a:t/>
-            </a:r>
             <a:endParaRPr b="1"/>
           </a:p>
           <a:p>
-            <a:pPr indent="0" lvl="0" marL="0" rtl="0" algn="l">
+            <a:pPr marL="0" lvl="0" indent="0" algn="l" rtl="0">
               <a:spcBef>
                 <a:spcPts val="1600"/>
               </a:spcBef>
@@ -8810,7 +8956,7 @@
               <a:t>Your employees</a:t>
             </a:r>
             <a:r>
-              <a:rPr b="1" lang="en-GB"/>
+              <a:rPr lang="en-GB" b="1"/>
               <a:t> know how to communicate, </a:t>
             </a:r>
             <a:r>
@@ -8820,7 +8966,7 @@
             <a:endParaRPr/>
           </a:p>
           <a:p>
-            <a:pPr indent="0" lvl="0" marL="0" rtl="0" algn="r">
+            <a:pPr marL="0" lvl="0" indent="0" algn="r" rtl="0">
               <a:spcBef>
                 <a:spcPts val="1600"/>
               </a:spcBef>
@@ -8830,13 +8976,13 @@
               <a:buNone/>
             </a:pPr>
             <a:r>
-              <a:rPr b="1" lang="en-GB"/>
+              <a:rPr lang="en-GB" b="1"/>
               <a:t>A little bit better now!</a:t>
             </a:r>
             <a:endParaRPr b="1"/>
           </a:p>
           <a:p>
-            <a:pPr indent="0" lvl="0" marL="0" rtl="0" algn="l">
+            <a:pPr marL="0" lvl="0" indent="0" algn="l" rtl="0">
               <a:spcBef>
                 <a:spcPts val="1600"/>
               </a:spcBef>
@@ -8845,13 +8991,10 @@
               </a:spcAft>
               <a:buNone/>
             </a:pPr>
-            <a:r>
-              <a:t/>
-            </a:r>
             <a:endParaRPr/>
           </a:p>
           <a:p>
-            <a:pPr indent="0" lvl="0" marL="0" rtl="0" algn="l">
+            <a:pPr marL="0" lvl="0" indent="0" algn="l" rtl="0">
               <a:spcBef>
                 <a:spcPts val="1600"/>
               </a:spcBef>
@@ -8860,13 +9003,10 @@
               </a:spcAft>
               <a:buNone/>
             </a:pPr>
-            <a:r>
-              <a:t/>
-            </a:r>
             <a:endParaRPr/>
           </a:p>
           <a:p>
-            <a:pPr indent="0" lvl="0" marL="0" rtl="0" algn="l">
+            <a:pPr marL="0" lvl="0" indent="0" algn="l" rtl="0">
               <a:spcBef>
                 <a:spcPts val="1600"/>
               </a:spcBef>
@@ -8880,7 +9020,7 @@
               <a:t>Your contacts are </a:t>
             </a:r>
             <a:r>
-              <a:rPr b="1" lang="en-GB"/>
+              <a:rPr lang="en-GB" b="1"/>
               <a:t>responsive, never lost emails, don’t have excuses</a:t>
             </a:r>
             <a:r>
@@ -8890,7 +9030,7 @@
             <a:endParaRPr/>
           </a:p>
           <a:p>
-            <a:pPr indent="0" lvl="0" marL="0" rtl="0" algn="r">
+            <a:pPr marL="0" lvl="0" indent="0" algn="r" rtl="0">
               <a:spcBef>
                 <a:spcPts val="1600"/>
               </a:spcBef>
@@ -8900,13 +9040,13 @@
               <a:buNone/>
             </a:pPr>
             <a:r>
-              <a:rPr b="1" lang="en-GB"/>
+              <a:rPr lang="en-GB" b="1"/>
               <a:t>It’s improving!</a:t>
             </a:r>
             <a:endParaRPr b="1"/>
           </a:p>
           <a:p>
-            <a:pPr indent="0" lvl="0" marL="0" marR="0" rtl="0" algn="l">
+            <a:pPr marL="0" marR="0" lvl="0" indent="0" algn="l" rtl="0">
               <a:lnSpc>
                 <a:spcPct val="115000"/>
               </a:lnSpc>
@@ -8918,9 +9058,6 @@
               </a:spcAft>
               <a:buNone/>
             </a:pPr>
-            <a:r>
-              <a:t/>
-            </a:r>
             <a:endParaRPr b="1"/>
           </a:p>
         </p:txBody>
@@ -8928,9 +9065,11 @@
       <p:sp>
         <p:nvSpPr>
           <p:cNvPr id="179" name="Google Shape;179;p23"/>
-          <p:cNvSpPr txBox="1"/>
+          <p:cNvSpPr txBox="1">
+            <a:spLocks noGrp="1"/>
+          </p:cNvSpPr>
           <p:nvPr>
-            <p:ph idx="12" type="sldNum"/>
+            <p:ph type="sldNum" idx="12"/>
           </p:nvPr>
         </p:nvSpPr>
         <p:spPr>
@@ -8943,12 +9082,12 @@
           </a:prstGeom>
         </p:spPr>
         <p:txBody>
-          <a:bodyPr anchorCtr="0" anchor="ctr" bIns="91425" lIns="91425" spcFirstLastPara="1" rIns="91425" wrap="square" tIns="91425">
+          <a:bodyPr spcFirstLastPara="1" wrap="square" lIns="91425" tIns="91425" rIns="91425" bIns="91425" anchor="ctr" anchorCtr="0">
             <a:noAutofit/>
           </a:bodyPr>
           <a:lstStyle/>
           <a:p>
-            <a:pPr indent="0" lvl="0" marL="0" rtl="0" algn="r">
+            <a:pPr marL="0" lvl="0" indent="0" algn="r" rtl="0">
               <a:spcBef>
                 <a:spcPts val="0"/>
               </a:spcBef>
@@ -8959,7 +9098,7 @@
             </a:pPr>
             <a:fld id="{00000000-1234-1234-1234-123412341234}" type="slidenum">
               <a:rPr lang="en-GB"/>
-              <a:t>‹#›</a:t>
+              <a:t>11</a:t>
             </a:fld>
             <a:endParaRPr/>
           </a:p>
@@ -8974,11 +9113,11 @@
 </file>
 
 <file path=ppt/slides/slide12.xml><?xml version="1.0" encoding="utf-8"?>
-<p:sld xmlns:a="http://schemas.openxmlformats.org/drawingml/2006/main" xmlns:r="http://schemas.openxmlformats.org/officeDocument/2006/relationships" xmlns:mc="http://schemas.openxmlformats.org/markup-compatibility/2006" xmlns:mv="urn:schemas-microsoft-com:mac:vml" xmlns:p="http://schemas.openxmlformats.org/presentationml/2006/main" xmlns:c="http://schemas.openxmlformats.org/drawingml/2006/chart" xmlns:dgm="http://schemas.openxmlformats.org/drawingml/2006/diagram" xmlns:o="urn:schemas-microsoft-com:office:office" xmlns:v="urn:schemas-microsoft-com:vml" xmlns:pvml="urn:schemas-microsoft-com:office:powerpoint" xmlns:com="http://schemas.openxmlformats.org/drawingml/2006/compatibility" xmlns:p14="http://schemas.microsoft.com/office/powerpoint/2010/main" xmlns:p15="http://schemas.microsoft.com/office/powerpoint/2012/main">
+<p:sld xmlns:a="http://schemas.openxmlformats.org/drawingml/2006/main" xmlns:r="http://schemas.openxmlformats.org/officeDocument/2006/relationships" xmlns:p="http://schemas.openxmlformats.org/presentationml/2006/main">
   <p:cSld>
     <p:spTree>
       <p:nvGrpSpPr>
-        <p:cNvPr id="183" name="Shape 183"/>
+        <p:cNvPr id="1" name="Shape 183"/>
         <p:cNvGrpSpPr/>
         <p:nvPr/>
       </p:nvGrpSpPr>
@@ -8993,7 +9132,9 @@
       <p:sp>
         <p:nvSpPr>
           <p:cNvPr id="184" name="Google Shape;184;p24"/>
-          <p:cNvSpPr txBox="1"/>
+          <p:cNvSpPr txBox="1">
+            <a:spLocks noGrp="1"/>
+          </p:cNvSpPr>
           <p:nvPr>
             <p:ph type="title"/>
           </p:nvPr>
@@ -9008,12 +9149,12 @@
           </a:prstGeom>
         </p:spPr>
         <p:txBody>
-          <a:bodyPr anchorCtr="0" anchor="b" bIns="91425" lIns="91425" spcFirstLastPara="1" rIns="91425" wrap="square" tIns="91425">
+          <a:bodyPr spcFirstLastPara="1" wrap="square" lIns="91425" tIns="91425" rIns="91425" bIns="91425" anchor="b" anchorCtr="0">
             <a:noAutofit/>
           </a:bodyPr>
           <a:lstStyle/>
           <a:p>
-            <a:pPr indent="0" lvl="0" marL="0" rtl="0" algn="l">
+            <a:pPr marL="0" lvl="0" indent="0" algn="l" rtl="0">
               <a:spcBef>
                 <a:spcPts val="0"/>
               </a:spcBef>
@@ -9033,9 +9174,11 @@
       <p:sp>
         <p:nvSpPr>
           <p:cNvPr id="185" name="Google Shape;185;p24"/>
-          <p:cNvSpPr txBox="1"/>
+          <p:cNvSpPr txBox="1">
+            <a:spLocks noGrp="1"/>
+          </p:cNvSpPr>
           <p:nvPr>
-            <p:ph idx="12" type="sldNum"/>
+            <p:ph type="sldNum" idx="12"/>
           </p:nvPr>
         </p:nvSpPr>
         <p:spPr>
@@ -9048,12 +9191,12 @@
           </a:prstGeom>
         </p:spPr>
         <p:txBody>
-          <a:bodyPr anchorCtr="0" anchor="ctr" bIns="91425" lIns="91425" spcFirstLastPara="1" rIns="91425" wrap="square" tIns="91425">
+          <a:bodyPr spcFirstLastPara="1" wrap="square" lIns="91425" tIns="91425" rIns="91425" bIns="91425" anchor="ctr" anchorCtr="0">
             <a:noAutofit/>
           </a:bodyPr>
           <a:lstStyle/>
           <a:p>
-            <a:pPr indent="0" lvl="0" marL="0" rtl="0" algn="r">
+            <a:pPr marL="0" lvl="0" indent="0" algn="r" rtl="0">
               <a:spcBef>
                 <a:spcPts val="0"/>
               </a:spcBef>
@@ -9064,7 +9207,7 @@
             </a:pPr>
             <a:fld id="{00000000-1234-1234-1234-123412341234}" type="slidenum">
               <a:rPr lang="en-GB"/>
-              <a:t>‹#›</a:t>
+              <a:t>12</a:t>
             </a:fld>
             <a:endParaRPr/>
           </a:p>
@@ -9073,9 +9216,11 @@
       <p:sp>
         <p:nvSpPr>
           <p:cNvPr id="186" name="Google Shape;186;p24"/>
-          <p:cNvSpPr txBox="1"/>
+          <p:cNvSpPr txBox="1">
+            <a:spLocks noGrp="1"/>
+          </p:cNvSpPr>
           <p:nvPr>
-            <p:ph idx="1" type="body"/>
+            <p:ph type="body" idx="1"/>
           </p:nvPr>
         </p:nvSpPr>
         <p:spPr>
@@ -9088,12 +9233,12 @@
           </a:prstGeom>
         </p:spPr>
         <p:txBody>
-          <a:bodyPr anchorCtr="0" anchor="t" bIns="91425" lIns="91425" spcFirstLastPara="1" rIns="91425" wrap="square" tIns="91425">
+          <a:bodyPr spcFirstLastPara="1" wrap="square" lIns="91425" tIns="91425" rIns="91425" bIns="91425" anchor="t" anchorCtr="0">
             <a:noAutofit/>
           </a:bodyPr>
           <a:lstStyle/>
           <a:p>
-            <a:pPr indent="0" lvl="0" marL="0" rtl="0" algn="ctr">
+            <a:pPr marL="0" lvl="0" indent="0" algn="ctr" rtl="0">
               <a:spcBef>
                 <a:spcPts val="0"/>
               </a:spcBef>
@@ -9135,7 +9280,7 @@
             <a:endParaRPr/>
           </a:p>
           <a:p>
-            <a:pPr indent="0" lvl="0" marL="0" rtl="0" algn="l">
+            <a:pPr marL="0" lvl="0" indent="0" algn="l" rtl="0">
               <a:spcBef>
                 <a:spcPts val="1600"/>
               </a:spcBef>
@@ -9144,13 +9289,10 @@
               </a:spcAft>
               <a:buNone/>
             </a:pPr>
-            <a:r>
-              <a:t/>
-            </a:r>
             <a:endParaRPr/>
           </a:p>
           <a:p>
-            <a:pPr indent="0" lvl="0" marL="0" rtl="0" algn="ctr">
+            <a:pPr marL="0" lvl="0" indent="0" algn="ctr" rtl="0">
               <a:spcBef>
                 <a:spcPts val="1600"/>
               </a:spcBef>
@@ -9164,7 +9306,7 @@
               <a:t>If you need </a:t>
             </a:r>
             <a:r>
-              <a:rPr b="1" lang="en-GB"/>
+              <a:rPr lang="en-GB" b="1"/>
               <a:t>.bpmn</a:t>
             </a:r>
             <a:r>
@@ -9174,7 +9316,7 @@
             <a:endParaRPr/>
           </a:p>
           <a:p>
-            <a:pPr indent="0" lvl="0" marL="0" rtl="0" algn="l">
+            <a:pPr marL="0" lvl="0" indent="0" algn="l" rtl="0">
               <a:spcBef>
                 <a:spcPts val="1600"/>
               </a:spcBef>
@@ -9183,13 +9325,10 @@
               </a:spcAft>
               <a:buNone/>
             </a:pPr>
-            <a:r>
-              <a:t/>
-            </a:r>
             <a:endParaRPr/>
           </a:p>
           <a:p>
-            <a:pPr indent="0" lvl="0" marL="0" rtl="0" algn="ctr">
+            <a:pPr marL="0" lvl="0" indent="0" algn="ctr" rtl="0">
               <a:spcBef>
                 <a:spcPts val="1600"/>
               </a:spcBef>
@@ -9215,11 +9354,11 @@
 </file>
 
 <file path=ppt/slides/slide13.xml><?xml version="1.0" encoding="utf-8"?>
-<p:sld xmlns:a="http://schemas.openxmlformats.org/drawingml/2006/main" xmlns:r="http://schemas.openxmlformats.org/officeDocument/2006/relationships" xmlns:mc="http://schemas.openxmlformats.org/markup-compatibility/2006" xmlns:mv="urn:schemas-microsoft-com:mac:vml" xmlns:p="http://schemas.openxmlformats.org/presentationml/2006/main" xmlns:c="http://schemas.openxmlformats.org/drawingml/2006/chart" xmlns:dgm="http://schemas.openxmlformats.org/drawingml/2006/diagram" xmlns:o="urn:schemas-microsoft-com:office:office" xmlns:v="urn:schemas-microsoft-com:vml" xmlns:pvml="urn:schemas-microsoft-com:office:powerpoint" xmlns:com="http://schemas.openxmlformats.org/drawingml/2006/compatibility" xmlns:p14="http://schemas.microsoft.com/office/powerpoint/2010/main" xmlns:p15="http://schemas.microsoft.com/office/powerpoint/2012/main">
+<p:sld xmlns:a="http://schemas.openxmlformats.org/drawingml/2006/main" xmlns:r="http://schemas.openxmlformats.org/officeDocument/2006/relationships" xmlns:p="http://schemas.openxmlformats.org/presentationml/2006/main">
   <p:cSld>
     <p:spTree>
       <p:nvGrpSpPr>
-        <p:cNvPr id="190" name="Shape 190"/>
+        <p:cNvPr id="1" name="Shape 190"/>
         <p:cNvGrpSpPr/>
         <p:nvPr/>
       </p:nvGrpSpPr>
@@ -9238,49 +9377,46 @@
           <p:nvPr/>
         </p:nvSpPr>
         <p:spPr>
-          <a:xfrm flipH="1" rot="-5400000">
+          <a:xfrm rot="-5400000" flipH="1">
             <a:off x="-714100" y="3644225"/>
             <a:ext cx="5151300" cy="1107900"/>
           </a:xfrm>
           <a:prstGeom prst="bentArrow">
             <a:avLst>
-              <a:gd fmla="val 25000" name="adj1"/>
-              <a:gd fmla="val 21318" name="adj2"/>
-              <a:gd fmla="val 25000" name="adj3"/>
-              <a:gd fmla="val 43750" name="adj4"/>
+              <a:gd name="adj1" fmla="val 25000"/>
+              <a:gd name="adj2" fmla="val 21318"/>
+              <a:gd name="adj3" fmla="val 25000"/>
+              <a:gd name="adj4" fmla="val 43750"/>
             </a:avLst>
           </a:prstGeom>
           <a:solidFill>
             <a:srgbClr val="C9DAF8"/>
           </a:solidFill>
-          <a:ln cap="flat" cmpd="sng" w="9525">
+          <a:ln w="9525" cap="flat" cmpd="sng">
             <a:solidFill>
               <a:srgbClr val="C9DAF8"/>
             </a:solidFill>
             <a:prstDash val="solid"/>
             <a:round/>
-            <a:headEnd len="sm" w="sm" type="none"/>
-            <a:tailEnd len="sm" w="sm" type="none"/>
+            <a:headEnd type="none" w="sm" len="sm"/>
+            <a:tailEnd type="none" w="sm" len="sm"/>
           </a:ln>
         </p:spPr>
         <p:txBody>
-          <a:bodyPr anchorCtr="0" anchor="ctr" bIns="91425" lIns="91425" spcFirstLastPara="1" rIns="91425" wrap="square" tIns="91425">
+          <a:bodyPr spcFirstLastPara="1" wrap="square" lIns="91425" tIns="91425" rIns="91425" bIns="91425" anchor="ctr" anchorCtr="0">
             <a:noAutofit/>
           </a:bodyPr>
           <a:lstStyle/>
           <a:p>
-            <a:pPr indent="0" lvl="0" marL="0" rtl="0" algn="l">
-              <a:spcBef>
-                <a:spcPts val="0"/>
-              </a:spcBef>
-              <a:spcAft>
-                <a:spcPts val="0"/>
-              </a:spcAft>
-              <a:buNone/>
-            </a:pPr>
-            <a:r>
-              <a:t/>
-            </a:r>
+            <a:pPr marL="0" lvl="0" indent="0" algn="l" rtl="0">
+              <a:spcBef>
+                <a:spcPts val="0"/>
+              </a:spcBef>
+              <a:spcAft>
+                <a:spcPts val="0"/>
+              </a:spcAft>
+              <a:buNone/>
+            </a:pPr>
             <a:endParaRPr/>
           </a:p>
         </p:txBody>
@@ -9288,7 +9424,9 @@
       <p:sp>
         <p:nvSpPr>
           <p:cNvPr id="192" name="Google Shape;192;p25"/>
-          <p:cNvSpPr txBox="1"/>
+          <p:cNvSpPr txBox="1">
+            <a:spLocks noGrp="1"/>
+          </p:cNvSpPr>
           <p:nvPr>
             <p:ph type="title"/>
           </p:nvPr>
@@ -9303,12 +9441,12 @@
           </a:prstGeom>
         </p:spPr>
         <p:txBody>
-          <a:bodyPr anchorCtr="0" anchor="b" bIns="91425" lIns="91425" spcFirstLastPara="1" rIns="91425" wrap="square" tIns="91425">
+          <a:bodyPr spcFirstLastPara="1" wrap="square" lIns="91425" tIns="91425" rIns="91425" bIns="91425" anchor="b" anchorCtr="0">
             <a:noAutofit/>
           </a:bodyPr>
           <a:lstStyle/>
           <a:p>
-            <a:pPr indent="0" lvl="0" marL="0" rtl="0" algn="l">
+            <a:pPr marL="0" lvl="0" indent="0" algn="l" rtl="0">
               <a:spcBef>
                 <a:spcPts val="0"/>
               </a:spcBef>
@@ -9328,9 +9466,11 @@
       <p:sp>
         <p:nvSpPr>
           <p:cNvPr id="193" name="Google Shape;193;p25"/>
-          <p:cNvSpPr txBox="1"/>
+          <p:cNvSpPr txBox="1">
+            <a:spLocks noGrp="1"/>
+          </p:cNvSpPr>
           <p:nvPr>
-            <p:ph idx="1" type="body"/>
+            <p:ph type="body" idx="1"/>
           </p:nvPr>
         </p:nvSpPr>
         <p:spPr>
@@ -9343,14 +9483,26 @@
           </a:prstGeom>
         </p:spPr>
         <p:txBody>
-          <a:bodyPr anchorCtr="0" anchor="t" bIns="91425" lIns="91425" spcFirstLastPara="1" rIns="91425" wrap="square" tIns="91425">
+          <a:bodyPr spcFirstLastPara="1" wrap="square" lIns="91425" tIns="91425" rIns="91425" bIns="91425" anchor="t" anchorCtr="0">
             <a:noAutofit/>
           </a:bodyPr>
           <a:lstStyle/>
           <a:p>
-            <a:pPr indent="0" lvl="0" marL="0" rtl="0" algn="l">
-              <a:spcBef>
-                <a:spcPts val="0"/>
+            <a:pPr marL="0" lvl="0" indent="0" algn="l" rtl="0">
+              <a:spcBef>
+                <a:spcPts val="0"/>
+              </a:spcBef>
+              <a:spcAft>
+                <a:spcPts val="0"/>
+              </a:spcAft>
+              <a:buNone/>
+            </a:pPr>
+            <a:endParaRPr/>
+          </a:p>
+          <a:p>
+            <a:pPr marL="0" lvl="0" indent="0" algn="ctr" rtl="0">
+              <a:spcBef>
+                <a:spcPts val="1600"/>
               </a:spcBef>
               <a:spcAft>
                 <a:spcPts val="0"/>
@@ -9358,28 +9510,13 @@
               <a:buNone/>
             </a:pPr>
             <a:r>
-              <a:t/>
-            </a:r>
-            <a:endParaRPr/>
-          </a:p>
-          <a:p>
-            <a:pPr indent="0" lvl="0" marL="0" rtl="0" algn="ctr">
-              <a:spcBef>
-                <a:spcPts val="1600"/>
-              </a:spcBef>
-              <a:spcAft>
-                <a:spcPts val="0"/>
-              </a:spcAft>
-              <a:buNone/>
-            </a:pPr>
-            <a:r>
-              <a:rPr b="1" i="1" lang="en-GB" sz="2400"/>
+              <a:rPr lang="en-GB" sz="2400" b="1" i="1"/>
               <a:t>Like it, share it, comment it! </a:t>
             </a:r>
-            <a:endParaRPr b="1" i="1" sz="2400"/>
-          </a:p>
-          <a:p>
-            <a:pPr indent="0" lvl="0" marL="0" rtl="0" algn="l">
+            <a:endParaRPr sz="2400" b="1" i="1"/>
+          </a:p>
+          <a:p>
+            <a:pPr marL="0" lvl="0" indent="0" algn="l" rtl="0">
               <a:spcBef>
                 <a:spcPts val="1600"/>
               </a:spcBef>
@@ -9393,7 +9530,7 @@
               <a:t>And of course, don’t forget to </a:t>
             </a:r>
             <a:r>
-              <a:rPr b="1" lang="en-GB"/>
+              <a:rPr lang="en-GB" b="1"/>
               <a:t>reuse</a:t>
             </a:r>
             <a:r>
@@ -9403,7 +9540,7 @@
             <a:endParaRPr/>
           </a:p>
           <a:p>
-            <a:pPr indent="0" lvl="0" marL="0" rtl="0" algn="l">
+            <a:pPr marL="0" lvl="0" indent="0" algn="l" rtl="0">
               <a:spcBef>
                 <a:spcPts val="1600"/>
               </a:spcBef>
@@ -9417,7 +9554,7 @@
               <a:t>If you want to learn how to </a:t>
             </a:r>
             <a:r>
-              <a:rPr i="1" lang="en-GB"/>
+              <a:rPr lang="en-GB" i="1"/>
               <a:t>identify, model, optimize processes,</a:t>
             </a:r>
             <a:r>
@@ -9427,7 +9564,7 @@
             <a:endParaRPr/>
           </a:p>
           <a:p>
-            <a:pPr indent="-317500" lvl="1" marL="914400" rtl="0" algn="l">
+            <a:pPr marL="914400" lvl="1" indent="-317500" algn="l" rtl="0">
               <a:spcBef>
                 <a:spcPts val="1600"/>
               </a:spcBef>
@@ -9449,7 +9586,7 @@
             <a:endParaRPr/>
           </a:p>
           <a:p>
-            <a:pPr indent="-317500" lvl="1" marL="914400" rtl="0" algn="l">
+            <a:pPr marL="914400" lvl="1" indent="-317500" algn="l" rtl="0">
               <a:spcBef>
                 <a:spcPts val="0"/>
               </a:spcBef>
@@ -9471,7 +9608,7 @@
             <a:endParaRPr/>
           </a:p>
           <a:p>
-            <a:pPr indent="-317500" lvl="1" marL="914400" rtl="0" algn="l">
+            <a:pPr marL="914400" lvl="1" indent="-317500" algn="l" rtl="0">
               <a:spcBef>
                 <a:spcPts val="0"/>
               </a:spcBef>
@@ -9496,7 +9633,7 @@
             <a:endParaRPr/>
           </a:p>
           <a:p>
-            <a:pPr indent="457200" lvl="0" marL="2286000" rtl="0" algn="l">
+            <a:pPr marL="2286000" lvl="0" indent="457200" algn="l" rtl="0">
               <a:spcBef>
                 <a:spcPts val="1600"/>
               </a:spcBef>
@@ -9521,7 +9658,7 @@
             <a:endParaRPr/>
           </a:p>
           <a:p>
-            <a:pPr indent="457200" lvl="0" marL="2286000" rtl="0" algn="l">
+            <a:pPr marL="2286000" lvl="0" indent="457200" algn="l" rtl="0">
               <a:spcBef>
                 <a:spcPts val="1600"/>
               </a:spcBef>
@@ -9546,7 +9683,7 @@
             <a:endParaRPr/>
           </a:p>
           <a:p>
-            <a:pPr indent="457200" lvl="0" marL="2286000" rtl="0" algn="l">
+            <a:pPr marL="2286000" lvl="0" indent="457200" algn="l" rtl="0">
               <a:spcBef>
                 <a:spcPts val="1600"/>
               </a:spcBef>
@@ -9575,7 +9712,7 @@
             <a:endParaRPr/>
           </a:p>
           <a:p>
-            <a:pPr indent="457200" lvl="0" marL="2286000" rtl="0" algn="l">
+            <a:pPr marL="2286000" lvl="0" indent="457200" algn="l" rtl="0">
               <a:spcBef>
                 <a:spcPts val="1600"/>
               </a:spcBef>
@@ -9604,9 +9741,11 @@
       <p:sp>
         <p:nvSpPr>
           <p:cNvPr id="194" name="Google Shape;194;p25"/>
-          <p:cNvSpPr txBox="1"/>
+          <p:cNvSpPr txBox="1">
+            <a:spLocks noGrp="1"/>
+          </p:cNvSpPr>
           <p:nvPr>
-            <p:ph idx="12" type="sldNum"/>
+            <p:ph type="sldNum" idx="12"/>
           </p:nvPr>
         </p:nvSpPr>
         <p:spPr>
@@ -9619,12 +9758,12 @@
           </a:prstGeom>
         </p:spPr>
         <p:txBody>
-          <a:bodyPr anchorCtr="0" anchor="ctr" bIns="91425" lIns="91425" spcFirstLastPara="1" rIns="91425" wrap="square" tIns="91425">
+          <a:bodyPr spcFirstLastPara="1" wrap="square" lIns="91425" tIns="91425" rIns="91425" bIns="91425" anchor="ctr" anchorCtr="0">
             <a:noAutofit/>
           </a:bodyPr>
           <a:lstStyle/>
           <a:p>
-            <a:pPr indent="0" lvl="0" marL="0" rtl="0" algn="r">
+            <a:pPr marL="0" lvl="0" indent="0" algn="r" rtl="0">
               <a:spcBef>
                 <a:spcPts val="0"/>
               </a:spcBef>
@@ -9635,7 +9774,7 @@
             </a:pPr>
             <a:fld id="{00000000-1234-1234-1234-123412341234}" type="slidenum">
               <a:rPr lang="en-GB"/>
-              <a:t>‹#›</a:t>
+              <a:t>13</a:t>
             </a:fld>
             <a:endParaRPr/>
           </a:p>
@@ -9748,7 +9887,7 @@
           </a:xfrm>
           <a:prstGeom prst="roundRect">
             <a:avLst>
-              <a:gd fmla="val 16667" name="adj"/>
+              <a:gd name="adj" fmla="val 16667"/>
             </a:avLst>
           </a:prstGeom>
           <a:noFill/>
@@ -9794,11 +9933,11 @@
 </file>
 
 <file path=ppt/slides/slide2.xml><?xml version="1.0" encoding="utf-8"?>
-<p:sld xmlns:a="http://schemas.openxmlformats.org/drawingml/2006/main" xmlns:r="http://schemas.openxmlformats.org/officeDocument/2006/relationships" xmlns:mc="http://schemas.openxmlformats.org/markup-compatibility/2006" xmlns:mv="urn:schemas-microsoft-com:mac:vml" xmlns:p="http://schemas.openxmlformats.org/presentationml/2006/main" xmlns:c="http://schemas.openxmlformats.org/drawingml/2006/chart" xmlns:dgm="http://schemas.openxmlformats.org/drawingml/2006/diagram" xmlns:o="urn:schemas-microsoft-com:office:office" xmlns:v="urn:schemas-microsoft-com:vml" xmlns:pvml="urn:schemas-microsoft-com:office:powerpoint" xmlns:com="http://schemas.openxmlformats.org/drawingml/2006/compatibility" xmlns:p14="http://schemas.microsoft.com/office/powerpoint/2010/main" xmlns:p15="http://schemas.microsoft.com/office/powerpoint/2012/main">
+<p:sld xmlns:a="http://schemas.openxmlformats.org/drawingml/2006/main" xmlns:r="http://schemas.openxmlformats.org/officeDocument/2006/relationships" xmlns:p="http://schemas.openxmlformats.org/presentationml/2006/main">
   <p:cSld>
     <p:spTree>
       <p:nvGrpSpPr>
-        <p:cNvPr id="77" name="Shape 77"/>
+        <p:cNvPr id="1" name="Shape 77"/>
         <p:cNvGrpSpPr/>
         <p:nvPr/>
       </p:nvGrpSpPr>
@@ -9813,7 +9952,9 @@
       <p:sp>
         <p:nvSpPr>
           <p:cNvPr id="78" name="Google Shape;78;p14"/>
-          <p:cNvSpPr txBox="1"/>
+          <p:cNvSpPr txBox="1">
+            <a:spLocks noGrp="1"/>
+          </p:cNvSpPr>
           <p:nvPr>
             <p:ph type="title"/>
           </p:nvPr>
@@ -9828,12 +9969,12 @@
           </a:prstGeom>
         </p:spPr>
         <p:txBody>
-          <a:bodyPr anchorCtr="0" anchor="b" bIns="91425" lIns="91425" spcFirstLastPara="1" rIns="91425" wrap="square" tIns="91425">
+          <a:bodyPr spcFirstLastPara="1" wrap="square" lIns="91425" tIns="91425" rIns="91425" bIns="91425" anchor="b" anchorCtr="0">
             <a:noAutofit/>
           </a:bodyPr>
           <a:lstStyle/>
           <a:p>
-            <a:pPr indent="0" lvl="0" marL="0" rtl="0" algn="l">
+            <a:pPr marL="0" lvl="0" indent="0" algn="l" rtl="0">
               <a:spcBef>
                 <a:spcPts val="0"/>
               </a:spcBef>
@@ -9853,9 +9994,11 @@
       <p:sp>
         <p:nvSpPr>
           <p:cNvPr id="79" name="Google Shape;79;p14"/>
-          <p:cNvSpPr txBox="1"/>
+          <p:cNvSpPr txBox="1">
+            <a:spLocks noGrp="1"/>
+          </p:cNvSpPr>
           <p:nvPr>
-            <p:ph idx="1" type="body"/>
+            <p:ph type="body" idx="1"/>
           </p:nvPr>
         </p:nvSpPr>
         <p:spPr>
@@ -9868,12 +10011,12 @@
           </a:prstGeom>
         </p:spPr>
         <p:txBody>
-          <a:bodyPr anchorCtr="0" anchor="t" bIns="91425" lIns="91425" spcFirstLastPara="1" rIns="91425" wrap="square" tIns="91425">
+          <a:bodyPr spcFirstLastPara="1" wrap="square" lIns="91425" tIns="91425" rIns="91425" bIns="91425" anchor="t" anchorCtr="0">
             <a:noAutofit/>
           </a:bodyPr>
           <a:lstStyle/>
           <a:p>
-            <a:pPr indent="0" lvl="0" marL="0" rtl="0" algn="l">
+            <a:pPr marL="0" lvl="0" indent="0" algn="l" rtl="0">
               <a:spcBef>
                 <a:spcPts val="0"/>
               </a:spcBef>
@@ -9883,21 +10026,25 @@
               <a:buNone/>
             </a:pPr>
             <a:r>
-              <a:rPr lang="en-GB"/>
+              <a:rPr lang="en-GB" dirty="0"/>
               <a:t>Managing your </a:t>
             </a:r>
             <a:r>
-              <a:rPr b="1" lang="en-GB"/>
+              <a:rPr lang="en-GB" b="1" dirty="0"/>
               <a:t>inbox is easy</a:t>
             </a:r>
             <a:r>
-              <a:rPr lang="en-GB"/>
+              <a:rPr lang="en-GB" dirty="0"/>
               <a:t>, right?</a:t>
             </a:r>
+            <a:r>
+              <a:rPr lang="sl-SI"/>
+              <a:t> </a:t>
+            </a:r>
             <a:endParaRPr/>
           </a:p>
           <a:p>
-            <a:pPr indent="0" lvl="0" marL="0" rtl="0" algn="l">
+            <a:pPr marL="0" lvl="0" indent="0" algn="l" rtl="0">
               <a:spcBef>
                 <a:spcPts val="1600"/>
               </a:spcBef>
@@ -9906,29 +10053,26 @@
               </a:spcAft>
               <a:buNone/>
             </a:pPr>
+            <a:endParaRPr b="1" dirty="0"/>
+          </a:p>
+          <a:p>
+            <a:pPr marL="0" lvl="0" indent="0" algn="r" rtl="0">
+              <a:spcBef>
+                <a:spcPts val="1600"/>
+              </a:spcBef>
+              <a:spcAft>
+                <a:spcPts val="0"/>
+              </a:spcAft>
+              <a:buNone/>
+            </a:pPr>
             <a:r>
-              <a:t/>
-            </a:r>
-            <a:endParaRPr b="1"/>
-          </a:p>
-          <a:p>
-            <a:pPr indent="0" lvl="0" marL="0" rtl="0" algn="r">
-              <a:spcBef>
-                <a:spcPts val="1600"/>
-              </a:spcBef>
-              <a:spcAft>
-                <a:spcPts val="0"/>
-              </a:spcAft>
-              <a:buNone/>
-            </a:pPr>
-            <a:r>
-              <a:rPr b="1" lang="en-GB"/>
+              <a:rPr lang="en-GB" b="1" dirty="0"/>
               <a:t>Wrong!</a:t>
             </a:r>
-            <a:endParaRPr b="1"/>
-          </a:p>
-          <a:p>
-            <a:pPr indent="0" lvl="0" marL="0" rtl="0" algn="r">
+            <a:endParaRPr b="1" dirty="0"/>
+          </a:p>
+          <a:p>
+            <a:pPr marL="0" lvl="0" indent="0" algn="r" rtl="0">
               <a:spcBef>
                 <a:spcPts val="1600"/>
               </a:spcBef>
@@ -9937,37 +10081,34 @@
               </a:spcAft>
               <a:buNone/>
             </a:pPr>
+            <a:endParaRPr b="1" dirty="0"/>
+          </a:p>
+          <a:p>
+            <a:pPr marL="0" lvl="0" indent="0" algn="l" rtl="0">
+              <a:spcBef>
+                <a:spcPts val="1600"/>
+              </a:spcBef>
+              <a:spcAft>
+                <a:spcPts val="0"/>
+              </a:spcAft>
+              <a:buNone/>
+            </a:pPr>
             <a:r>
-              <a:t/>
-            </a:r>
-            <a:endParaRPr b="1"/>
-          </a:p>
-          <a:p>
-            <a:pPr indent="0" lvl="0" marL="0" rtl="0" algn="l">
-              <a:spcBef>
-                <a:spcPts val="1600"/>
-              </a:spcBef>
-              <a:spcAft>
-                <a:spcPts val="0"/>
-              </a:spcAft>
-              <a:buNone/>
-            </a:pPr>
-            <a:r>
-              <a:rPr lang="en-GB"/>
+              <a:rPr lang="en-GB" dirty="0"/>
               <a:t>Your employees</a:t>
             </a:r>
             <a:r>
-              <a:rPr b="1" lang="en-GB"/>
+              <a:rPr lang="en-GB" b="1" dirty="0"/>
               <a:t> know how to communicate, </a:t>
             </a:r>
             <a:r>
-              <a:rPr lang="en-GB"/>
+              <a:rPr lang="en-GB" dirty="0"/>
               <a:t>right?</a:t>
             </a:r>
-            <a:endParaRPr/>
-          </a:p>
-          <a:p>
-            <a:pPr indent="0" lvl="0" marL="0" rtl="0" algn="l">
+            <a:endParaRPr dirty="0"/>
+          </a:p>
+          <a:p>
+            <a:pPr marL="0" lvl="0" indent="0" algn="l" rtl="0">
               <a:spcBef>
                 <a:spcPts val="1600"/>
               </a:spcBef>
@@ -9976,29 +10117,26 @@
               </a:spcAft>
               <a:buNone/>
             </a:pPr>
+            <a:endParaRPr b="1" dirty="0"/>
+          </a:p>
+          <a:p>
+            <a:pPr marL="0" lvl="0" indent="0" algn="r" rtl="0">
+              <a:spcBef>
+                <a:spcPts val="1600"/>
+              </a:spcBef>
+              <a:spcAft>
+                <a:spcPts val="0"/>
+              </a:spcAft>
+              <a:buNone/>
+            </a:pPr>
             <a:r>
-              <a:t/>
-            </a:r>
-            <a:endParaRPr b="1"/>
-          </a:p>
-          <a:p>
-            <a:pPr indent="0" lvl="0" marL="0" rtl="0" algn="r">
-              <a:spcBef>
-                <a:spcPts val="1600"/>
-              </a:spcBef>
-              <a:spcAft>
-                <a:spcPts val="0"/>
-              </a:spcAft>
-              <a:buNone/>
-            </a:pPr>
-            <a:r>
-              <a:rPr b="1" lang="en-GB"/>
+              <a:rPr lang="en-GB" b="1" dirty="0"/>
               <a:t>Wrong!</a:t>
             </a:r>
-            <a:endParaRPr b="1"/>
-          </a:p>
-          <a:p>
-            <a:pPr indent="0" lvl="0" marL="0" rtl="0" algn="l">
+            <a:endParaRPr b="1" dirty="0"/>
+          </a:p>
+          <a:p>
+            <a:pPr marL="0" lvl="0" indent="0" algn="l" rtl="0">
               <a:spcBef>
                 <a:spcPts val="1600"/>
               </a:spcBef>
@@ -10007,37 +10145,34 @@
               </a:spcAft>
               <a:buNone/>
             </a:pPr>
+            <a:endParaRPr dirty="0"/>
+          </a:p>
+          <a:p>
+            <a:pPr marL="0" lvl="0" indent="0" algn="l" rtl="0">
+              <a:spcBef>
+                <a:spcPts val="1600"/>
+              </a:spcBef>
+              <a:spcAft>
+                <a:spcPts val="0"/>
+              </a:spcAft>
+              <a:buNone/>
+            </a:pPr>
             <a:r>
-              <a:t/>
-            </a:r>
-            <a:endParaRPr/>
-          </a:p>
-          <a:p>
-            <a:pPr indent="0" lvl="0" marL="0" rtl="0" algn="l">
-              <a:spcBef>
-                <a:spcPts val="1600"/>
-              </a:spcBef>
-              <a:spcAft>
-                <a:spcPts val="0"/>
-              </a:spcAft>
-              <a:buNone/>
-            </a:pPr>
-            <a:r>
-              <a:rPr lang="en-GB"/>
+              <a:rPr lang="en-GB" dirty="0"/>
               <a:t>Your contacts are </a:t>
             </a:r>
             <a:r>
-              <a:rPr b="1" lang="en-GB"/>
+              <a:rPr lang="en-GB" b="1" dirty="0"/>
               <a:t>responsive, never lost emails, don’t have excuses</a:t>
             </a:r>
             <a:r>
-              <a:rPr lang="en-GB"/>
+              <a:rPr lang="en-GB" dirty="0"/>
               <a:t>, right?</a:t>
             </a:r>
-            <a:endParaRPr/>
-          </a:p>
-          <a:p>
-            <a:pPr indent="0" lvl="0" marL="0" rtl="0" algn="l">
+            <a:endParaRPr dirty="0"/>
+          </a:p>
+          <a:p>
+            <a:pPr marL="0" lvl="0" indent="0" algn="l" rtl="0">
               <a:spcBef>
                 <a:spcPts val="1600"/>
               </a:spcBef>
@@ -10046,29 +10181,26 @@
               </a:spcAft>
               <a:buNone/>
             </a:pPr>
+            <a:endParaRPr dirty="0"/>
+          </a:p>
+          <a:p>
+            <a:pPr marL="0" lvl="0" indent="0" algn="r" rtl="0">
+              <a:spcBef>
+                <a:spcPts val="1600"/>
+              </a:spcBef>
+              <a:spcAft>
+                <a:spcPts val="0"/>
+              </a:spcAft>
+              <a:buNone/>
+            </a:pPr>
             <a:r>
-              <a:t/>
-            </a:r>
-            <a:endParaRPr/>
-          </a:p>
-          <a:p>
-            <a:pPr indent="0" lvl="0" marL="0" rtl="0" algn="r">
-              <a:spcBef>
-                <a:spcPts val="1600"/>
-              </a:spcBef>
-              <a:spcAft>
-                <a:spcPts val="0"/>
-              </a:spcAft>
-              <a:buNone/>
-            </a:pPr>
-            <a:r>
-              <a:rPr b="1" lang="en-GB"/>
+              <a:rPr lang="en-GB" b="1" dirty="0"/>
               <a:t>Wrong!</a:t>
             </a:r>
-            <a:endParaRPr b="1"/>
-          </a:p>
-          <a:p>
-            <a:pPr indent="0" lvl="0" marL="0" marR="0" rtl="0" algn="l">
+            <a:endParaRPr b="1" dirty="0"/>
+          </a:p>
+          <a:p>
+            <a:pPr marL="0" marR="0" lvl="0" indent="0" algn="l" rtl="0">
               <a:lnSpc>
                 <a:spcPct val="115000"/>
               </a:lnSpc>
@@ -10080,19 +10212,18 @@
               </a:spcAft>
               <a:buNone/>
             </a:pPr>
-            <a:r>
-              <a:t/>
-            </a:r>
-            <a:endParaRPr b="1"/>
+            <a:endParaRPr b="1" dirty="0"/>
           </a:p>
         </p:txBody>
       </p:sp>
       <p:sp>
         <p:nvSpPr>
           <p:cNvPr id="80" name="Google Shape;80;p14"/>
-          <p:cNvSpPr txBox="1"/>
+          <p:cNvSpPr txBox="1">
+            <a:spLocks noGrp="1"/>
+          </p:cNvSpPr>
           <p:nvPr>
-            <p:ph idx="12" type="sldNum"/>
+            <p:ph type="sldNum" idx="12"/>
           </p:nvPr>
         </p:nvSpPr>
         <p:spPr>
@@ -10105,12 +10236,12 @@
           </a:prstGeom>
         </p:spPr>
         <p:txBody>
-          <a:bodyPr anchorCtr="0" anchor="ctr" bIns="91425" lIns="91425" spcFirstLastPara="1" rIns="91425" wrap="square" tIns="91425">
+          <a:bodyPr spcFirstLastPara="1" wrap="square" lIns="91425" tIns="91425" rIns="91425" bIns="91425" anchor="ctr" anchorCtr="0">
             <a:noAutofit/>
           </a:bodyPr>
           <a:lstStyle/>
           <a:p>
-            <a:pPr indent="0" lvl="0" marL="0" rtl="0" algn="r">
+            <a:pPr marL="0" lvl="0" indent="0" algn="r" rtl="0">
               <a:spcBef>
                 <a:spcPts val="0"/>
               </a:spcBef>
@@ -10121,7 +10252,7 @@
             </a:pPr>
             <a:fld id="{00000000-1234-1234-1234-123412341234}" type="slidenum">
               <a:rPr lang="en-GB"/>
-              <a:t>‹#›</a:t>
+              <a:t>2</a:t>
             </a:fld>
             <a:endParaRPr/>
           </a:p>
@@ -10136,11 +10267,11 @@
 </file>
 
 <file path=ppt/slides/slide3.xml><?xml version="1.0" encoding="utf-8"?>
-<p:sld xmlns:a="http://schemas.openxmlformats.org/drawingml/2006/main" xmlns:r="http://schemas.openxmlformats.org/officeDocument/2006/relationships" xmlns:mc="http://schemas.openxmlformats.org/markup-compatibility/2006" xmlns:mv="urn:schemas-microsoft-com:mac:vml" xmlns:p="http://schemas.openxmlformats.org/presentationml/2006/main" xmlns:c="http://schemas.openxmlformats.org/drawingml/2006/chart" xmlns:dgm="http://schemas.openxmlformats.org/drawingml/2006/diagram" xmlns:o="urn:schemas-microsoft-com:office:office" xmlns:v="urn:schemas-microsoft-com:vml" xmlns:pvml="urn:schemas-microsoft-com:office:powerpoint" xmlns:com="http://schemas.openxmlformats.org/drawingml/2006/compatibility" xmlns:p14="http://schemas.microsoft.com/office/powerpoint/2010/main" xmlns:p15="http://schemas.microsoft.com/office/powerpoint/2012/main">
+<p:sld xmlns:a="http://schemas.openxmlformats.org/drawingml/2006/main" xmlns:r="http://schemas.openxmlformats.org/officeDocument/2006/relationships" xmlns:p="http://schemas.openxmlformats.org/presentationml/2006/main">
   <p:cSld>
     <p:spTree>
       <p:nvGrpSpPr>
-        <p:cNvPr id="84" name="Shape 84"/>
+        <p:cNvPr id="1" name="Shape 84"/>
         <p:cNvGrpSpPr/>
         <p:nvPr/>
       </p:nvGrpSpPr>
@@ -10155,7 +10286,9 @@
       <p:sp>
         <p:nvSpPr>
           <p:cNvPr id="85" name="Google Shape;85;p15"/>
-          <p:cNvSpPr txBox="1"/>
+          <p:cNvSpPr txBox="1">
+            <a:spLocks noGrp="1"/>
+          </p:cNvSpPr>
           <p:nvPr>
             <p:ph type="title"/>
           </p:nvPr>
@@ -10170,12 +10303,12 @@
           </a:prstGeom>
         </p:spPr>
         <p:txBody>
-          <a:bodyPr anchorCtr="0" anchor="b" bIns="91425" lIns="91425" spcFirstLastPara="1" rIns="91425" wrap="square" tIns="91425">
+          <a:bodyPr spcFirstLastPara="1" wrap="square" lIns="91425" tIns="91425" rIns="91425" bIns="91425" anchor="b" anchorCtr="0">
             <a:noAutofit/>
           </a:bodyPr>
           <a:lstStyle/>
           <a:p>
-            <a:pPr indent="0" lvl="0" marL="0" rtl="0" algn="l">
+            <a:pPr marL="0" lvl="0" indent="0" algn="l" rtl="0">
               <a:spcBef>
                 <a:spcPts val="0"/>
               </a:spcBef>
@@ -10195,9 +10328,11 @@
       <p:sp>
         <p:nvSpPr>
           <p:cNvPr id="86" name="Google Shape;86;p15"/>
-          <p:cNvSpPr txBox="1"/>
+          <p:cNvSpPr txBox="1">
+            <a:spLocks noGrp="1"/>
+          </p:cNvSpPr>
           <p:nvPr>
-            <p:ph idx="1" type="body"/>
+            <p:ph type="body" idx="1"/>
           </p:nvPr>
         </p:nvSpPr>
         <p:spPr>
@@ -10210,12 +10345,12 @@
           </a:prstGeom>
         </p:spPr>
         <p:txBody>
-          <a:bodyPr anchorCtr="0" anchor="t" bIns="91425" lIns="91425" spcFirstLastPara="1" rIns="91425" wrap="square" tIns="91425">
+          <a:bodyPr spcFirstLastPara="1" wrap="square" lIns="91425" tIns="91425" rIns="91425" bIns="91425" anchor="t" anchorCtr="0">
             <a:noAutofit/>
           </a:bodyPr>
           <a:lstStyle/>
           <a:p>
-            <a:pPr indent="-342900" lvl="0" marL="457200" rtl="0" algn="l">
+            <a:pPr marL="457200" lvl="0" indent="-342900" algn="l" rtl="0">
               <a:spcBef>
                 <a:spcPts val="0"/>
               </a:spcBef>
@@ -10226,7 +10361,7 @@
               <a:buChar char="●"/>
             </a:pPr>
             <a:r>
-              <a:rPr b="1" lang="en-GB"/>
+              <a:rPr lang="en-GB" b="1"/>
               <a:t>The challenge</a:t>
             </a:r>
             <a:r>
@@ -10234,7 +10369,7 @@
               <a:t> we are trying to solve with the “</a:t>
             </a:r>
             <a:r>
-              <a:rPr i="1" lang="en-GB"/>
+              <a:rPr lang="en-GB" i="1"/>
               <a:t>Email management process</a:t>
             </a:r>
             <a:r>
@@ -10244,7 +10379,7 @@
             <a:endParaRPr/>
           </a:p>
           <a:p>
-            <a:pPr indent="-317500" lvl="1" marL="914400" rtl="0" algn="l">
+            <a:pPr marL="914400" lvl="1" indent="-317500" algn="l" rtl="0">
               <a:spcBef>
                 <a:spcPts val="0"/>
               </a:spcBef>
@@ -10259,13 +10394,13 @@
               <a:t>ensuring sender / customer </a:t>
             </a:r>
             <a:r>
-              <a:rPr b="1" lang="en-GB"/>
+              <a:rPr lang="en-GB" b="1"/>
               <a:t>satisfaction</a:t>
             </a:r>
             <a:endParaRPr b="1"/>
           </a:p>
           <a:p>
-            <a:pPr indent="-317500" lvl="1" marL="914400" rtl="0" algn="l">
+            <a:pPr marL="914400" lvl="1" indent="-317500" algn="l" rtl="0">
               <a:spcBef>
                 <a:spcPts val="0"/>
               </a:spcBef>
@@ -10280,13 +10415,13 @@
               <a:t>ensuring organization's </a:t>
             </a:r>
             <a:r>
-              <a:rPr b="1" lang="en-GB"/>
+              <a:rPr lang="en-GB" b="1"/>
               <a:t>reputation</a:t>
             </a:r>
             <a:endParaRPr b="1"/>
           </a:p>
           <a:p>
-            <a:pPr indent="-317500" lvl="1" marL="914400" rtl="0" algn="l">
+            <a:pPr marL="914400" lvl="1" indent="-317500" algn="l" rtl="0">
               <a:spcBef>
                 <a:spcPts val="0"/>
               </a:spcBef>
@@ -10301,7 +10436,7 @@
               <a:t>ensuring proper </a:t>
             </a:r>
             <a:r>
-              <a:rPr b="1" lang="en-GB"/>
+              <a:rPr lang="en-GB" b="1"/>
               <a:t>routing</a:t>
             </a:r>
             <a:r>
@@ -10311,7 +10446,7 @@
             <a:endParaRPr/>
           </a:p>
           <a:p>
-            <a:pPr indent="-317500" lvl="1" marL="914400" rtl="0" algn="l">
+            <a:pPr marL="914400" lvl="1" indent="-317500" algn="l" rtl="0">
               <a:spcBef>
                 <a:spcPts val="0"/>
               </a:spcBef>
@@ -10326,7 +10461,7 @@
               <a:t>ensuring </a:t>
             </a:r>
             <a:r>
-              <a:rPr b="1" lang="en-GB"/>
+              <a:rPr lang="en-GB" b="1"/>
               <a:t>standardized response of employees</a:t>
             </a:r>
             <a:r>
@@ -10336,7 +10471,7 @@
             <a:endParaRPr/>
           </a:p>
           <a:p>
-            <a:pPr indent="-317500" lvl="1" marL="914400" rtl="0" algn="l">
+            <a:pPr marL="914400" lvl="1" indent="-317500" algn="l" rtl="0">
               <a:spcBef>
                 <a:spcPts val="0"/>
               </a:spcBef>
@@ -10351,13 +10486,13 @@
               <a:t>improving </a:t>
             </a:r>
             <a:r>
-              <a:rPr b="1" lang="en-GB"/>
+              <a:rPr lang="en-GB" b="1"/>
               <a:t>communication culture and netiquette</a:t>
             </a:r>
             <a:endParaRPr b="1"/>
           </a:p>
           <a:p>
-            <a:pPr indent="-317500" lvl="1" marL="914400" rtl="0" algn="l">
+            <a:pPr marL="914400" lvl="1" indent="-317500" algn="l" rtl="0">
               <a:spcBef>
                 <a:spcPts val="0"/>
               </a:spcBef>
@@ -10368,13 +10503,13 @@
               <a:buChar char="○"/>
             </a:pPr>
             <a:r>
-              <a:rPr b="1" lang="en-GB"/>
+              <a:rPr lang="en-GB" b="1"/>
               <a:t>improving self-management</a:t>
             </a:r>
             <a:endParaRPr b="1"/>
           </a:p>
           <a:p>
-            <a:pPr indent="0" lvl="0" marL="0" rtl="0" algn="l">
+            <a:pPr marL="0" lvl="0" indent="0" algn="l" rtl="0">
               <a:spcBef>
                 <a:spcPts val="1600"/>
               </a:spcBef>
@@ -10383,13 +10518,10 @@
               </a:spcAft>
               <a:buNone/>
             </a:pPr>
-            <a:r>
-              <a:t/>
-            </a:r>
             <a:endParaRPr b="1"/>
           </a:p>
           <a:p>
-            <a:pPr indent="-342900" lvl="0" marL="457200" rtl="0" algn="l">
+            <a:pPr marL="457200" lvl="0" indent="-342900" algn="l" rtl="0">
               <a:spcBef>
                 <a:spcPts val="1600"/>
               </a:spcBef>
@@ -10400,13 +10532,13 @@
               <a:buChar char="●"/>
             </a:pPr>
             <a:r>
-              <a:rPr b="1" lang="en-GB"/>
+              <a:rPr lang="en-GB" b="1"/>
               <a:t>Context</a:t>
             </a:r>
             <a:endParaRPr b="1"/>
           </a:p>
           <a:p>
-            <a:pPr indent="-317500" lvl="1" marL="914400" rtl="0" algn="l">
+            <a:pPr marL="914400" lvl="1" indent="-317500" algn="l" rtl="0">
               <a:spcBef>
                 <a:spcPts val="0"/>
               </a:spcBef>
@@ -10423,7 +10555,7 @@
             <a:endParaRPr/>
           </a:p>
           <a:p>
-            <a:pPr indent="-317500" lvl="1" marL="914400" rtl="0" algn="l">
+            <a:pPr marL="914400" lvl="1" indent="-317500" algn="l" rtl="0">
               <a:spcBef>
                 <a:spcPts val="0"/>
               </a:spcBef>
@@ -10440,7 +10572,7 @@
             <a:endParaRPr/>
           </a:p>
           <a:p>
-            <a:pPr indent="-317500" lvl="1" marL="914400" rtl="0" algn="l">
+            <a:pPr marL="914400" lvl="1" indent="-317500" algn="l" rtl="0">
               <a:spcBef>
                 <a:spcPts val="0"/>
               </a:spcBef>
@@ -10461,9 +10593,11 @@
       <p:sp>
         <p:nvSpPr>
           <p:cNvPr id="87" name="Google Shape;87;p15"/>
-          <p:cNvSpPr txBox="1"/>
+          <p:cNvSpPr txBox="1">
+            <a:spLocks noGrp="1"/>
+          </p:cNvSpPr>
           <p:nvPr>
-            <p:ph idx="12" type="sldNum"/>
+            <p:ph type="sldNum" idx="12"/>
           </p:nvPr>
         </p:nvSpPr>
         <p:spPr>
@@ -10476,12 +10610,12 @@
           </a:prstGeom>
         </p:spPr>
         <p:txBody>
-          <a:bodyPr anchorCtr="0" anchor="ctr" bIns="91425" lIns="91425" spcFirstLastPara="1" rIns="91425" wrap="square" tIns="91425">
+          <a:bodyPr spcFirstLastPara="1" wrap="square" lIns="91425" tIns="91425" rIns="91425" bIns="91425" anchor="ctr" anchorCtr="0">
             <a:noAutofit/>
           </a:bodyPr>
           <a:lstStyle/>
           <a:p>
-            <a:pPr indent="0" lvl="0" marL="0" rtl="0" algn="r">
+            <a:pPr marL="0" lvl="0" indent="0" algn="r" rtl="0">
               <a:spcBef>
                 <a:spcPts val="0"/>
               </a:spcBef>
@@ -10492,7 +10626,7 @@
             </a:pPr>
             <a:fld id="{00000000-1234-1234-1234-123412341234}" type="slidenum">
               <a:rPr lang="en-GB"/>
-              <a:t>‹#›</a:t>
+              <a:t>3</a:t>
             </a:fld>
             <a:endParaRPr/>
           </a:p>
@@ -10507,11 +10641,11 @@
 </file>
 
 <file path=ppt/slides/slide4.xml><?xml version="1.0" encoding="utf-8"?>
-<p:sld xmlns:a="http://schemas.openxmlformats.org/drawingml/2006/main" xmlns:r="http://schemas.openxmlformats.org/officeDocument/2006/relationships" xmlns:mc="http://schemas.openxmlformats.org/markup-compatibility/2006" xmlns:mv="urn:schemas-microsoft-com:mac:vml" xmlns:p="http://schemas.openxmlformats.org/presentationml/2006/main" xmlns:c="http://schemas.openxmlformats.org/drawingml/2006/chart" xmlns:dgm="http://schemas.openxmlformats.org/drawingml/2006/diagram" xmlns:o="urn:schemas-microsoft-com:office:office" xmlns:v="urn:schemas-microsoft-com:vml" xmlns:pvml="urn:schemas-microsoft-com:office:powerpoint" xmlns:com="http://schemas.openxmlformats.org/drawingml/2006/compatibility" xmlns:p14="http://schemas.microsoft.com/office/powerpoint/2010/main" xmlns:p15="http://schemas.microsoft.com/office/powerpoint/2012/main">
+<p:sld xmlns:a="http://schemas.openxmlformats.org/drawingml/2006/main" xmlns:r="http://schemas.openxmlformats.org/officeDocument/2006/relationships" xmlns:p="http://schemas.openxmlformats.org/presentationml/2006/main">
   <p:cSld>
     <p:spTree>
       <p:nvGrpSpPr>
-        <p:cNvPr id="91" name="Shape 91"/>
+        <p:cNvPr id="1" name="Shape 91"/>
         <p:cNvGrpSpPr/>
         <p:nvPr/>
       </p:nvGrpSpPr>
@@ -10526,7 +10660,9 @@
       <p:sp>
         <p:nvSpPr>
           <p:cNvPr id="92" name="Google Shape;92;p16"/>
-          <p:cNvSpPr txBox="1"/>
+          <p:cNvSpPr txBox="1">
+            <a:spLocks noGrp="1"/>
+          </p:cNvSpPr>
           <p:nvPr>
             <p:ph type="title"/>
           </p:nvPr>
@@ -10541,12 +10677,12 @@
           </a:prstGeom>
         </p:spPr>
         <p:txBody>
-          <a:bodyPr anchorCtr="0" anchor="b" bIns="91425" lIns="91425" spcFirstLastPara="1" rIns="91425" wrap="square" tIns="91425">
+          <a:bodyPr spcFirstLastPara="1" wrap="square" lIns="91425" tIns="91425" rIns="91425" bIns="91425" anchor="b" anchorCtr="0">
             <a:noAutofit/>
           </a:bodyPr>
           <a:lstStyle/>
           <a:p>
-            <a:pPr indent="0" lvl="0" marL="0" rtl="0" algn="l">
+            <a:pPr marL="0" lvl="0" indent="0" algn="l" rtl="0">
               <a:spcBef>
                 <a:spcPts val="0"/>
               </a:spcBef>
@@ -10566,9 +10702,11 @@
       <p:sp>
         <p:nvSpPr>
           <p:cNvPr id="93" name="Google Shape;93;p16"/>
-          <p:cNvSpPr txBox="1"/>
+          <p:cNvSpPr txBox="1">
+            <a:spLocks noGrp="1"/>
+          </p:cNvSpPr>
           <p:nvPr>
-            <p:ph idx="12" type="sldNum"/>
+            <p:ph type="sldNum" idx="12"/>
           </p:nvPr>
         </p:nvSpPr>
         <p:spPr>
@@ -10581,12 +10719,12 @@
           </a:prstGeom>
         </p:spPr>
         <p:txBody>
-          <a:bodyPr anchorCtr="0" anchor="ctr" bIns="91425" lIns="91425" spcFirstLastPara="1" rIns="91425" wrap="square" tIns="91425">
+          <a:bodyPr spcFirstLastPara="1" wrap="square" lIns="91425" tIns="91425" rIns="91425" bIns="91425" anchor="ctr" anchorCtr="0">
             <a:noAutofit/>
           </a:bodyPr>
           <a:lstStyle/>
           <a:p>
-            <a:pPr indent="0" lvl="0" marL="0" rtl="0" algn="r">
+            <a:pPr marL="0" lvl="0" indent="0" algn="r" rtl="0">
               <a:spcBef>
                 <a:spcPts val="0"/>
               </a:spcBef>
@@ -10597,7 +10735,7 @@
             </a:pPr>
             <a:fld id="{00000000-1234-1234-1234-123412341234}" type="slidenum">
               <a:rPr lang="en-GB"/>
-              <a:t>‹#›</a:t>
+              <a:t>4</a:t>
             </a:fld>
             <a:endParaRPr/>
           </a:p>
@@ -10620,21 +10758,23 @@
         </p:spPr>
         <p:txBody>
           <a:bodyPr>
-            <a:prstTxWarp prst="textPlain"/>
+            <a:prstTxWarp prst="textPlain">
+              <a:avLst/>
+            </a:prstTxWarp>
           </a:bodyPr>
           <a:lstStyle/>
           <a:p>
             <a:pPr lvl="0" algn="ctr"/>
             <a:r>
               <a:rPr b="0" i="0">
-                <a:ln cap="flat" cmpd="sng" w="9525">
+                <a:ln w="9525" cap="flat" cmpd="sng">
                   <a:solidFill>
                     <a:schemeClr val="dk1"/>
                   </a:solidFill>
                   <a:prstDash val="solid"/>
                   <a:round/>
-                  <a:headEnd len="sm" w="sm" type="none"/>
-                  <a:tailEnd len="sm" w="sm" type="none"/>
+                  <a:headEnd type="none" w="sm" len="sm"/>
+                  <a:tailEnd type="none" w="sm" len="sm"/>
                 </a:ln>
                 <a:solidFill>
                   <a:schemeClr val="accent1"/>
@@ -10663,21 +10803,23 @@
         </p:spPr>
         <p:txBody>
           <a:bodyPr>
-            <a:prstTxWarp prst="textPlain"/>
+            <a:prstTxWarp prst="textPlain">
+              <a:avLst/>
+            </a:prstTxWarp>
           </a:bodyPr>
           <a:lstStyle/>
           <a:p>
             <a:pPr lvl="0" algn="ctr"/>
             <a:r>
               <a:rPr b="0" i="0">
-                <a:ln cap="flat" cmpd="sng" w="9525">
+                <a:ln w="9525" cap="flat" cmpd="sng">
                   <a:solidFill>
                     <a:schemeClr val="accent1"/>
                   </a:solidFill>
                   <a:prstDash val="solid"/>
                   <a:round/>
-                  <a:headEnd len="sm" w="sm" type="none"/>
-                  <a:tailEnd len="sm" w="sm" type="none"/>
+                  <a:headEnd type="none" w="sm" len="sm"/>
+                  <a:tailEnd type="none" w="sm" len="sm"/>
                 </a:ln>
                 <a:solidFill>
                   <a:schemeClr val="dk1"/>
@@ -10698,11 +10840,11 @@
 </file>
 
 <file path=ppt/slides/slide5.xml><?xml version="1.0" encoding="utf-8"?>
-<p:sld xmlns:a="http://schemas.openxmlformats.org/drawingml/2006/main" xmlns:r="http://schemas.openxmlformats.org/officeDocument/2006/relationships" xmlns:mc="http://schemas.openxmlformats.org/markup-compatibility/2006" xmlns:mv="urn:schemas-microsoft-com:mac:vml" xmlns:p="http://schemas.openxmlformats.org/presentationml/2006/main" xmlns:c="http://schemas.openxmlformats.org/drawingml/2006/chart" xmlns:dgm="http://schemas.openxmlformats.org/drawingml/2006/diagram" xmlns:o="urn:schemas-microsoft-com:office:office" xmlns:v="urn:schemas-microsoft-com:vml" xmlns:pvml="urn:schemas-microsoft-com:office:powerpoint" xmlns:com="http://schemas.openxmlformats.org/drawingml/2006/compatibility" xmlns:p14="http://schemas.microsoft.com/office/powerpoint/2010/main" xmlns:p15="http://schemas.microsoft.com/office/powerpoint/2012/main">
+<p:sld xmlns:a="http://schemas.openxmlformats.org/drawingml/2006/main" xmlns:r="http://schemas.openxmlformats.org/officeDocument/2006/relationships" xmlns:p="http://schemas.openxmlformats.org/presentationml/2006/main">
   <p:cSld>
     <p:spTree>
       <p:nvGrpSpPr>
-        <p:cNvPr id="99" name="Shape 99"/>
+        <p:cNvPr id="1" name="Shape 99"/>
         <p:cNvGrpSpPr/>
         <p:nvPr/>
       </p:nvGrpSpPr>
@@ -10745,7 +10887,9 @@
       <p:sp>
         <p:nvSpPr>
           <p:cNvPr id="101" name="Google Shape;101;p17"/>
-          <p:cNvSpPr txBox="1"/>
+          <p:cNvSpPr txBox="1">
+            <a:spLocks noGrp="1"/>
+          </p:cNvSpPr>
           <p:nvPr>
             <p:ph type="title"/>
           </p:nvPr>
@@ -10760,12 +10904,12 @@
           </a:prstGeom>
         </p:spPr>
         <p:txBody>
-          <a:bodyPr anchorCtr="0" anchor="b" bIns="91425" lIns="91425" spcFirstLastPara="1" rIns="91425" wrap="square" tIns="91425">
+          <a:bodyPr spcFirstLastPara="1" wrap="square" lIns="91425" tIns="91425" rIns="91425" bIns="91425" anchor="b" anchorCtr="0">
             <a:noAutofit/>
           </a:bodyPr>
           <a:lstStyle/>
           <a:p>
-            <a:pPr indent="0" lvl="0" marL="0" rtl="0" algn="l">
+            <a:pPr marL="0" lvl="0" indent="0" algn="l" rtl="0">
               <a:spcBef>
                 <a:spcPts val="0"/>
               </a:spcBef>
@@ -10785,9 +10929,11 @@
       <p:sp>
         <p:nvSpPr>
           <p:cNvPr id="102" name="Google Shape;102;p17"/>
-          <p:cNvSpPr txBox="1"/>
+          <p:cNvSpPr txBox="1">
+            <a:spLocks noGrp="1"/>
+          </p:cNvSpPr>
           <p:nvPr>
-            <p:ph idx="12" type="sldNum"/>
+            <p:ph type="sldNum" idx="12"/>
           </p:nvPr>
         </p:nvSpPr>
         <p:spPr>
@@ -10800,12 +10946,12 @@
           </a:prstGeom>
         </p:spPr>
         <p:txBody>
-          <a:bodyPr anchorCtr="0" anchor="ctr" bIns="91425" lIns="91425" spcFirstLastPara="1" rIns="91425" wrap="square" tIns="91425">
+          <a:bodyPr spcFirstLastPara="1" wrap="square" lIns="91425" tIns="91425" rIns="91425" bIns="91425" anchor="ctr" anchorCtr="0">
             <a:noAutofit/>
           </a:bodyPr>
           <a:lstStyle/>
           <a:p>
-            <a:pPr indent="0" lvl="0" marL="0" rtl="0" algn="r">
+            <a:pPr marL="0" lvl="0" indent="0" algn="r" rtl="0">
               <a:spcBef>
                 <a:spcPts val="0"/>
               </a:spcBef>
@@ -10816,7 +10962,7 @@
             </a:pPr>
             <a:fld id="{00000000-1234-1234-1234-123412341234}" type="slidenum">
               <a:rPr lang="en-GB"/>
-              <a:t>‹#›</a:t>
+              <a:t>5</a:t>
             </a:fld>
             <a:endParaRPr/>
           </a:p>
@@ -10825,7 +10971,7 @@
       <p:sp>
         <p:nvSpPr>
           <p:cNvPr id="103" name="Google Shape;103;p17">
-            <a:hlinkClick action="ppaction://hlinksldjump" r:id="rId4"/>
+            <a:hlinkClick r:id="rId4" action="ppaction://hlinksldjump"/>
           </p:cNvPr>
           <p:cNvSpPr/>
           <p:nvPr/>
@@ -10837,7 +10983,7 @@
           </a:xfrm>
           <a:prstGeom prst="roundRect">
             <a:avLst>
-              <a:gd fmla="val 16667" name="adj"/>
+              <a:gd name="adj" fmla="val 16667"/>
             </a:avLst>
           </a:prstGeom>
           <a:noFill/>
@@ -10846,23 +10992,20 @@
           </a:ln>
         </p:spPr>
         <p:txBody>
-          <a:bodyPr anchorCtr="0" anchor="ctr" bIns="91425" lIns="91425" spcFirstLastPara="1" rIns="91425" wrap="square" tIns="91425">
+          <a:bodyPr spcFirstLastPara="1" wrap="square" lIns="91425" tIns="91425" rIns="91425" bIns="91425" anchor="ctr" anchorCtr="0">
             <a:noAutofit/>
           </a:bodyPr>
           <a:lstStyle/>
           <a:p>
-            <a:pPr indent="0" lvl="0" marL="0" rtl="0" algn="l">
-              <a:spcBef>
-                <a:spcPts val="0"/>
-              </a:spcBef>
-              <a:spcAft>
-                <a:spcPts val="0"/>
-              </a:spcAft>
-              <a:buNone/>
-            </a:pPr>
-            <a:r>
-              <a:t/>
-            </a:r>
+            <a:pPr marL="0" lvl="0" indent="0" algn="l" rtl="0">
+              <a:spcBef>
+                <a:spcPts val="0"/>
+              </a:spcBef>
+              <a:spcAft>
+                <a:spcPts val="0"/>
+              </a:spcAft>
+              <a:buNone/>
+            </a:pPr>
             <a:endParaRPr/>
           </a:p>
         </p:txBody>
@@ -10887,12 +11030,12 @@
           </a:ln>
         </p:spPr>
         <p:txBody>
-          <a:bodyPr anchorCtr="0" anchor="t" bIns="91425" lIns="91425" spcFirstLastPara="1" rIns="91425" wrap="square" tIns="91425">
+          <a:bodyPr spcFirstLastPara="1" wrap="square" lIns="91425" tIns="91425" rIns="91425" bIns="91425" anchor="t" anchorCtr="0">
             <a:noAutofit/>
           </a:bodyPr>
           <a:lstStyle/>
           <a:p>
-            <a:pPr indent="0" lvl="0" marL="0" rtl="0" algn="l">
+            <a:pPr marL="0" lvl="0" indent="0" algn="l" rtl="0">
               <a:spcBef>
                 <a:spcPts val="0"/>
               </a:spcBef>
@@ -10943,21 +11086,21 @@
             <a:avLst/>
           </a:prstGeom>
           <a:noFill/>
-          <a:ln cap="flat" cmpd="sng" w="9525">
+          <a:ln w="9525" cap="flat" cmpd="sng">
             <a:solidFill>
               <a:schemeClr val="dk2"/>
             </a:solidFill>
             <a:prstDash val="dot"/>
             <a:round/>
-            <a:headEnd len="med" w="med" type="none"/>
-            <a:tailEnd len="med" w="med" type="none"/>
+            <a:headEnd type="none" w="med" len="med"/>
+            <a:tailEnd type="none" w="med" len="med"/>
           </a:ln>
         </p:spPr>
       </p:cxnSp>
       <p:sp>
         <p:nvSpPr>
           <p:cNvPr id="106" name="Google Shape;106;p17">
-            <a:hlinkClick action="ppaction://hlinksldjump" r:id="rId5"/>
+            <a:hlinkClick r:id="rId5" action="ppaction://hlinksldjump"/>
           </p:cNvPr>
           <p:cNvSpPr/>
           <p:nvPr/>
@@ -10969,7 +11112,7 @@
           </a:xfrm>
           <a:prstGeom prst="roundRect">
             <a:avLst>
-              <a:gd fmla="val 16667" name="adj"/>
+              <a:gd name="adj" fmla="val 16667"/>
             </a:avLst>
           </a:prstGeom>
           <a:noFill/>
@@ -10978,23 +11121,20 @@
           </a:ln>
         </p:spPr>
         <p:txBody>
-          <a:bodyPr anchorCtr="0" anchor="ctr" bIns="91425" lIns="91425" spcFirstLastPara="1" rIns="91425" wrap="square" tIns="91425">
+          <a:bodyPr spcFirstLastPara="1" wrap="square" lIns="91425" tIns="91425" rIns="91425" bIns="91425" anchor="ctr" anchorCtr="0">
             <a:noAutofit/>
           </a:bodyPr>
           <a:lstStyle/>
           <a:p>
-            <a:pPr indent="0" lvl="0" marL="0" rtl="0" algn="l">
-              <a:spcBef>
-                <a:spcPts val="0"/>
-              </a:spcBef>
-              <a:spcAft>
-                <a:spcPts val="0"/>
-              </a:spcAft>
-              <a:buNone/>
-            </a:pPr>
-            <a:r>
-              <a:t/>
-            </a:r>
+            <a:pPr marL="0" lvl="0" indent="0" algn="l" rtl="0">
+              <a:spcBef>
+                <a:spcPts val="0"/>
+              </a:spcBef>
+              <a:spcAft>
+                <a:spcPts val="0"/>
+              </a:spcAft>
+              <a:buNone/>
+            </a:pPr>
             <a:endParaRPr/>
           </a:p>
         </p:txBody>
@@ -11002,7 +11142,7 @@
       <p:sp>
         <p:nvSpPr>
           <p:cNvPr id="107" name="Google Shape;107;p17">
-            <a:hlinkClick action="ppaction://hlinksldjump" r:id="rId6"/>
+            <a:hlinkClick r:id="rId6" action="ppaction://hlinksldjump"/>
           </p:cNvPr>
           <p:cNvSpPr/>
           <p:nvPr/>
@@ -11014,7 +11154,7 @@
           </a:xfrm>
           <a:prstGeom prst="roundRect">
             <a:avLst>
-              <a:gd fmla="val 16667" name="adj"/>
+              <a:gd name="adj" fmla="val 16667"/>
             </a:avLst>
           </a:prstGeom>
           <a:noFill/>
@@ -11023,23 +11163,20 @@
           </a:ln>
         </p:spPr>
         <p:txBody>
-          <a:bodyPr anchorCtr="0" anchor="ctr" bIns="91425" lIns="91425" spcFirstLastPara="1" rIns="91425" wrap="square" tIns="91425">
+          <a:bodyPr spcFirstLastPara="1" wrap="square" lIns="91425" tIns="91425" rIns="91425" bIns="91425" anchor="ctr" anchorCtr="0">
             <a:noAutofit/>
           </a:bodyPr>
           <a:lstStyle/>
           <a:p>
-            <a:pPr indent="0" lvl="0" marL="0" rtl="0" algn="l">
-              <a:spcBef>
-                <a:spcPts val="0"/>
-              </a:spcBef>
-              <a:spcAft>
-                <a:spcPts val="0"/>
-              </a:spcAft>
-              <a:buNone/>
-            </a:pPr>
-            <a:r>
-              <a:t/>
-            </a:r>
+            <a:pPr marL="0" lvl="0" indent="0" algn="l" rtl="0">
+              <a:spcBef>
+                <a:spcPts val="0"/>
+              </a:spcBef>
+              <a:spcAft>
+                <a:spcPts val="0"/>
+              </a:spcAft>
+              <a:buNone/>
+            </a:pPr>
             <a:endParaRPr/>
           </a:p>
         </p:txBody>
@@ -11047,7 +11184,7 @@
       <p:sp>
         <p:nvSpPr>
           <p:cNvPr id="108" name="Google Shape;108;p17">
-            <a:hlinkClick action="ppaction://hlinksldjump" r:id="rId7"/>
+            <a:hlinkClick r:id="rId7" action="ppaction://hlinksldjump"/>
           </p:cNvPr>
           <p:cNvSpPr/>
           <p:nvPr/>
@@ -11059,7 +11196,7 @@
           </a:xfrm>
           <a:prstGeom prst="roundRect">
             <a:avLst>
-              <a:gd fmla="val 16667" name="adj"/>
+              <a:gd name="adj" fmla="val 16667"/>
             </a:avLst>
           </a:prstGeom>
           <a:noFill/>
@@ -11068,23 +11205,20 @@
           </a:ln>
         </p:spPr>
         <p:txBody>
-          <a:bodyPr anchorCtr="0" anchor="ctr" bIns="91425" lIns="91425" spcFirstLastPara="1" rIns="91425" wrap="square" tIns="91425">
+          <a:bodyPr spcFirstLastPara="1" wrap="square" lIns="91425" tIns="91425" rIns="91425" bIns="91425" anchor="ctr" anchorCtr="0">
             <a:noAutofit/>
           </a:bodyPr>
           <a:lstStyle/>
           <a:p>
-            <a:pPr indent="0" lvl="0" marL="0" rtl="0" algn="l">
-              <a:spcBef>
-                <a:spcPts val="0"/>
-              </a:spcBef>
-              <a:spcAft>
-                <a:spcPts val="0"/>
-              </a:spcAft>
-              <a:buNone/>
-            </a:pPr>
-            <a:r>
-              <a:t/>
-            </a:r>
+            <a:pPr marL="0" lvl="0" indent="0" algn="l" rtl="0">
+              <a:spcBef>
+                <a:spcPts val="0"/>
+              </a:spcBef>
+              <a:spcAft>
+                <a:spcPts val="0"/>
+              </a:spcAft>
+              <a:buNone/>
+            </a:pPr>
             <a:endParaRPr/>
           </a:p>
         </p:txBody>
@@ -11116,27 +11250,27 @@
             </a:xfrm>
             <a:prstGeom prst="roundRect">
               <a:avLst>
-                <a:gd fmla="val 16667" name="adj"/>
+                <a:gd name="adj" fmla="val 16667"/>
               </a:avLst>
             </a:prstGeom>
             <a:noFill/>
-            <a:ln cap="flat" cmpd="sng" w="19050">
+            <a:ln w="19050" cap="flat" cmpd="sng">
               <a:solidFill>
                 <a:srgbClr val="FF0000"/>
               </a:solidFill>
               <a:prstDash val="solid"/>
               <a:round/>
-              <a:headEnd len="sm" w="sm" type="none"/>
-              <a:tailEnd len="sm" w="sm" type="none"/>
+              <a:headEnd type="none" w="sm" len="sm"/>
+              <a:tailEnd type="none" w="sm" len="sm"/>
             </a:ln>
           </p:spPr>
           <p:txBody>
-            <a:bodyPr anchorCtr="0" anchor="ctr" bIns="91425" lIns="91425" spcFirstLastPara="1" rIns="91425" wrap="square" tIns="91425">
+            <a:bodyPr spcFirstLastPara="1" wrap="square" lIns="91425" tIns="91425" rIns="91425" bIns="91425" anchor="ctr" anchorCtr="0">
               <a:noAutofit/>
             </a:bodyPr>
             <a:lstStyle/>
             <a:p>
-              <a:pPr indent="0" lvl="0" marL="0" rtl="0" algn="l">
+              <a:pPr marL="0" lvl="0" indent="0" algn="l" rtl="0">
                 <a:spcBef>
                   <a:spcPts val="0"/>
                 </a:spcBef>
@@ -11145,9 +11279,6 @@
                 </a:spcAft>
                 <a:buNone/>
               </a:pPr>
-              <a:r>
-                <a:t/>
-              </a:r>
               <a:endParaRPr/>
             </a:p>
           </p:txBody>
@@ -11167,14 +11298,14 @@
               <a:avLst/>
             </a:prstGeom>
             <a:noFill/>
-            <a:ln cap="flat" cmpd="sng" w="19050">
+            <a:ln w="19050" cap="flat" cmpd="sng">
               <a:solidFill>
                 <a:srgbClr val="FF0000"/>
               </a:solidFill>
               <a:prstDash val="solid"/>
               <a:round/>
-              <a:headEnd len="med" w="med" type="none"/>
-              <a:tailEnd len="med" w="med" type="none"/>
+              <a:headEnd type="none" w="med" len="med"/>
+              <a:tailEnd type="none" w="med" len="med"/>
             </a:ln>
           </p:spPr>
         </p:cxnSp>
@@ -11193,14 +11324,14 @@
               <a:avLst/>
             </a:prstGeom>
             <a:noFill/>
-            <a:ln cap="flat" cmpd="sng" w="19050">
+            <a:ln w="19050" cap="flat" cmpd="sng">
               <a:solidFill>
                 <a:srgbClr val="FF0000"/>
               </a:solidFill>
               <a:prstDash val="solid"/>
               <a:round/>
-              <a:headEnd len="med" w="med" type="none"/>
-              <a:tailEnd len="med" w="med" type="none"/>
+              <a:headEnd type="none" w="med" len="med"/>
+              <a:tailEnd type="none" w="med" len="med"/>
             </a:ln>
           </p:spPr>
         </p:cxnSp>
@@ -11208,7 +11339,7 @@
       <p:sp>
         <p:nvSpPr>
           <p:cNvPr id="113" name="Google Shape;113;p17">
-            <a:hlinkClick action="ppaction://hlinksldjump" r:id="rId8"/>
+            <a:hlinkClick r:id="rId8" action="ppaction://hlinksldjump"/>
           </p:cNvPr>
           <p:cNvSpPr/>
           <p:nvPr/>
@@ -11220,7 +11351,7 @@
           </a:xfrm>
           <a:prstGeom prst="roundRect">
             <a:avLst>
-              <a:gd fmla="val 16667" name="adj"/>
+              <a:gd name="adj" fmla="val 16667"/>
             </a:avLst>
           </a:prstGeom>
           <a:noFill/>
@@ -11229,23 +11360,20 @@
           </a:ln>
         </p:spPr>
         <p:txBody>
-          <a:bodyPr anchorCtr="0" anchor="ctr" bIns="91425" lIns="91425" spcFirstLastPara="1" rIns="91425" wrap="square" tIns="91425">
+          <a:bodyPr spcFirstLastPara="1" wrap="square" lIns="91425" tIns="91425" rIns="91425" bIns="91425" anchor="ctr" anchorCtr="0">
             <a:noAutofit/>
           </a:bodyPr>
           <a:lstStyle/>
           <a:p>
-            <a:pPr indent="0" lvl="0" marL="0" rtl="0" algn="l">
-              <a:spcBef>
-                <a:spcPts val="0"/>
-              </a:spcBef>
-              <a:spcAft>
-                <a:spcPts val="0"/>
-              </a:spcAft>
-              <a:buNone/>
-            </a:pPr>
-            <a:r>
-              <a:t/>
-            </a:r>
+            <a:pPr marL="0" lvl="0" indent="0" algn="l" rtl="0">
+              <a:spcBef>
+                <a:spcPts val="0"/>
+              </a:spcBef>
+              <a:spcAft>
+                <a:spcPts val="0"/>
+              </a:spcAft>
+              <a:buNone/>
+            </a:pPr>
             <a:endParaRPr/>
           </a:p>
         </p:txBody>
@@ -11268,14 +11396,14 @@
             <a:avLst/>
           </a:prstGeom>
           <a:noFill/>
-          <a:ln cap="flat" cmpd="sng" w="9525">
+          <a:ln w="9525" cap="flat" cmpd="sng">
             <a:solidFill>
               <a:schemeClr val="dk2"/>
             </a:solidFill>
             <a:prstDash val="dot"/>
             <a:round/>
-            <a:headEnd len="med" w="med" type="none"/>
-            <a:tailEnd len="med" w="med" type="none"/>
+            <a:headEnd type="none" w="med" len="med"/>
+            <a:tailEnd type="none" w="med" len="med"/>
           </a:ln>
         </p:spPr>
       </p:cxnSp>
@@ -11295,18 +11423,18 @@
           </a:xfrm>
           <a:prstGeom prst="curvedConnector3">
             <a:avLst>
-              <a:gd fmla="val 50000" name="adj1"/>
+              <a:gd name="adj1" fmla="val 50000"/>
             </a:avLst>
           </a:prstGeom>
           <a:noFill/>
-          <a:ln cap="flat" cmpd="sng" w="9525">
+          <a:ln w="9525" cap="flat" cmpd="sng">
             <a:solidFill>
               <a:schemeClr val="dk2"/>
             </a:solidFill>
             <a:prstDash val="dot"/>
             <a:round/>
-            <a:headEnd len="med" w="med" type="none"/>
-            <a:tailEnd len="med" w="med" type="none"/>
+            <a:headEnd type="none" w="med" len="med"/>
+            <a:tailEnd type="none" w="med" len="med"/>
           </a:ln>
         </p:spPr>
       </p:cxnSp>
@@ -11326,18 +11454,18 @@
           </a:xfrm>
           <a:prstGeom prst="curvedConnector3">
             <a:avLst>
-              <a:gd fmla="val 50000" name="adj1"/>
+              <a:gd name="adj1" fmla="val 50000"/>
             </a:avLst>
           </a:prstGeom>
           <a:noFill/>
-          <a:ln cap="flat" cmpd="sng" w="9525">
+          <a:ln w="9525" cap="flat" cmpd="sng">
             <a:solidFill>
               <a:schemeClr val="dk2"/>
             </a:solidFill>
             <a:prstDash val="dot"/>
             <a:round/>
-            <a:headEnd len="med" w="med" type="none"/>
-            <a:tailEnd len="med" w="med" type="none"/>
+            <a:headEnd type="none" w="med" len="med"/>
+            <a:tailEnd type="none" w="med" len="med"/>
           </a:ln>
         </p:spPr>
       </p:cxnSp>
@@ -11357,18 +11485,18 @@
           </a:xfrm>
           <a:prstGeom prst="curvedConnector3">
             <a:avLst>
-              <a:gd fmla="val 50000" name="adj1"/>
+              <a:gd name="adj1" fmla="val 50000"/>
             </a:avLst>
           </a:prstGeom>
           <a:noFill/>
-          <a:ln cap="flat" cmpd="sng" w="9525">
+          <a:ln w="9525" cap="flat" cmpd="sng">
             <a:solidFill>
               <a:schemeClr val="dk2"/>
             </a:solidFill>
             <a:prstDash val="dot"/>
             <a:round/>
-            <a:headEnd len="med" w="med" type="none"/>
-            <a:tailEnd len="med" w="med" type="none"/>
+            <a:headEnd type="none" w="med" len="med"/>
+            <a:tailEnd type="none" w="med" len="med"/>
           </a:ln>
         </p:spPr>
       </p:cxnSp>
@@ -11392,12 +11520,12 @@
           </a:ln>
         </p:spPr>
         <p:txBody>
-          <a:bodyPr anchorCtr="0" anchor="t" bIns="91425" lIns="91425" spcFirstLastPara="1" rIns="91425" wrap="square" tIns="91425">
+          <a:bodyPr spcFirstLastPara="1" wrap="square" lIns="91425" tIns="91425" rIns="91425" bIns="91425" anchor="t" anchorCtr="0">
             <a:noAutofit/>
           </a:bodyPr>
           <a:lstStyle/>
           <a:p>
-            <a:pPr indent="0" lvl="0" marL="0" rtl="0" algn="l">
+            <a:pPr marL="0" lvl="0" indent="0" algn="l" rtl="0">
               <a:spcBef>
                 <a:spcPts val="0"/>
               </a:spcBef>
@@ -11451,32 +11579,32 @@
   <p:timing>
     <p:tnLst>
       <p:par>
-        <p:cTn dur="indefinite" nodeType="tmRoot" restart="never">
+        <p:cTn id="1" dur="indefinite" restart="never" nodeType="tmRoot">
           <p:childTnLst>
             <p:seq concurrent="1" nextAc="seek">
-              <p:cTn dur="indefinite" id="2" nodeType="mainSeq">
+              <p:cTn id="2" dur="indefinite" nodeType="mainSeq">
                 <p:childTnLst>
                   <p:par>
-                    <p:cTn fill="hold">
+                    <p:cTn id="3" fill="hold">
                       <p:stCondLst>
                         <p:cond delay="indefinite"/>
                       </p:stCondLst>
                       <p:childTnLst>
                         <p:par>
-                          <p:cTn fill="hold">
+                          <p:cTn id="4" fill="hold">
                             <p:stCondLst>
                               <p:cond delay="0"/>
                             </p:stCondLst>
                             <p:childTnLst>
                               <p:par>
-                                <p:cTn fill="hold" nodeType="clickEffect" presetClass="entr" presetID="2" presetSubtype="8">
+                                <p:cTn id="5" presetID="2" presetClass="entr" presetSubtype="8" fill="hold" nodeType="clickEffect">
                                   <p:stCondLst>
                                     <p:cond delay="0"/>
                                   </p:stCondLst>
                                   <p:childTnLst>
                                     <p:set>
                                       <p:cBhvr>
-                                        <p:cTn dur="1" fill="hold">
+                                        <p:cTn id="6" dur="1" fill="hold">
                                           <p:stCondLst>
                                             <p:cond delay="0"/>
                                           </p:stCondLst>
@@ -11494,7 +11622,7 @@
                                     </p:set>
                                     <p:anim calcmode="lin" valueType="num">
                                       <p:cBhvr additive="base">
-                                        <p:cTn dur="2800"/>
+                                        <p:cTn id="7" dur="2800"/>
                                         <p:tgtEl>
                                           <p:spTgt spid="109"/>
                                         </p:tgtEl>
@@ -11503,12 +11631,12 @@
                                         </p:attrNameLst>
                                       </p:cBhvr>
                                       <p:tavLst>
-                                        <p:tav fmla="" tm="0">
+                                        <p:tav tm="0">
                                           <p:val>
                                             <p:strVal val="#ppt_x-1"/>
                                           </p:val>
                                         </p:tav>
-                                        <p:tav fmla="" tm="100000">
+                                        <p:tav tm="100000">
                                           <p:val>
                                             <p:strVal val="#ppt_x"/>
                                           </p:val>
@@ -11525,26 +11653,26 @@
                     </p:cTn>
                   </p:par>
                   <p:par>
-                    <p:cTn fill="hold">
+                    <p:cTn id="8" fill="hold">
                       <p:stCondLst>
                         <p:cond delay="indefinite"/>
                       </p:stCondLst>
                       <p:childTnLst>
                         <p:par>
-                          <p:cTn fill="hold">
+                          <p:cTn id="9" fill="hold">
                             <p:stCondLst>
                               <p:cond delay="0"/>
                             </p:stCondLst>
                             <p:childTnLst>
                               <p:par>
-                                <p:cTn fill="hold" nodeType="clickEffect" presetClass="emph" presetID="8" presetSubtype="0">
+                                <p:cTn id="10" presetID="8" presetClass="emph" presetSubtype="0" fill="hold" nodeType="clickEffect">
                                   <p:stCondLst>
                                     <p:cond delay="0"/>
                                   </p:stCondLst>
                                   <p:childTnLst>
                                     <p:animRot by="-21600000">
                                       <p:cBhvr>
-                                        <p:cTn dur="1000" fill="hold"/>
+                                        <p:cTn id="11" dur="1000" fill="hold"/>
                                         <p:tgtEl>
                                           <p:spTgt spid="109"/>
                                         </p:tgtEl>
@@ -11565,14 +11693,14 @@
                 </p:childTnLst>
               </p:cTn>
               <p:prevCondLst>
-                <p:cond evt="onPrev">
+                <p:cond evt="onPrev" delay="0">
                   <p:tgtEl>
                     <p:sldTgt/>
                   </p:tgtEl>
                 </p:cond>
               </p:prevCondLst>
               <p:nextCondLst>
-                <p:cond evt="onNext">
+                <p:cond evt="onNext" delay="0">
                   <p:tgtEl>
                     <p:sldTgt/>
                   </p:tgtEl>
@@ -11588,11 +11716,11 @@
 </file>
 
 <file path=ppt/slides/slide6.xml><?xml version="1.0" encoding="utf-8"?>
-<p:sld xmlns:a="http://schemas.openxmlformats.org/drawingml/2006/main" xmlns:r="http://schemas.openxmlformats.org/officeDocument/2006/relationships" xmlns:mc="http://schemas.openxmlformats.org/markup-compatibility/2006" xmlns:mv="urn:schemas-microsoft-com:mac:vml" xmlns:p="http://schemas.openxmlformats.org/presentationml/2006/main" xmlns:c="http://schemas.openxmlformats.org/drawingml/2006/chart" xmlns:dgm="http://schemas.openxmlformats.org/drawingml/2006/diagram" xmlns:o="urn:schemas-microsoft-com:office:office" xmlns:v="urn:schemas-microsoft-com:vml" xmlns:pvml="urn:schemas-microsoft-com:office:powerpoint" xmlns:com="http://schemas.openxmlformats.org/drawingml/2006/compatibility" xmlns:p14="http://schemas.microsoft.com/office/powerpoint/2010/main" xmlns:p15="http://schemas.microsoft.com/office/powerpoint/2012/main">
+<p:sld xmlns:a="http://schemas.openxmlformats.org/drawingml/2006/main" xmlns:r="http://schemas.openxmlformats.org/officeDocument/2006/relationships" xmlns:p="http://schemas.openxmlformats.org/presentationml/2006/main">
   <p:cSld>
     <p:spTree>
       <p:nvGrpSpPr>
-        <p:cNvPr id="122" name="Shape 122"/>
+        <p:cNvPr id="1" name="Shape 122"/>
         <p:cNvGrpSpPr/>
         <p:nvPr/>
       </p:nvGrpSpPr>
@@ -11607,7 +11735,9 @@
       <p:sp>
         <p:nvSpPr>
           <p:cNvPr id="123" name="Google Shape;123;p18"/>
-          <p:cNvSpPr txBox="1"/>
+          <p:cNvSpPr txBox="1">
+            <a:spLocks noGrp="1"/>
+          </p:cNvSpPr>
           <p:nvPr>
             <p:ph type="title"/>
           </p:nvPr>
@@ -11622,12 +11752,12 @@
           </a:prstGeom>
         </p:spPr>
         <p:txBody>
-          <a:bodyPr anchorCtr="0" anchor="b" bIns="91425" lIns="91425" spcFirstLastPara="1" rIns="91425" wrap="square" tIns="91425">
+          <a:bodyPr spcFirstLastPara="1" wrap="square" lIns="91425" tIns="91425" rIns="91425" bIns="91425" anchor="b" anchorCtr="0">
             <a:noAutofit/>
           </a:bodyPr>
           <a:lstStyle/>
           <a:p>
-            <a:pPr indent="0" lvl="0" marL="0" rtl="0" algn="l">
+            <a:pPr marL="0" lvl="0" indent="0" algn="l" rtl="0">
               <a:spcBef>
                 <a:spcPts val="0"/>
               </a:spcBef>
@@ -11654,7 +11784,7 @@
           <a:blip r:embed="rId3">
             <a:alphaModFix/>
           </a:blip>
-          <a:srcRect b="11322" l="0" r="0" t="17105"/>
+          <a:srcRect t="17105" b="11322"/>
           <a:stretch/>
         </p:blipFill>
         <p:spPr>
@@ -11681,7 +11811,7 @@
           <a:blip r:embed="rId4">
             <a:alphaModFix/>
           </a:blip>
-          <a:srcRect b="55724" l="22432" r="49229" t="27520"/>
+          <a:srcRect l="22432" t="27520" r="49229" b="55724"/>
           <a:stretch/>
         </p:blipFill>
         <p:spPr>
@@ -11718,12 +11848,12 @@
           </a:ln>
         </p:spPr>
         <p:txBody>
-          <a:bodyPr anchorCtr="0" anchor="t" bIns="91425" lIns="91425" spcFirstLastPara="1" rIns="91425" wrap="square" tIns="91425">
+          <a:bodyPr spcFirstLastPara="1" wrap="square" lIns="91425" tIns="91425" rIns="91425" bIns="91425" anchor="t" anchorCtr="0">
             <a:noAutofit/>
           </a:bodyPr>
           <a:lstStyle/>
           <a:p>
-            <a:pPr indent="0" lvl="0" marL="0" rtl="0" algn="ctr">
+            <a:pPr marL="0" lvl="0" indent="0" algn="ctr" rtl="0">
               <a:spcBef>
                 <a:spcPts val="0"/>
               </a:spcBef>
@@ -11773,14 +11903,14 @@
             <a:avLst/>
           </a:prstGeom>
           <a:noFill/>
-          <a:ln cap="flat" cmpd="sng" w="19050">
+          <a:ln w="19050" cap="flat" cmpd="sng">
             <a:solidFill>
               <a:schemeClr val="dk2"/>
             </a:solidFill>
             <a:prstDash val="dot"/>
             <a:round/>
-            <a:headEnd len="med" w="med" type="stealth"/>
-            <a:tailEnd len="med" w="med" type="none"/>
+            <a:headEnd type="stealth" w="med" len="med"/>
+            <a:tailEnd type="none" w="med" len="med"/>
           </a:ln>
         </p:spPr>
       </p:cxnSp>
@@ -11801,14 +11931,14 @@
             <a:avLst/>
           </a:prstGeom>
           <a:noFill/>
-          <a:ln cap="flat" cmpd="sng" w="19050">
+          <a:ln w="19050" cap="flat" cmpd="sng">
             <a:solidFill>
               <a:schemeClr val="dk2"/>
             </a:solidFill>
             <a:prstDash val="dot"/>
             <a:round/>
-            <a:headEnd len="med" w="med" type="stealth"/>
-            <a:tailEnd len="med" w="med" type="none"/>
+            <a:headEnd type="stealth" w="med" len="med"/>
+            <a:tailEnd type="none" w="med" len="med"/>
           </a:ln>
         </p:spPr>
       </p:cxnSp>
@@ -11821,11 +11951,11 @@
 </file>
 
 <file path=ppt/slides/slide7.xml><?xml version="1.0" encoding="utf-8"?>
-<p:sld xmlns:a="http://schemas.openxmlformats.org/drawingml/2006/main" xmlns:r="http://schemas.openxmlformats.org/officeDocument/2006/relationships" xmlns:mc="http://schemas.openxmlformats.org/markup-compatibility/2006" xmlns:mv="urn:schemas-microsoft-com:mac:vml" xmlns:p="http://schemas.openxmlformats.org/presentationml/2006/main" xmlns:c="http://schemas.openxmlformats.org/drawingml/2006/chart" xmlns:dgm="http://schemas.openxmlformats.org/drawingml/2006/diagram" xmlns:o="urn:schemas-microsoft-com:office:office" xmlns:v="urn:schemas-microsoft-com:vml" xmlns:pvml="urn:schemas-microsoft-com:office:powerpoint" xmlns:com="http://schemas.openxmlformats.org/drawingml/2006/compatibility" xmlns:p14="http://schemas.microsoft.com/office/powerpoint/2010/main" xmlns:p15="http://schemas.microsoft.com/office/powerpoint/2012/main">
+<p:sld xmlns:a="http://schemas.openxmlformats.org/drawingml/2006/main" xmlns:r="http://schemas.openxmlformats.org/officeDocument/2006/relationships" xmlns:p="http://schemas.openxmlformats.org/presentationml/2006/main">
   <p:cSld>
     <p:spTree>
       <p:nvGrpSpPr>
-        <p:cNvPr id="132" name="Shape 132"/>
+        <p:cNvPr id="1" name="Shape 132"/>
         <p:cNvGrpSpPr/>
         <p:nvPr/>
       </p:nvGrpSpPr>
@@ -11840,7 +11970,9 @@
       <p:sp>
         <p:nvSpPr>
           <p:cNvPr id="133" name="Google Shape;133;p19"/>
-          <p:cNvSpPr txBox="1"/>
+          <p:cNvSpPr txBox="1">
+            <a:spLocks noGrp="1"/>
+          </p:cNvSpPr>
           <p:nvPr>
             <p:ph type="title"/>
           </p:nvPr>
@@ -11855,12 +11987,12 @@
           </a:prstGeom>
         </p:spPr>
         <p:txBody>
-          <a:bodyPr anchorCtr="0" anchor="b" bIns="91425" lIns="91425" spcFirstLastPara="1" rIns="91425" wrap="square" tIns="91425">
+          <a:bodyPr spcFirstLastPara="1" wrap="square" lIns="91425" tIns="91425" rIns="91425" bIns="91425" anchor="b" anchorCtr="0">
             <a:noAutofit/>
           </a:bodyPr>
           <a:lstStyle/>
           <a:p>
-            <a:pPr indent="0" lvl="0" marL="0" rtl="0" algn="l">
+            <a:pPr marL="0" lvl="0" indent="0" algn="l" rtl="0">
               <a:spcBef>
                 <a:spcPts val="0"/>
               </a:spcBef>
@@ -11880,9 +12012,11 @@
       <p:sp>
         <p:nvSpPr>
           <p:cNvPr id="134" name="Google Shape;134;p19"/>
-          <p:cNvSpPr txBox="1"/>
+          <p:cNvSpPr txBox="1">
+            <a:spLocks noGrp="1"/>
+          </p:cNvSpPr>
           <p:nvPr>
-            <p:ph idx="12" type="sldNum"/>
+            <p:ph type="sldNum" idx="12"/>
           </p:nvPr>
         </p:nvSpPr>
         <p:spPr>
@@ -11895,12 +12029,12 @@
           </a:prstGeom>
         </p:spPr>
         <p:txBody>
-          <a:bodyPr anchorCtr="0" anchor="ctr" bIns="91425" lIns="91425" spcFirstLastPara="1" rIns="91425" wrap="square" tIns="91425">
+          <a:bodyPr spcFirstLastPara="1" wrap="square" lIns="91425" tIns="91425" rIns="91425" bIns="91425" anchor="ctr" anchorCtr="0">
             <a:noAutofit/>
           </a:bodyPr>
           <a:lstStyle/>
           <a:p>
-            <a:pPr indent="0" lvl="0" marL="0" rtl="0" algn="r">
+            <a:pPr marL="0" lvl="0" indent="0" algn="r" rtl="0">
               <a:spcBef>
                 <a:spcPts val="0"/>
               </a:spcBef>
@@ -11911,7 +12045,7 @@
             </a:pPr>
             <a:fld id="{00000000-1234-1234-1234-123412341234}" type="slidenum">
               <a:rPr lang="en-GB"/>
-              <a:t>‹#›</a:t>
+              <a:t>7</a:t>
             </a:fld>
             <a:endParaRPr/>
           </a:p>
@@ -11919,7 +12053,7 @@
       </p:sp>
       <p:pic>
         <p:nvPicPr>
-          <p:cNvPr descr="P11 Email process -Handle simple.png" id="135" name="Google Shape;135;p19"/>
+          <p:cNvPr id="135" name="Google Shape;135;p19" descr="P11 Email process -Handle simple.png"/>
           <p:cNvPicPr preferRelativeResize="0"/>
           <p:nvPr/>
         </p:nvPicPr>
@@ -11958,31 +12092,31 @@
           </a:xfrm>
           <a:prstGeom prst="wedgeRoundRectCallout">
             <a:avLst>
-              <a:gd fmla="val -89624" name="adj1"/>
-              <a:gd fmla="val 315738" name="adj2"/>
-              <a:gd fmla="val 0" name="adj3"/>
+              <a:gd name="adj1" fmla="val -89624"/>
+              <a:gd name="adj2" fmla="val 315738"/>
+              <a:gd name="adj3" fmla="val 0"/>
             </a:avLst>
           </a:prstGeom>
           <a:solidFill>
             <a:srgbClr val="FFD966"/>
           </a:solidFill>
-          <a:ln cap="flat" cmpd="sng" w="9525">
+          <a:ln w="9525" cap="flat" cmpd="sng">
             <a:solidFill>
               <a:srgbClr val="BF9000"/>
             </a:solidFill>
             <a:prstDash val="solid"/>
             <a:round/>
-            <a:headEnd len="sm" w="sm" type="none"/>
-            <a:tailEnd len="sm" w="sm" type="none"/>
+            <a:headEnd type="none" w="sm" len="sm"/>
+            <a:tailEnd type="none" w="sm" len="sm"/>
           </a:ln>
         </p:spPr>
         <p:txBody>
-          <a:bodyPr anchorCtr="0" anchor="ctr" bIns="91425" lIns="91425" spcFirstLastPara="1" rIns="91425" wrap="square" tIns="91425">
+          <a:bodyPr spcFirstLastPara="1" wrap="square" lIns="91425" tIns="91425" rIns="91425" bIns="91425" anchor="ctr" anchorCtr="0">
             <a:noAutofit/>
           </a:bodyPr>
           <a:lstStyle/>
           <a:p>
-            <a:pPr indent="0" lvl="0" marL="0" rtl="0" algn="l">
+            <a:pPr marL="0" lvl="0" indent="0" algn="l" rtl="0">
               <a:spcBef>
                 <a:spcPts val="0"/>
               </a:spcBef>
@@ -12028,31 +12162,31 @@
           </a:xfrm>
           <a:prstGeom prst="wedgeRoundRectCallout">
             <a:avLst>
-              <a:gd fmla="val -140497" name="adj1"/>
-              <a:gd fmla="val 157907" name="adj2"/>
-              <a:gd fmla="val 0" name="adj3"/>
+              <a:gd name="adj1" fmla="val -140497"/>
+              <a:gd name="adj2" fmla="val 157907"/>
+              <a:gd name="adj3" fmla="val 0"/>
             </a:avLst>
           </a:prstGeom>
           <a:solidFill>
             <a:srgbClr val="FFD966"/>
           </a:solidFill>
-          <a:ln cap="flat" cmpd="sng" w="9525">
+          <a:ln w="9525" cap="flat" cmpd="sng">
             <a:solidFill>
               <a:srgbClr val="BF9000"/>
             </a:solidFill>
             <a:prstDash val="solid"/>
             <a:round/>
-            <a:headEnd len="sm" w="sm" type="none"/>
-            <a:tailEnd len="sm" w="sm" type="none"/>
+            <a:headEnd type="none" w="sm" len="sm"/>
+            <a:tailEnd type="none" w="sm" len="sm"/>
           </a:ln>
         </p:spPr>
         <p:txBody>
-          <a:bodyPr anchorCtr="0" anchor="ctr" bIns="91425" lIns="91425" spcFirstLastPara="1" rIns="91425" wrap="square" tIns="91425">
+          <a:bodyPr spcFirstLastPara="1" wrap="square" lIns="91425" tIns="91425" rIns="91425" bIns="91425" anchor="ctr" anchorCtr="0">
             <a:noAutofit/>
           </a:bodyPr>
           <a:lstStyle/>
           <a:p>
-            <a:pPr indent="0" lvl="0" marL="0" rtl="0" algn="l">
+            <a:pPr marL="0" lvl="0" indent="0" algn="l" rtl="0">
               <a:spcBef>
                 <a:spcPts val="0"/>
               </a:spcBef>
@@ -12098,31 +12232,31 @@
           </a:xfrm>
           <a:prstGeom prst="wedgeRoundRectCallout">
             <a:avLst>
-              <a:gd fmla="val -172972" name="adj1"/>
-              <a:gd fmla="val -123374" name="adj2"/>
-              <a:gd fmla="val 0" name="adj3"/>
+              <a:gd name="adj1" fmla="val -172972"/>
+              <a:gd name="adj2" fmla="val -123374"/>
+              <a:gd name="adj3" fmla="val 0"/>
             </a:avLst>
           </a:prstGeom>
           <a:solidFill>
             <a:srgbClr val="FFD966"/>
           </a:solidFill>
-          <a:ln cap="flat" cmpd="sng" w="9525">
+          <a:ln w="9525" cap="flat" cmpd="sng">
             <a:solidFill>
               <a:srgbClr val="BF9000"/>
             </a:solidFill>
             <a:prstDash val="solid"/>
             <a:round/>
-            <a:headEnd len="sm" w="sm" type="none"/>
-            <a:tailEnd len="sm" w="sm" type="none"/>
+            <a:headEnd type="none" w="sm" len="sm"/>
+            <a:tailEnd type="none" w="sm" len="sm"/>
           </a:ln>
         </p:spPr>
         <p:txBody>
-          <a:bodyPr anchorCtr="0" anchor="ctr" bIns="91425" lIns="91425" spcFirstLastPara="1" rIns="91425" wrap="square" tIns="91425">
+          <a:bodyPr spcFirstLastPara="1" wrap="square" lIns="91425" tIns="91425" rIns="91425" bIns="91425" anchor="ctr" anchorCtr="0">
             <a:noAutofit/>
           </a:bodyPr>
           <a:lstStyle/>
           <a:p>
-            <a:pPr indent="0" lvl="0" marL="0" rtl="0" algn="l">
+            <a:pPr marL="0" lvl="0" indent="0" algn="l" rtl="0">
               <a:spcBef>
                 <a:spcPts val="0"/>
               </a:spcBef>
@@ -12158,7 +12292,7 @@
       <p:sp>
         <p:nvSpPr>
           <p:cNvPr id="139" name="Google Shape;139;p19">
-            <a:hlinkClick action="ppaction://hlinksldjump" r:id="rId4"/>
+            <a:hlinkClick r:id="rId4" action="ppaction://hlinksldjump"/>
           </p:cNvPr>
           <p:cNvSpPr/>
           <p:nvPr/>
@@ -12170,30 +12304,30 @@
           </a:xfrm>
           <a:prstGeom prst="leftArrow">
             <a:avLst>
-              <a:gd fmla="val 50000" name="adj1"/>
-              <a:gd fmla="val 50000" name="adj2"/>
+              <a:gd name="adj1" fmla="val 50000"/>
+              <a:gd name="adj2" fmla="val 50000"/>
             </a:avLst>
           </a:prstGeom>
           <a:solidFill>
             <a:srgbClr val="C9DAF8"/>
           </a:solidFill>
-          <a:ln cap="flat" cmpd="sng" w="9525">
+          <a:ln w="9525" cap="flat" cmpd="sng">
             <a:solidFill>
               <a:srgbClr val="4A86E8"/>
             </a:solidFill>
             <a:prstDash val="solid"/>
             <a:round/>
-            <a:headEnd len="sm" w="sm" type="none"/>
-            <a:tailEnd len="sm" w="sm" type="none"/>
+            <a:headEnd type="none" w="sm" len="sm"/>
+            <a:tailEnd type="none" w="sm" len="sm"/>
           </a:ln>
         </p:spPr>
         <p:txBody>
-          <a:bodyPr anchorCtr="0" anchor="ctr" bIns="91425" lIns="91425" spcFirstLastPara="1" rIns="91425" wrap="square" tIns="91425">
+          <a:bodyPr spcFirstLastPara="1" wrap="square" lIns="91425" tIns="91425" rIns="91425" bIns="91425" anchor="ctr" anchorCtr="0">
             <a:noAutofit/>
           </a:bodyPr>
           <a:lstStyle/>
           <a:p>
-            <a:pPr indent="0" lvl="0" marL="0" rtl="0" algn="l">
+            <a:pPr marL="0" lvl="0" indent="0" algn="l" rtl="0">
               <a:spcBef>
                 <a:spcPts val="0"/>
               </a:spcBef>
@@ -12203,7 +12337,7 @@
               <a:buNone/>
             </a:pPr>
             <a:r>
-              <a:rPr b="1" lang="en-GB" sz="600">
+              <a:rPr lang="en-GB" sz="600" b="1">
                 <a:latin typeface="Open Sans"/>
                 <a:ea typeface="Open Sans"/>
                 <a:cs typeface="Open Sans"/>
@@ -12211,7 +12345,7 @@
               </a:rPr>
               <a:t>One level up</a:t>
             </a:r>
-            <a:endParaRPr b="1" sz="600">
+            <a:endParaRPr sz="600" b="1">
               <a:latin typeface="Open Sans"/>
               <a:ea typeface="Open Sans"/>
               <a:cs typeface="Open Sans"/>
@@ -12229,11 +12363,11 @@
 </file>
 
 <file path=ppt/slides/slide8.xml><?xml version="1.0" encoding="utf-8"?>
-<p:sld xmlns:a="http://schemas.openxmlformats.org/drawingml/2006/main" xmlns:r="http://schemas.openxmlformats.org/officeDocument/2006/relationships" xmlns:mc="http://schemas.openxmlformats.org/markup-compatibility/2006" xmlns:mv="urn:schemas-microsoft-com:mac:vml" xmlns:p="http://schemas.openxmlformats.org/presentationml/2006/main" xmlns:c="http://schemas.openxmlformats.org/drawingml/2006/chart" xmlns:dgm="http://schemas.openxmlformats.org/drawingml/2006/diagram" xmlns:o="urn:schemas-microsoft-com:office:office" xmlns:v="urn:schemas-microsoft-com:vml" xmlns:pvml="urn:schemas-microsoft-com:office:powerpoint" xmlns:com="http://schemas.openxmlformats.org/drawingml/2006/compatibility" xmlns:p14="http://schemas.microsoft.com/office/powerpoint/2010/main" xmlns:p15="http://schemas.microsoft.com/office/powerpoint/2012/main">
+<p:sld xmlns:a="http://schemas.openxmlformats.org/drawingml/2006/main" xmlns:r="http://schemas.openxmlformats.org/officeDocument/2006/relationships" xmlns:p="http://schemas.openxmlformats.org/presentationml/2006/main">
   <p:cSld>
     <p:spTree>
       <p:nvGrpSpPr>
-        <p:cNvPr id="143" name="Shape 143"/>
+        <p:cNvPr id="1" name="Shape 143"/>
         <p:cNvGrpSpPr/>
         <p:nvPr/>
       </p:nvGrpSpPr>
@@ -12248,7 +12382,9 @@
       <p:sp>
         <p:nvSpPr>
           <p:cNvPr id="144" name="Google Shape;144;p20"/>
-          <p:cNvSpPr txBox="1"/>
+          <p:cNvSpPr txBox="1">
+            <a:spLocks noGrp="1"/>
+          </p:cNvSpPr>
           <p:nvPr>
             <p:ph type="title"/>
           </p:nvPr>
@@ -12263,12 +12399,12 @@
           </a:prstGeom>
         </p:spPr>
         <p:txBody>
-          <a:bodyPr anchorCtr="0" anchor="b" bIns="91425" lIns="91425" spcFirstLastPara="1" rIns="91425" wrap="square" tIns="91425">
+          <a:bodyPr spcFirstLastPara="1" wrap="square" lIns="91425" tIns="91425" rIns="91425" bIns="91425" anchor="b" anchorCtr="0">
             <a:noAutofit/>
           </a:bodyPr>
           <a:lstStyle/>
           <a:p>
-            <a:pPr indent="0" lvl="0" marL="0" rtl="0" algn="l">
+            <a:pPr marL="0" lvl="0" indent="0" algn="l" rtl="0">
               <a:spcBef>
                 <a:spcPts val="0"/>
               </a:spcBef>
@@ -12288,9 +12424,11 @@
       <p:sp>
         <p:nvSpPr>
           <p:cNvPr id="145" name="Google Shape;145;p20"/>
-          <p:cNvSpPr txBox="1"/>
+          <p:cNvSpPr txBox="1">
+            <a:spLocks noGrp="1"/>
+          </p:cNvSpPr>
           <p:nvPr>
-            <p:ph idx="12" type="sldNum"/>
+            <p:ph type="sldNum" idx="12"/>
           </p:nvPr>
         </p:nvSpPr>
         <p:spPr>
@@ -12303,12 +12441,12 @@
           </a:prstGeom>
         </p:spPr>
         <p:txBody>
-          <a:bodyPr anchorCtr="0" anchor="ctr" bIns="91425" lIns="91425" spcFirstLastPara="1" rIns="91425" wrap="square" tIns="91425">
+          <a:bodyPr spcFirstLastPara="1" wrap="square" lIns="91425" tIns="91425" rIns="91425" bIns="91425" anchor="ctr" anchorCtr="0">
             <a:noAutofit/>
           </a:bodyPr>
           <a:lstStyle/>
           <a:p>
-            <a:pPr indent="0" lvl="0" marL="0" rtl="0" algn="r">
+            <a:pPr marL="0" lvl="0" indent="0" algn="r" rtl="0">
               <a:spcBef>
                 <a:spcPts val="0"/>
               </a:spcBef>
@@ -12319,7 +12457,7 @@
             </a:pPr>
             <a:fld id="{00000000-1234-1234-1234-123412341234}" type="slidenum">
               <a:rPr lang="en-GB"/>
-              <a:t>‹#›</a:t>
+              <a:t>8</a:t>
             </a:fld>
             <a:endParaRPr/>
           </a:p>
@@ -12327,7 +12465,7 @@
       </p:sp>
       <p:pic>
         <p:nvPicPr>
-          <p:cNvPr descr="P12 Email process - Forward.png" id="146" name="Google Shape;146;p20"/>
+          <p:cNvPr id="146" name="Google Shape;146;p20" descr="P12 Email process - Forward.png"/>
           <p:cNvPicPr preferRelativeResize="0"/>
           <p:nvPr/>
         </p:nvPicPr>
@@ -12366,31 +12504,31 @@
           </a:xfrm>
           <a:prstGeom prst="wedgeRoundRectCallout">
             <a:avLst>
-              <a:gd fmla="val 55666" name="adj1"/>
-              <a:gd fmla="val -83469" name="adj2"/>
-              <a:gd fmla="val 0" name="adj3"/>
+              <a:gd name="adj1" fmla="val 55666"/>
+              <a:gd name="adj2" fmla="val -83469"/>
+              <a:gd name="adj3" fmla="val 0"/>
             </a:avLst>
           </a:prstGeom>
           <a:solidFill>
             <a:srgbClr val="FFD966"/>
           </a:solidFill>
-          <a:ln cap="flat" cmpd="sng" w="9525">
+          <a:ln w="9525" cap="flat" cmpd="sng">
             <a:solidFill>
               <a:srgbClr val="BF9000"/>
             </a:solidFill>
             <a:prstDash val="solid"/>
             <a:round/>
-            <a:headEnd len="sm" w="sm" type="none"/>
-            <a:tailEnd len="sm" w="sm" type="none"/>
+            <a:headEnd type="none" w="sm" len="sm"/>
+            <a:tailEnd type="none" w="sm" len="sm"/>
           </a:ln>
         </p:spPr>
         <p:txBody>
-          <a:bodyPr anchorCtr="0" anchor="ctr" bIns="91425" lIns="91425" spcFirstLastPara="1" rIns="91425" wrap="square" tIns="91425">
+          <a:bodyPr spcFirstLastPara="1" wrap="square" lIns="91425" tIns="91425" rIns="91425" bIns="91425" anchor="ctr" anchorCtr="0">
             <a:noAutofit/>
           </a:bodyPr>
           <a:lstStyle/>
           <a:p>
-            <a:pPr indent="0" lvl="0" marL="0" rtl="0" algn="l">
+            <a:pPr marL="0" lvl="0" indent="0" algn="l" rtl="0">
               <a:spcBef>
                 <a:spcPts val="0"/>
               </a:spcBef>
@@ -12426,7 +12564,7 @@
       <p:sp>
         <p:nvSpPr>
           <p:cNvPr id="148" name="Google Shape;148;p20">
-            <a:hlinkClick action="ppaction://hlinksldjump" r:id="rId4"/>
+            <a:hlinkClick r:id="rId4" action="ppaction://hlinksldjump"/>
           </p:cNvPr>
           <p:cNvSpPr/>
           <p:nvPr/>
@@ -12438,30 +12576,30 @@
           </a:xfrm>
           <a:prstGeom prst="leftArrow">
             <a:avLst>
-              <a:gd fmla="val 50000" name="adj1"/>
-              <a:gd fmla="val 50000" name="adj2"/>
+              <a:gd name="adj1" fmla="val 50000"/>
+              <a:gd name="adj2" fmla="val 50000"/>
             </a:avLst>
           </a:prstGeom>
           <a:solidFill>
             <a:srgbClr val="C9DAF8"/>
           </a:solidFill>
-          <a:ln cap="flat" cmpd="sng" w="9525">
+          <a:ln w="9525" cap="flat" cmpd="sng">
             <a:solidFill>
               <a:srgbClr val="4A86E8"/>
             </a:solidFill>
             <a:prstDash val="solid"/>
             <a:round/>
-            <a:headEnd len="sm" w="sm" type="none"/>
-            <a:tailEnd len="sm" w="sm" type="none"/>
+            <a:headEnd type="none" w="sm" len="sm"/>
+            <a:tailEnd type="none" w="sm" len="sm"/>
           </a:ln>
         </p:spPr>
         <p:txBody>
-          <a:bodyPr anchorCtr="0" anchor="ctr" bIns="91425" lIns="91425" spcFirstLastPara="1" rIns="91425" wrap="square" tIns="91425">
+          <a:bodyPr spcFirstLastPara="1" wrap="square" lIns="91425" tIns="91425" rIns="91425" bIns="91425" anchor="ctr" anchorCtr="0">
             <a:noAutofit/>
           </a:bodyPr>
           <a:lstStyle/>
           <a:p>
-            <a:pPr indent="0" lvl="0" marL="0" rtl="0" algn="l">
+            <a:pPr marL="0" lvl="0" indent="0" algn="l" rtl="0">
               <a:spcBef>
                 <a:spcPts val="0"/>
               </a:spcBef>
@@ -12471,7 +12609,7 @@
               <a:buNone/>
             </a:pPr>
             <a:r>
-              <a:rPr b="1" lang="en-GB" sz="600">
+              <a:rPr lang="en-GB" sz="600" b="1">
                 <a:latin typeface="Open Sans"/>
                 <a:ea typeface="Open Sans"/>
                 <a:cs typeface="Open Sans"/>
@@ -12479,7 +12617,7 @@
               </a:rPr>
               <a:t>One level up</a:t>
             </a:r>
-            <a:endParaRPr b="1" sz="600">
+            <a:endParaRPr sz="600" b="1">
               <a:latin typeface="Open Sans"/>
               <a:ea typeface="Open Sans"/>
               <a:cs typeface="Open Sans"/>
@@ -12497,11 +12635,11 @@
 </file>
 
 <file path=ppt/slides/slide9.xml><?xml version="1.0" encoding="utf-8"?>
-<p:sld xmlns:a="http://schemas.openxmlformats.org/drawingml/2006/main" xmlns:r="http://schemas.openxmlformats.org/officeDocument/2006/relationships" xmlns:mc="http://schemas.openxmlformats.org/markup-compatibility/2006" xmlns:mv="urn:schemas-microsoft-com:mac:vml" xmlns:p="http://schemas.openxmlformats.org/presentationml/2006/main" xmlns:c="http://schemas.openxmlformats.org/drawingml/2006/chart" xmlns:dgm="http://schemas.openxmlformats.org/drawingml/2006/diagram" xmlns:o="urn:schemas-microsoft-com:office:office" xmlns:v="urn:schemas-microsoft-com:vml" xmlns:pvml="urn:schemas-microsoft-com:office:powerpoint" xmlns:com="http://schemas.openxmlformats.org/drawingml/2006/compatibility" xmlns:p14="http://schemas.microsoft.com/office/powerpoint/2010/main" xmlns:p15="http://schemas.microsoft.com/office/powerpoint/2012/main">
+<p:sld xmlns:a="http://schemas.openxmlformats.org/drawingml/2006/main" xmlns:r="http://schemas.openxmlformats.org/officeDocument/2006/relationships" xmlns:p="http://schemas.openxmlformats.org/presentationml/2006/main">
   <p:cSld>
     <p:spTree>
       <p:nvGrpSpPr>
-        <p:cNvPr id="152" name="Shape 152"/>
+        <p:cNvPr id="1" name="Shape 152"/>
         <p:cNvGrpSpPr/>
         <p:nvPr/>
       </p:nvGrpSpPr>
@@ -12516,7 +12654,9 @@
       <p:sp>
         <p:nvSpPr>
           <p:cNvPr id="153" name="Google Shape;153;p21"/>
-          <p:cNvSpPr txBox="1"/>
+          <p:cNvSpPr txBox="1">
+            <a:spLocks noGrp="1"/>
+          </p:cNvSpPr>
           <p:nvPr>
             <p:ph type="title"/>
           </p:nvPr>
@@ -12531,12 +12671,12 @@
           </a:prstGeom>
         </p:spPr>
         <p:txBody>
-          <a:bodyPr anchorCtr="0" anchor="b" bIns="91425" lIns="91425" spcFirstLastPara="1" rIns="91425" wrap="square" tIns="91425">
+          <a:bodyPr spcFirstLastPara="1" wrap="square" lIns="91425" tIns="91425" rIns="91425" bIns="91425" anchor="b" anchorCtr="0">
             <a:noAutofit/>
           </a:bodyPr>
           <a:lstStyle/>
           <a:p>
-            <a:pPr indent="0" lvl="0" marL="0" rtl="0" algn="l">
+            <a:pPr marL="0" lvl="0" indent="0" algn="l" rtl="0">
               <a:spcBef>
                 <a:spcPts val="0"/>
               </a:spcBef>
@@ -12556,9 +12696,11 @@
       <p:sp>
         <p:nvSpPr>
           <p:cNvPr id="154" name="Google Shape;154;p21"/>
-          <p:cNvSpPr txBox="1"/>
+          <p:cNvSpPr txBox="1">
+            <a:spLocks noGrp="1"/>
+          </p:cNvSpPr>
           <p:nvPr>
-            <p:ph idx="12" type="sldNum"/>
+            <p:ph type="sldNum" idx="12"/>
           </p:nvPr>
         </p:nvSpPr>
         <p:spPr>
@@ -12571,12 +12713,12 @@
           </a:prstGeom>
         </p:spPr>
         <p:txBody>
-          <a:bodyPr anchorCtr="0" anchor="ctr" bIns="91425" lIns="91425" spcFirstLastPara="1" rIns="91425" wrap="square" tIns="91425">
+          <a:bodyPr spcFirstLastPara="1" wrap="square" lIns="91425" tIns="91425" rIns="91425" bIns="91425" anchor="ctr" anchorCtr="0">
             <a:noAutofit/>
           </a:bodyPr>
           <a:lstStyle/>
           <a:p>
-            <a:pPr indent="0" lvl="0" marL="0" rtl="0" algn="r">
+            <a:pPr marL="0" lvl="0" indent="0" algn="r" rtl="0">
               <a:spcBef>
                 <a:spcPts val="0"/>
               </a:spcBef>
@@ -12587,7 +12729,7 @@
             </a:pPr>
             <a:fld id="{00000000-1234-1234-1234-123412341234}" type="slidenum">
               <a:rPr lang="en-GB"/>
-              <a:t>‹#›</a:t>
+              <a:t>9</a:t>
             </a:fld>
             <a:endParaRPr/>
           </a:p>
@@ -12634,38 +12776,35 @@
           </a:xfrm>
           <a:prstGeom prst="roundRect">
             <a:avLst>
-              <a:gd fmla="val 16667" name="adj"/>
+              <a:gd name="adj" fmla="val 16667"/>
             </a:avLst>
           </a:prstGeom>
           <a:noFill/>
-          <a:ln cap="flat" cmpd="sng" w="19050">
+          <a:ln w="19050" cap="flat" cmpd="sng">
             <a:solidFill>
               <a:srgbClr val="FF0000"/>
             </a:solidFill>
             <a:prstDash val="dash"/>
             <a:round/>
-            <a:headEnd len="sm" w="sm" type="none"/>
-            <a:tailEnd len="sm" w="sm" type="none"/>
+            <a:headEnd type="none" w="sm" len="sm"/>
+            <a:tailEnd type="none" w="sm" len="sm"/>
           </a:ln>
         </p:spPr>
         <p:txBody>
-          <a:bodyPr anchorCtr="0" anchor="ctr" bIns="91425" lIns="91425" spcFirstLastPara="1" rIns="91425" wrap="square" tIns="91425">
+          <a:bodyPr spcFirstLastPara="1" wrap="square" lIns="91425" tIns="91425" rIns="91425" bIns="91425" anchor="ctr" anchorCtr="0">
             <a:noAutofit/>
           </a:bodyPr>
           <a:lstStyle/>
           <a:p>
-            <a:pPr indent="0" lvl="0" marL="0" rtl="0" algn="l">
-              <a:spcBef>
-                <a:spcPts val="0"/>
-              </a:spcBef>
-              <a:spcAft>
-                <a:spcPts val="0"/>
-              </a:spcAft>
-              <a:buNone/>
-            </a:pPr>
-            <a:r>
-              <a:t/>
-            </a:r>
+            <a:pPr marL="0" lvl="0" indent="0" algn="l" rtl="0">
+              <a:spcBef>
+                <a:spcPts val="0"/>
+              </a:spcBef>
+              <a:spcAft>
+                <a:spcPts val="0"/>
+              </a:spcAft>
+              <a:buNone/>
+            </a:pPr>
             <a:endParaRPr/>
           </a:p>
         </p:txBody>
@@ -12683,38 +12822,35 @@
           </a:xfrm>
           <a:prstGeom prst="roundRect">
             <a:avLst>
-              <a:gd fmla="val 16667" name="adj"/>
+              <a:gd name="adj" fmla="val 16667"/>
             </a:avLst>
           </a:prstGeom>
           <a:noFill/>
-          <a:ln cap="flat" cmpd="sng" w="19050">
+          <a:ln w="19050" cap="flat" cmpd="sng">
             <a:solidFill>
               <a:srgbClr val="FF0000"/>
             </a:solidFill>
             <a:prstDash val="dash"/>
             <a:round/>
-            <a:headEnd len="sm" w="sm" type="none"/>
-            <a:tailEnd len="sm" w="sm" type="none"/>
+            <a:headEnd type="none" w="sm" len="sm"/>
+            <a:tailEnd type="none" w="sm" len="sm"/>
           </a:ln>
         </p:spPr>
         <p:txBody>
-          <a:bodyPr anchorCtr="0" anchor="ctr" bIns="91425" lIns="91425" spcFirstLastPara="1" rIns="91425" wrap="square" tIns="91425">
+          <a:bodyPr spcFirstLastPara="1" wrap="square" lIns="91425" tIns="91425" rIns="91425" bIns="91425" anchor="ctr" anchorCtr="0">
             <a:noAutofit/>
           </a:bodyPr>
           <a:lstStyle/>
           <a:p>
-            <a:pPr indent="0" lvl="0" marL="0" rtl="0" algn="l">
-              <a:spcBef>
-                <a:spcPts val="0"/>
-              </a:spcBef>
-              <a:spcAft>
-                <a:spcPts val="0"/>
-              </a:spcAft>
-              <a:buNone/>
-            </a:pPr>
-            <a:r>
-              <a:t/>
-            </a:r>
+            <a:pPr marL="0" lvl="0" indent="0" algn="l" rtl="0">
+              <a:spcBef>
+                <a:spcPts val="0"/>
+              </a:spcBef>
+              <a:spcAft>
+                <a:spcPts val="0"/>
+              </a:spcAft>
+              <a:buNone/>
+            </a:pPr>
             <a:endParaRPr/>
           </a:p>
         </p:txBody>
@@ -12732,38 +12868,35 @@
           </a:xfrm>
           <a:prstGeom prst="roundRect">
             <a:avLst>
-              <a:gd fmla="val 16667" name="adj"/>
+              <a:gd name="adj" fmla="val 16667"/>
             </a:avLst>
           </a:prstGeom>
           <a:noFill/>
-          <a:ln cap="flat" cmpd="sng" w="19050">
+          <a:ln w="19050" cap="flat" cmpd="sng">
             <a:solidFill>
               <a:srgbClr val="FF0000"/>
             </a:solidFill>
             <a:prstDash val="dash"/>
             <a:round/>
-            <a:headEnd len="sm" w="sm" type="none"/>
-            <a:tailEnd len="sm" w="sm" type="none"/>
+            <a:headEnd type="none" w="sm" len="sm"/>
+            <a:tailEnd type="none" w="sm" len="sm"/>
           </a:ln>
         </p:spPr>
         <p:txBody>
-          <a:bodyPr anchorCtr="0" anchor="ctr" bIns="91425" lIns="91425" spcFirstLastPara="1" rIns="91425" wrap="square" tIns="91425">
+          <a:bodyPr spcFirstLastPara="1" wrap="square" lIns="91425" tIns="91425" rIns="91425" bIns="91425" anchor="ctr" anchorCtr="0">
             <a:noAutofit/>
           </a:bodyPr>
           <a:lstStyle/>
           <a:p>
-            <a:pPr indent="0" lvl="0" marL="0" rtl="0" algn="l">
-              <a:spcBef>
-                <a:spcPts val="0"/>
-              </a:spcBef>
-              <a:spcAft>
-                <a:spcPts val="0"/>
-              </a:spcAft>
-              <a:buNone/>
-            </a:pPr>
-            <a:r>
-              <a:t/>
-            </a:r>
+            <a:pPr marL="0" lvl="0" indent="0" algn="l" rtl="0">
+              <a:spcBef>
+                <a:spcPts val="0"/>
+              </a:spcBef>
+              <a:spcAft>
+                <a:spcPts val="0"/>
+              </a:spcAft>
+              <a:buNone/>
+            </a:pPr>
             <a:endParaRPr/>
           </a:p>
         </p:txBody>
@@ -12788,12 +12921,12 @@
           </a:ln>
         </p:spPr>
         <p:txBody>
-          <a:bodyPr anchorCtr="0" anchor="t" bIns="91425" lIns="91425" spcFirstLastPara="1" rIns="91425" wrap="square" tIns="91425">
+          <a:bodyPr spcFirstLastPara="1" wrap="square" lIns="91425" tIns="91425" rIns="91425" bIns="91425" anchor="t" anchorCtr="0">
             <a:noAutofit/>
           </a:bodyPr>
           <a:lstStyle/>
           <a:p>
-            <a:pPr indent="0" lvl="0" marL="0" rtl="0" algn="l">
+            <a:pPr marL="0" lvl="0" indent="0" algn="l" rtl="0">
               <a:spcBef>
                 <a:spcPts val="0"/>
               </a:spcBef>
@@ -12842,18 +12975,18 @@
           </a:xfrm>
           <a:prstGeom prst="curvedConnector3">
             <a:avLst>
-              <a:gd fmla="val 49997" name="adj1"/>
+              <a:gd name="adj1" fmla="val 49997"/>
             </a:avLst>
           </a:prstGeom>
           <a:noFill/>
-          <a:ln cap="flat" cmpd="sng" w="9525">
+          <a:ln w="9525" cap="flat" cmpd="sng">
             <a:solidFill>
               <a:srgbClr val="FF0000"/>
             </a:solidFill>
             <a:prstDash val="dot"/>
             <a:round/>
-            <a:headEnd len="med" w="med" type="none"/>
-            <a:tailEnd len="med" w="med" type="none"/>
+            <a:headEnd type="none" w="med" len="med"/>
+            <a:tailEnd type="none" w="med" len="med"/>
           </a:ln>
         </p:spPr>
       </p:cxnSp>
@@ -12873,18 +13006,18 @@
           </a:xfrm>
           <a:prstGeom prst="curvedConnector3">
             <a:avLst>
-              <a:gd fmla="val 50001" name="adj1"/>
+              <a:gd name="adj1" fmla="val 50001"/>
             </a:avLst>
           </a:prstGeom>
           <a:noFill/>
-          <a:ln cap="flat" cmpd="sng" w="9525">
+          <a:ln w="9525" cap="flat" cmpd="sng">
             <a:solidFill>
               <a:srgbClr val="FF0000"/>
             </a:solidFill>
             <a:prstDash val="dot"/>
             <a:round/>
-            <a:headEnd len="med" w="med" type="none"/>
-            <a:tailEnd len="med" w="med" type="none"/>
+            <a:headEnd type="none" w="med" len="med"/>
+            <a:tailEnd type="none" w="med" len="med"/>
           </a:ln>
         </p:spPr>
       </p:cxnSp>
@@ -12904,25 +13037,25 @@
           </a:xfrm>
           <a:prstGeom prst="curvedConnector3">
             <a:avLst>
-              <a:gd fmla="val -22132" name="adj1"/>
+              <a:gd name="adj1" fmla="val -22132"/>
             </a:avLst>
           </a:prstGeom>
           <a:noFill/>
-          <a:ln cap="flat" cmpd="sng" w="9525">
+          <a:ln w="9525" cap="flat" cmpd="sng">
             <a:solidFill>
               <a:srgbClr val="FF0000"/>
             </a:solidFill>
             <a:prstDash val="dot"/>
             <a:round/>
-            <a:headEnd len="med" w="med" type="none"/>
-            <a:tailEnd len="med" w="med" type="none"/>
+            <a:headEnd type="none" w="med" len="med"/>
+            <a:tailEnd type="none" w="med" len="med"/>
           </a:ln>
         </p:spPr>
       </p:cxnSp>
       <p:sp>
         <p:nvSpPr>
           <p:cNvPr id="163" name="Google Shape;163;p21">
-            <a:hlinkClick action="ppaction://hlinksldjump" r:id="rId4"/>
+            <a:hlinkClick r:id="rId4" action="ppaction://hlinksldjump"/>
           </p:cNvPr>
           <p:cNvSpPr/>
           <p:nvPr/>
@@ -12934,30 +13067,30 @@
           </a:xfrm>
           <a:prstGeom prst="leftArrow">
             <a:avLst>
-              <a:gd fmla="val 50000" name="adj1"/>
-              <a:gd fmla="val 50000" name="adj2"/>
+              <a:gd name="adj1" fmla="val 50000"/>
+              <a:gd name="adj2" fmla="val 50000"/>
             </a:avLst>
           </a:prstGeom>
           <a:solidFill>
             <a:srgbClr val="C9DAF8"/>
           </a:solidFill>
-          <a:ln cap="flat" cmpd="sng" w="9525">
+          <a:ln w="9525" cap="flat" cmpd="sng">
             <a:solidFill>
               <a:srgbClr val="4A86E8"/>
             </a:solidFill>
             <a:prstDash val="solid"/>
             <a:round/>
-            <a:headEnd len="sm" w="sm" type="none"/>
-            <a:tailEnd len="sm" w="sm" type="none"/>
+            <a:headEnd type="none" w="sm" len="sm"/>
+            <a:tailEnd type="none" w="sm" len="sm"/>
           </a:ln>
         </p:spPr>
         <p:txBody>
-          <a:bodyPr anchorCtr="0" anchor="ctr" bIns="91425" lIns="91425" spcFirstLastPara="1" rIns="91425" wrap="square" tIns="91425">
+          <a:bodyPr spcFirstLastPara="1" wrap="square" lIns="91425" tIns="91425" rIns="91425" bIns="91425" anchor="ctr" anchorCtr="0">
             <a:noAutofit/>
           </a:bodyPr>
           <a:lstStyle/>
           <a:p>
-            <a:pPr indent="0" lvl="0" marL="0" rtl="0" algn="l">
+            <a:pPr marL="0" lvl="0" indent="0" algn="l" rtl="0">
               <a:spcBef>
                 <a:spcPts val="0"/>
               </a:spcBef>
@@ -12967,7 +13100,7 @@
               <a:buNone/>
             </a:pPr>
             <a:r>
-              <a:rPr b="1" lang="en-GB" sz="600">
+              <a:rPr lang="en-GB" sz="600" b="1">
                 <a:latin typeface="Open Sans"/>
                 <a:ea typeface="Open Sans"/>
                 <a:cs typeface="Open Sans"/>
@@ -12975,7 +13108,7 @@
               </a:rPr>
               <a:t>One level up</a:t>
             </a:r>
-            <a:endParaRPr b="1" sz="600">
+            <a:endParaRPr sz="600" b="1">
               <a:latin typeface="Open Sans"/>
               <a:ea typeface="Open Sans"/>
               <a:cs typeface="Open Sans"/>
@@ -12993,7 +13126,7 @@
 </file>
 
 <file path=ppt/theme/theme1.xml><?xml version="1.0" encoding="utf-8"?>
-<a:theme xmlns:a="http://schemas.openxmlformats.org/drawingml/2006/main" xmlns:r="http://schemas.openxmlformats.org/officeDocument/2006/relationships" name="Material">
+<a:theme xmlns:a="http://schemas.openxmlformats.org/drawingml/2006/main" name="Material">
   <a:themeElements>
     <a:clrScheme name="Material">
       <a:dk1>
@@ -13268,11 +13401,13 @@
       </a:bgFillStyleLst>
     </a:fmtScheme>
   </a:themeElements>
+  <a:objectDefaults/>
+  <a:extraClrSchemeLst/>
 </a:theme>
 </file>
 
 <file path=ppt/theme/theme2.xml><?xml version="1.0" encoding="utf-8"?>
-<a:theme xmlns:a="http://schemas.openxmlformats.org/drawingml/2006/main" xmlns:r="http://schemas.openxmlformats.org/officeDocument/2006/relationships">
+<a:theme xmlns:a="http://schemas.openxmlformats.org/drawingml/2006/main">
   <a:themeElements>
     <a:clrScheme name="Default">
       <a:dk1>
@@ -13547,5 +13682,7 @@
       </a:bgFillStyleLst>
     </a:fmtScheme>
   </a:themeElements>
+  <a:objectDefaults/>
+  <a:extraClrSchemeLst/>
 </a:theme>
 </file>